--- a/19042025-MCP-dotnet-dotnetblr/Intro to Model Context Protocol(MCP).pptx
+++ b/19042025-MCP-dotnet-dotnetblr/Intro to Model Context Protocol(MCP).pptx
@@ -5,7 +5,7 @@
     <p:sldMasterId id="2147483648" r:id="rId1"/>
   </p:sldMasterIdLst>
   <p:notesMasterIdLst>
-    <p:notesMasterId r:id="rId18"/>
+    <p:notesMasterId r:id="rId20"/>
   </p:notesMasterIdLst>
   <p:sldIdLst>
     <p:sldId id="256" r:id="rId2"/>
@@ -21,9 +21,11 @@
     <p:sldId id="262" r:id="rId12"/>
     <p:sldId id="337" r:id="rId13"/>
     <p:sldId id="339" r:id="rId14"/>
-    <p:sldId id="327" r:id="rId15"/>
-    <p:sldId id="326" r:id="rId16"/>
-    <p:sldId id="325" r:id="rId17"/>
+    <p:sldId id="343" r:id="rId15"/>
+    <p:sldId id="344" r:id="rId16"/>
+    <p:sldId id="345" r:id="rId17"/>
+    <p:sldId id="327" r:id="rId18"/>
+    <p:sldId id="326" r:id="rId19"/>
   </p:sldIdLst>
   <p:sldSz cx="12192000" cy="6858000"/>
   <p:notesSz cx="6858000" cy="9144000"/>
@@ -22256,90 +22258,6 @@
 </p:notesMaster>
 </file>
 
-<file path=ppt/notesSlides/notesSlide1.xml><?xml version="1.0" encoding="utf-8"?>
-<p:notes xmlns:a="http://schemas.openxmlformats.org/drawingml/2006/main" xmlns:r="http://schemas.openxmlformats.org/officeDocument/2006/relationships" xmlns:p="http://schemas.openxmlformats.org/presentationml/2006/main">
-  <p:cSld>
-    <p:spTree>
-      <p:nvGrpSpPr>
-        <p:cNvPr id="1" name=""/>
-        <p:cNvGrpSpPr/>
-        <p:nvPr/>
-      </p:nvGrpSpPr>
-      <p:grpSpPr>
-        <a:xfrm>
-          <a:off x="0" y="0"/>
-          <a:ext cx="0" cy="0"/>
-          <a:chOff x="0" y="0"/>
-          <a:chExt cx="0" cy="0"/>
-        </a:xfrm>
-      </p:grpSpPr>
-      <p:sp>
-        <p:nvSpPr>
-          <p:cNvPr id="2" name="Slide Image Placeholder 1"/>
-          <p:cNvSpPr>
-            <a:spLocks noGrp="1" noRot="1" noChangeAspect="1"/>
-          </p:cNvSpPr>
-          <p:nvPr>
-            <p:ph type="sldImg"/>
-          </p:nvPr>
-        </p:nvSpPr>
-        <p:spPr/>
-      </p:sp>
-      <p:sp>
-        <p:nvSpPr>
-          <p:cNvPr id="3" name="Notes Placeholder 2"/>
-          <p:cNvSpPr>
-            <a:spLocks noGrp="1"/>
-          </p:cNvSpPr>
-          <p:nvPr>
-            <p:ph type="body" idx="1"/>
-          </p:nvPr>
-        </p:nvSpPr>
-        <p:spPr/>
-        <p:txBody>
-          <a:bodyPr/>
-          <a:lstStyle/>
-          <a:p>
-            <a:endParaRPr lang="en-US" dirty="0"/>
-          </a:p>
-        </p:txBody>
-      </p:sp>
-      <p:sp>
-        <p:nvSpPr>
-          <p:cNvPr id="4" name="Slide Number Placeholder 3"/>
-          <p:cNvSpPr>
-            <a:spLocks noGrp="1"/>
-          </p:cNvSpPr>
-          <p:nvPr>
-            <p:ph type="sldNum" sz="quarter" idx="10"/>
-          </p:nvPr>
-        </p:nvSpPr>
-        <p:spPr/>
-        <p:txBody>
-          <a:bodyPr/>
-          <a:lstStyle/>
-          <a:p>
-            <a:fld id="{55849CEA-452E-49F3-92ED-210B64DD3C6C}" type="slidenum">
-              <a:rPr lang="en-US" smtClean="0"/>
-              <a:t>16</a:t>
-            </a:fld>
-            <a:endParaRPr lang="en-US" dirty="0"/>
-          </a:p>
-        </p:txBody>
-      </p:sp>
-    </p:spTree>
-    <p:extLst>
-      <p:ext uri="{BB962C8B-B14F-4D97-AF65-F5344CB8AC3E}">
-        <p14:creationId xmlns:p14="http://schemas.microsoft.com/office/powerpoint/2010/main" val="2684658667"/>
-      </p:ext>
-    </p:extLst>
-  </p:cSld>
-  <p:clrMapOvr>
-    <a:masterClrMapping/>
-  </p:clrMapOvr>
-</p:notes>
-</file>
-
 <file path=ppt/slideLayouts/slideLayout1.xml><?xml version="1.0" encoding="utf-8"?>
 <p:sldLayout xmlns:a="http://schemas.openxmlformats.org/drawingml/2006/main" xmlns:r="http://schemas.openxmlformats.org/officeDocument/2006/relationships" xmlns:p="http://schemas.openxmlformats.org/presentationml/2006/main" type="title" preserve="1">
   <p:cSld name="Title Slide">
@@ -35057,6 +34975,887 @@
           <a:chExt cx="0" cy="0"/>
         </a:xfrm>
       </p:grpSpPr>
+      <p:sp useBgFill="1">
+        <p:nvSpPr>
+          <p:cNvPr id="12" name="Rectangle 11">
+            <a:extLst>
+              <a:ext uri="{FF2B5EF4-FFF2-40B4-BE49-F238E27FC236}">
+                <a16:creationId xmlns:a16="http://schemas.microsoft.com/office/drawing/2014/main" id="{B95B9BA8-1D69-4796-85F5-B6D0BD52354B}"/>
+              </a:ext>
+              <a:ext uri="{C183D7F6-B498-43B3-948B-1728B52AA6E4}">
+                <adec:decorative xmlns:adec="http://schemas.microsoft.com/office/drawing/2017/decorative" val="1"/>
+              </a:ext>
+            </a:extLst>
+          </p:cNvPr>
+          <p:cNvSpPr>
+            <a:spLocks noGrp="1" noRot="1" noChangeAspect="1" noMove="1" noResize="1" noEditPoints="1" noAdjustHandles="1" noChangeArrowheads="1" noChangeShapeType="1" noTextEdit="1"/>
+          </p:cNvSpPr>
+          <p:nvPr>
+            <p:extLst>
+              <p:ext uri="{386F3935-93C4-4BCD-93E2-E3B085C9AB24}">
+                <p16:designElem xmlns:p16="http://schemas.microsoft.com/office/powerpoint/2015/main" val="1"/>
+              </p:ext>
+            </p:extLst>
+          </p:nvPr>
+        </p:nvSpPr>
+        <p:spPr>
+          <a:xfrm>
+            <a:off x="0" y="0"/>
+            <a:ext cx="12192000" cy="6858000"/>
+          </a:xfrm>
+          <a:prstGeom prst="rect">
+            <a:avLst/>
+          </a:prstGeom>
+          <a:solidFill>
+            <a:schemeClr val="tx1"/>
+          </a:solidFill>
+          <a:ln w="12700" cap="flat" cmpd="sng" algn="ctr">
+            <a:noFill/>
+            <a:prstDash val="solid"/>
+            <a:miter lim="800000"/>
+          </a:ln>
+          <a:effectLst/>
+        </p:spPr>
+        <p:style>
+          <a:lnRef idx="2">
+            <a:schemeClr val="accent1">
+              <a:shade val="50000"/>
+            </a:schemeClr>
+          </a:lnRef>
+          <a:fillRef idx="1">
+            <a:schemeClr val="accent1"/>
+          </a:fillRef>
+          <a:effectRef idx="0">
+            <a:schemeClr val="accent1"/>
+          </a:effectRef>
+          <a:fontRef idx="minor">
+            <a:schemeClr val="lt1"/>
+          </a:fontRef>
+        </p:style>
+        <p:txBody>
+          <a:bodyPr rtlCol="0" anchor="ctr"/>
+          <a:lstStyle/>
+          <a:p>
+            <a:pPr algn="ctr"/>
+            <a:endParaRPr lang="en-US"/>
+          </a:p>
+        </p:txBody>
+      </p:sp>
+      <p:sp>
+        <p:nvSpPr>
+          <p:cNvPr id="2" name="Title 1">
+            <a:extLst>
+              <a:ext uri="{FF2B5EF4-FFF2-40B4-BE49-F238E27FC236}">
+                <a16:creationId xmlns:a16="http://schemas.microsoft.com/office/drawing/2014/main" id="{179FD605-F3B5-A7AC-F1CF-3624C1CA1E33}"/>
+              </a:ext>
+            </a:extLst>
+          </p:cNvPr>
+          <p:cNvSpPr>
+            <a:spLocks noGrp="1"/>
+          </p:cNvSpPr>
+          <p:nvPr>
+            <p:ph type="title"/>
+          </p:nvPr>
+        </p:nvSpPr>
+        <p:spPr>
+          <a:xfrm>
+            <a:off x="838199" y="371752"/>
+            <a:ext cx="9321801" cy="1323439"/>
+          </a:xfrm>
+        </p:spPr>
+        <p:txBody>
+          <a:bodyPr anchor="t">
+            <a:normAutofit/>
+          </a:bodyPr>
+          <a:lstStyle/>
+          <a:p>
+            <a:r>
+              <a:rPr lang="en-US" sz="4000" dirty="0">
+                <a:solidFill>
+                  <a:schemeClr val="bg1"/>
+                </a:solidFill>
+              </a:rPr>
+              <a:t>MCP Server – Time Source Code - Packages</a:t>
+            </a:r>
+            <a:endParaRPr lang="en-IN" sz="4000" dirty="0">
+              <a:solidFill>
+                <a:schemeClr val="bg1"/>
+              </a:solidFill>
+            </a:endParaRPr>
+          </a:p>
+        </p:txBody>
+      </p:sp>
+      <p:sp>
+        <p:nvSpPr>
+          <p:cNvPr id="6" name="Content Placeholder 2">
+            <a:extLst>
+              <a:ext uri="{FF2B5EF4-FFF2-40B4-BE49-F238E27FC236}">
+                <a16:creationId xmlns:a16="http://schemas.microsoft.com/office/drawing/2014/main" id="{1C2E3B3C-84EA-0B36-DAC3-35CD98BD098A}"/>
+              </a:ext>
+            </a:extLst>
+          </p:cNvPr>
+          <p:cNvSpPr txBox="1">
+            <a:spLocks/>
+          </p:cNvSpPr>
+          <p:nvPr/>
+        </p:nvSpPr>
+        <p:spPr>
+          <a:xfrm>
+            <a:off x="838199" y="1506766"/>
+            <a:ext cx="11206480" cy="1510754"/>
+          </a:xfrm>
+          <a:prstGeom prst="rect">
+            <a:avLst/>
+          </a:prstGeom>
+        </p:spPr>
+        <p:txBody>
+          <a:bodyPr vert="horz" lIns="91440" tIns="45720" rIns="91440" bIns="45720" rtlCol="0">
+            <a:normAutofit/>
+          </a:bodyPr>
+          <a:lstStyle>
+            <a:lvl1pPr marL="228600" indent="-228600" algn="l" defTabSz="914400" rtl="0" eaLnBrk="1" latinLnBrk="0" hangingPunct="1">
+              <a:lnSpc>
+                <a:spcPct val="90000"/>
+              </a:lnSpc>
+              <a:spcBef>
+                <a:spcPts val="1000"/>
+              </a:spcBef>
+              <a:buFont typeface="Arial" panose="020B0604020202020204" pitchFamily="34" charset="0"/>
+              <a:buChar char="•"/>
+              <a:defRPr sz="2800" kern="1200">
+                <a:solidFill>
+                  <a:schemeClr val="tx1"/>
+                </a:solidFill>
+                <a:latin typeface="+mn-lt"/>
+                <a:ea typeface="+mn-ea"/>
+                <a:cs typeface="+mn-cs"/>
+              </a:defRPr>
+            </a:lvl1pPr>
+            <a:lvl2pPr marL="685800" indent="-228600" algn="l" defTabSz="914400" rtl="0" eaLnBrk="1" latinLnBrk="0" hangingPunct="1">
+              <a:lnSpc>
+                <a:spcPct val="90000"/>
+              </a:lnSpc>
+              <a:spcBef>
+                <a:spcPts val="500"/>
+              </a:spcBef>
+              <a:buFont typeface="Arial" panose="020B0604020202020204" pitchFamily="34" charset="0"/>
+              <a:buChar char="•"/>
+              <a:defRPr sz="2400" kern="1200">
+                <a:solidFill>
+                  <a:schemeClr val="tx1"/>
+                </a:solidFill>
+                <a:latin typeface="+mn-lt"/>
+                <a:ea typeface="+mn-ea"/>
+                <a:cs typeface="+mn-cs"/>
+              </a:defRPr>
+            </a:lvl2pPr>
+            <a:lvl3pPr marL="1143000" indent="-228600" algn="l" defTabSz="914400" rtl="0" eaLnBrk="1" latinLnBrk="0" hangingPunct="1">
+              <a:lnSpc>
+                <a:spcPct val="90000"/>
+              </a:lnSpc>
+              <a:spcBef>
+                <a:spcPts val="500"/>
+              </a:spcBef>
+              <a:buFont typeface="Arial" panose="020B0604020202020204" pitchFamily="34" charset="0"/>
+              <a:buChar char="•"/>
+              <a:defRPr sz="2000" kern="1200">
+                <a:solidFill>
+                  <a:schemeClr val="tx1"/>
+                </a:solidFill>
+                <a:latin typeface="+mn-lt"/>
+                <a:ea typeface="+mn-ea"/>
+                <a:cs typeface="+mn-cs"/>
+              </a:defRPr>
+            </a:lvl3pPr>
+            <a:lvl4pPr marL="1600200" indent="-228600" algn="l" defTabSz="914400" rtl="0" eaLnBrk="1" latinLnBrk="0" hangingPunct="1">
+              <a:lnSpc>
+                <a:spcPct val="90000"/>
+              </a:lnSpc>
+              <a:spcBef>
+                <a:spcPts val="500"/>
+              </a:spcBef>
+              <a:buFont typeface="Arial" panose="020B0604020202020204" pitchFamily="34" charset="0"/>
+              <a:buChar char="•"/>
+              <a:defRPr sz="1800" kern="1200">
+                <a:solidFill>
+                  <a:schemeClr val="tx1"/>
+                </a:solidFill>
+                <a:latin typeface="+mn-lt"/>
+                <a:ea typeface="+mn-ea"/>
+                <a:cs typeface="+mn-cs"/>
+              </a:defRPr>
+            </a:lvl4pPr>
+            <a:lvl5pPr marL="2057400" indent="-228600" algn="l" defTabSz="914400" rtl="0" eaLnBrk="1" latinLnBrk="0" hangingPunct="1">
+              <a:lnSpc>
+                <a:spcPct val="90000"/>
+              </a:lnSpc>
+              <a:spcBef>
+                <a:spcPts val="500"/>
+              </a:spcBef>
+              <a:buFont typeface="Arial" panose="020B0604020202020204" pitchFamily="34" charset="0"/>
+              <a:buChar char="•"/>
+              <a:defRPr sz="1800" kern="1200">
+                <a:solidFill>
+                  <a:schemeClr val="tx1"/>
+                </a:solidFill>
+                <a:latin typeface="+mn-lt"/>
+                <a:ea typeface="+mn-ea"/>
+                <a:cs typeface="+mn-cs"/>
+              </a:defRPr>
+            </a:lvl5pPr>
+            <a:lvl6pPr marL="2514600" indent="-228600" algn="l" defTabSz="914400" rtl="0" eaLnBrk="1" latinLnBrk="0" hangingPunct="1">
+              <a:lnSpc>
+                <a:spcPct val="90000"/>
+              </a:lnSpc>
+              <a:spcBef>
+                <a:spcPts val="500"/>
+              </a:spcBef>
+              <a:buFont typeface="Arial" panose="020B0604020202020204" pitchFamily="34" charset="0"/>
+              <a:buChar char="•"/>
+              <a:defRPr sz="1800" kern="1200">
+                <a:solidFill>
+                  <a:schemeClr val="tx1"/>
+                </a:solidFill>
+                <a:latin typeface="+mn-lt"/>
+                <a:ea typeface="+mn-ea"/>
+                <a:cs typeface="+mn-cs"/>
+              </a:defRPr>
+            </a:lvl6pPr>
+            <a:lvl7pPr marL="2971800" indent="-228600" algn="l" defTabSz="914400" rtl="0" eaLnBrk="1" latinLnBrk="0" hangingPunct="1">
+              <a:lnSpc>
+                <a:spcPct val="90000"/>
+              </a:lnSpc>
+              <a:spcBef>
+                <a:spcPts val="500"/>
+              </a:spcBef>
+              <a:buFont typeface="Arial" panose="020B0604020202020204" pitchFamily="34" charset="0"/>
+              <a:buChar char="•"/>
+              <a:defRPr sz="1800" kern="1200">
+                <a:solidFill>
+                  <a:schemeClr val="tx1"/>
+                </a:solidFill>
+                <a:latin typeface="+mn-lt"/>
+                <a:ea typeface="+mn-ea"/>
+                <a:cs typeface="+mn-cs"/>
+              </a:defRPr>
+            </a:lvl7pPr>
+            <a:lvl8pPr marL="3429000" indent="-228600" algn="l" defTabSz="914400" rtl="0" eaLnBrk="1" latinLnBrk="0" hangingPunct="1">
+              <a:lnSpc>
+                <a:spcPct val="90000"/>
+              </a:lnSpc>
+              <a:spcBef>
+                <a:spcPts val="500"/>
+              </a:spcBef>
+              <a:buFont typeface="Arial" panose="020B0604020202020204" pitchFamily="34" charset="0"/>
+              <a:buChar char="•"/>
+              <a:defRPr sz="1800" kern="1200">
+                <a:solidFill>
+                  <a:schemeClr val="tx1"/>
+                </a:solidFill>
+                <a:latin typeface="+mn-lt"/>
+                <a:ea typeface="+mn-ea"/>
+                <a:cs typeface="+mn-cs"/>
+              </a:defRPr>
+            </a:lvl8pPr>
+            <a:lvl9pPr marL="3886200" indent="-228600" algn="l" defTabSz="914400" rtl="0" eaLnBrk="1" latinLnBrk="0" hangingPunct="1">
+              <a:lnSpc>
+                <a:spcPct val="90000"/>
+              </a:lnSpc>
+              <a:spcBef>
+                <a:spcPts val="500"/>
+              </a:spcBef>
+              <a:buFont typeface="Arial" panose="020B0604020202020204" pitchFamily="34" charset="0"/>
+              <a:buChar char="•"/>
+              <a:defRPr sz="1800" kern="1200">
+                <a:solidFill>
+                  <a:schemeClr val="tx1"/>
+                </a:solidFill>
+                <a:latin typeface="+mn-lt"/>
+                <a:ea typeface="+mn-ea"/>
+                <a:cs typeface="+mn-cs"/>
+              </a:defRPr>
+            </a:lvl9pPr>
+          </a:lstStyle>
+          <a:p>
+            <a:pPr lvl="1"/>
+            <a:r>
+              <a:rPr lang="en-IN" dirty="0">
+                <a:solidFill>
+                  <a:schemeClr val="bg1"/>
+                </a:solidFill>
+                <a:latin typeface="Consolas" panose="020B0609020204030204" pitchFamily="49" charset="0"/>
+                <a:hlinkClick r:id="rId2"/>
+              </a:rPr>
+              <a:t>Microsoft.Extensions.Hosting</a:t>
+            </a:r>
+            <a:endParaRPr lang="en-IN" dirty="0">
+              <a:solidFill>
+                <a:schemeClr val="bg1"/>
+              </a:solidFill>
+              <a:latin typeface="Consolas" panose="020B0609020204030204" pitchFamily="49" charset="0"/>
+            </a:endParaRPr>
+          </a:p>
+          <a:p>
+            <a:pPr lvl="1"/>
+            <a:r>
+              <a:rPr lang="en-IN" dirty="0">
+                <a:solidFill>
+                  <a:schemeClr val="bg1"/>
+                </a:solidFill>
+                <a:latin typeface="Consolas" panose="020B0609020204030204" pitchFamily="49" charset="0"/>
+                <a:hlinkClick r:id="rId3"/>
+              </a:rPr>
+              <a:t>ModelContextProtocol</a:t>
+            </a:r>
+            <a:r>
+              <a:rPr lang="en-IN" dirty="0">
+                <a:solidFill>
+                  <a:schemeClr val="bg1"/>
+                </a:solidFill>
+                <a:latin typeface="Consolas" panose="020B0609020204030204" pitchFamily="49" charset="0"/>
+              </a:rPr>
+              <a:t> </a:t>
+            </a:r>
+            <a:endParaRPr lang="en-IN" dirty="0">
+              <a:solidFill>
+                <a:schemeClr val="bg1"/>
+              </a:solidFill>
+            </a:endParaRPr>
+          </a:p>
+        </p:txBody>
+      </p:sp>
+      <p:pic>
+        <p:nvPicPr>
+          <p:cNvPr id="7" name="Picture 6">
+            <a:extLst>
+              <a:ext uri="{FF2B5EF4-FFF2-40B4-BE49-F238E27FC236}">
+                <a16:creationId xmlns:a16="http://schemas.microsoft.com/office/drawing/2014/main" id="{CB946C24-E122-70B9-835B-EFF5EA0FD062}"/>
+              </a:ext>
+            </a:extLst>
+          </p:cNvPr>
+          <p:cNvPicPr>
+            <a:picLocks noChangeAspect="1"/>
+          </p:cNvPicPr>
+          <p:nvPr/>
+        </p:nvPicPr>
+        <p:blipFill>
+          <a:blip r:embed="rId4"/>
+          <a:stretch>
+            <a:fillRect/>
+          </a:stretch>
+        </p:blipFill>
+        <p:spPr>
+          <a:xfrm>
+            <a:off x="1640919" y="3486942"/>
+            <a:ext cx="8910162" cy="1262858"/>
+          </a:xfrm>
+          <a:prstGeom prst="rect">
+            <a:avLst/>
+          </a:prstGeom>
+        </p:spPr>
+      </p:pic>
+    </p:spTree>
+    <p:extLst>
+      <p:ext uri="{BB962C8B-B14F-4D97-AF65-F5344CB8AC3E}">
+        <p14:creationId xmlns:p14="http://schemas.microsoft.com/office/powerpoint/2010/main" val="2987187634"/>
+      </p:ext>
+    </p:extLst>
+  </p:cSld>
+  <p:clrMapOvr>
+    <a:masterClrMapping/>
+  </p:clrMapOvr>
+</p:sld>
+</file>
+
+<file path=ppt/slides/slide15.xml><?xml version="1.0" encoding="utf-8"?>
+<p:sld xmlns:a="http://schemas.openxmlformats.org/drawingml/2006/main" xmlns:r="http://schemas.openxmlformats.org/officeDocument/2006/relationships" xmlns:p="http://schemas.openxmlformats.org/presentationml/2006/main">
+  <p:cSld>
+    <p:bg>
+      <p:bgPr>
+        <a:solidFill>
+          <a:schemeClr val="bg1"/>
+        </a:solidFill>
+        <a:effectLst/>
+      </p:bgPr>
+    </p:bg>
+    <p:spTree>
+      <p:nvGrpSpPr>
+        <p:cNvPr id="1" name="">
+          <a:extLst>
+            <a:ext uri="{FF2B5EF4-FFF2-40B4-BE49-F238E27FC236}">
+              <a16:creationId xmlns:a16="http://schemas.microsoft.com/office/drawing/2014/main" id="{7A39DD05-57A9-5DC3-BA04-8E98B7581419}"/>
+            </a:ext>
+          </a:extLst>
+        </p:cNvPr>
+        <p:cNvGrpSpPr/>
+        <p:nvPr/>
+      </p:nvGrpSpPr>
+      <p:grpSpPr>
+        <a:xfrm>
+          <a:off x="0" y="0"/>
+          <a:ext cx="0" cy="0"/>
+          <a:chOff x="0" y="0"/>
+          <a:chExt cx="0" cy="0"/>
+        </a:xfrm>
+      </p:grpSpPr>
+      <p:sp useBgFill="1">
+        <p:nvSpPr>
+          <p:cNvPr id="12" name="Rectangle 11">
+            <a:extLst>
+              <a:ext uri="{FF2B5EF4-FFF2-40B4-BE49-F238E27FC236}">
+                <a16:creationId xmlns:a16="http://schemas.microsoft.com/office/drawing/2014/main" id="{860C1F64-05D1-D101-419C-A94DA679CC38}"/>
+              </a:ext>
+              <a:ext uri="{C183D7F6-B498-43B3-948B-1728B52AA6E4}">
+                <adec:decorative xmlns:adec="http://schemas.microsoft.com/office/drawing/2017/decorative" val="1"/>
+              </a:ext>
+            </a:extLst>
+          </p:cNvPr>
+          <p:cNvSpPr>
+            <a:spLocks noGrp="1" noRot="1" noChangeAspect="1" noMove="1" noResize="1" noEditPoints="1" noAdjustHandles="1" noChangeArrowheads="1" noChangeShapeType="1" noTextEdit="1"/>
+          </p:cNvSpPr>
+          <p:nvPr>
+            <p:extLst>
+              <p:ext uri="{386F3935-93C4-4BCD-93E2-E3B085C9AB24}">
+                <p16:designElem xmlns:p16="http://schemas.microsoft.com/office/powerpoint/2015/main" val="1"/>
+              </p:ext>
+            </p:extLst>
+          </p:nvPr>
+        </p:nvSpPr>
+        <p:spPr>
+          <a:xfrm>
+            <a:off x="0" y="0"/>
+            <a:ext cx="12192000" cy="6858000"/>
+          </a:xfrm>
+          <a:prstGeom prst="rect">
+            <a:avLst/>
+          </a:prstGeom>
+          <a:solidFill>
+            <a:schemeClr val="tx1"/>
+          </a:solidFill>
+          <a:ln w="12700" cap="flat" cmpd="sng" algn="ctr">
+            <a:noFill/>
+            <a:prstDash val="solid"/>
+            <a:miter lim="800000"/>
+          </a:ln>
+          <a:effectLst/>
+        </p:spPr>
+        <p:style>
+          <a:lnRef idx="2">
+            <a:schemeClr val="accent1">
+              <a:shade val="50000"/>
+            </a:schemeClr>
+          </a:lnRef>
+          <a:fillRef idx="1">
+            <a:schemeClr val="accent1"/>
+          </a:fillRef>
+          <a:effectRef idx="0">
+            <a:schemeClr val="accent1"/>
+          </a:effectRef>
+          <a:fontRef idx="minor">
+            <a:schemeClr val="lt1"/>
+          </a:fontRef>
+        </p:style>
+        <p:txBody>
+          <a:bodyPr rtlCol="0" anchor="ctr"/>
+          <a:lstStyle/>
+          <a:p>
+            <a:pPr marL="0" marR="0" lvl="0" indent="0" algn="ctr" defTabSz="914400" rtl="0" eaLnBrk="1" fontAlgn="auto" latinLnBrk="0" hangingPunct="1">
+              <a:lnSpc>
+                <a:spcPct val="100000"/>
+              </a:lnSpc>
+              <a:spcBef>
+                <a:spcPts val="0"/>
+              </a:spcBef>
+              <a:spcAft>
+                <a:spcPts val="0"/>
+              </a:spcAft>
+              <a:buClrTx/>
+              <a:buSzTx/>
+              <a:buFontTx/>
+              <a:buNone/>
+              <a:tabLst/>
+              <a:defRPr/>
+            </a:pPr>
+            <a:endParaRPr kumimoji="0" lang="en-US" sz="1800" b="0" i="0" u="none" strike="noStrike" kern="1200" cap="none" spc="0" normalizeH="0" baseline="0" noProof="0">
+              <a:ln>
+                <a:noFill/>
+              </a:ln>
+              <a:solidFill>
+                <a:prstClr val="white"/>
+              </a:solidFill>
+              <a:effectLst/>
+              <a:uLnTx/>
+              <a:uFillTx/>
+              <a:latin typeface="Aptos" panose="02110004020202020204"/>
+              <a:ea typeface="+mn-ea"/>
+              <a:cs typeface="+mn-cs"/>
+            </a:endParaRPr>
+          </a:p>
+        </p:txBody>
+      </p:sp>
+      <p:sp>
+        <p:nvSpPr>
+          <p:cNvPr id="2" name="Title 1">
+            <a:extLst>
+              <a:ext uri="{FF2B5EF4-FFF2-40B4-BE49-F238E27FC236}">
+                <a16:creationId xmlns:a16="http://schemas.microsoft.com/office/drawing/2014/main" id="{BF77F481-8F3E-489F-9254-7793B504C3E2}"/>
+              </a:ext>
+            </a:extLst>
+          </p:cNvPr>
+          <p:cNvSpPr>
+            <a:spLocks noGrp="1"/>
+          </p:cNvSpPr>
+          <p:nvPr>
+            <p:ph type="title"/>
+          </p:nvPr>
+        </p:nvSpPr>
+        <p:spPr>
+          <a:xfrm>
+            <a:off x="838199" y="371752"/>
+            <a:ext cx="8630921" cy="1323439"/>
+          </a:xfrm>
+        </p:spPr>
+        <p:txBody>
+          <a:bodyPr anchor="t">
+            <a:normAutofit/>
+          </a:bodyPr>
+          <a:lstStyle/>
+          <a:p>
+            <a:r>
+              <a:rPr lang="en-US" sz="4000" dirty="0">
+                <a:solidFill>
+                  <a:schemeClr val="bg1"/>
+                </a:solidFill>
+              </a:rPr>
+              <a:t>MCP Server – Time Source Code - Server</a:t>
+            </a:r>
+            <a:endParaRPr lang="en-IN" sz="4000" dirty="0">
+              <a:solidFill>
+                <a:schemeClr val="bg1"/>
+              </a:solidFill>
+            </a:endParaRPr>
+          </a:p>
+        </p:txBody>
+      </p:sp>
+      <p:sp>
+        <p:nvSpPr>
+          <p:cNvPr id="9" name="Content Placeholder 8">
+            <a:extLst>
+              <a:ext uri="{FF2B5EF4-FFF2-40B4-BE49-F238E27FC236}">
+                <a16:creationId xmlns:a16="http://schemas.microsoft.com/office/drawing/2014/main" id="{E807F23F-8E1D-6B60-D3EA-18805A42A8C8}"/>
+              </a:ext>
+            </a:extLst>
+          </p:cNvPr>
+          <p:cNvSpPr>
+            <a:spLocks noGrp="1"/>
+          </p:cNvSpPr>
+          <p:nvPr>
+            <p:ph idx="1"/>
+          </p:nvPr>
+        </p:nvSpPr>
+        <p:spPr>
+          <a:xfrm>
+            <a:off x="838200" y="3146400"/>
+            <a:ext cx="4391025" cy="2454300"/>
+          </a:xfrm>
+        </p:spPr>
+        <p:txBody>
+          <a:bodyPr>
+            <a:normAutofit/>
+          </a:bodyPr>
+          <a:lstStyle/>
+          <a:p>
+            <a:endParaRPr lang="en-US" sz="2400">
+              <a:solidFill>
+                <a:schemeClr val="bg1">
+                  <a:alpha val="80000"/>
+                </a:schemeClr>
+              </a:solidFill>
+            </a:endParaRPr>
+          </a:p>
+        </p:txBody>
+      </p:sp>
+      <p:pic>
+        <p:nvPicPr>
+          <p:cNvPr id="5" name="Content Placeholder 4">
+            <a:extLst>
+              <a:ext uri="{FF2B5EF4-FFF2-40B4-BE49-F238E27FC236}">
+                <a16:creationId xmlns:a16="http://schemas.microsoft.com/office/drawing/2014/main" id="{7BC8B139-3D06-59EB-4151-6FBD96508D75}"/>
+              </a:ext>
+            </a:extLst>
+          </p:cNvPr>
+          <p:cNvPicPr>
+            <a:picLocks noChangeAspect="1"/>
+          </p:cNvPicPr>
+          <p:nvPr/>
+        </p:nvPicPr>
+        <p:blipFill>
+          <a:blip r:embed="rId2"/>
+          <a:stretch>
+            <a:fillRect/>
+          </a:stretch>
+        </p:blipFill>
+        <p:spPr>
+          <a:xfrm>
+            <a:off x="835024" y="1333702"/>
+            <a:ext cx="10442576" cy="4973498"/>
+          </a:xfrm>
+          <a:prstGeom prst="rect">
+            <a:avLst/>
+          </a:prstGeom>
+        </p:spPr>
+      </p:pic>
+    </p:spTree>
+    <p:extLst>
+      <p:ext uri="{BB962C8B-B14F-4D97-AF65-F5344CB8AC3E}">
+        <p14:creationId xmlns:p14="http://schemas.microsoft.com/office/powerpoint/2010/main" val="3549416533"/>
+      </p:ext>
+    </p:extLst>
+  </p:cSld>
+  <p:clrMapOvr>
+    <a:masterClrMapping/>
+  </p:clrMapOvr>
+</p:sld>
+</file>
+
+<file path=ppt/slides/slide16.xml><?xml version="1.0" encoding="utf-8"?>
+<p:sld xmlns:a="http://schemas.openxmlformats.org/drawingml/2006/main" xmlns:r="http://schemas.openxmlformats.org/officeDocument/2006/relationships" xmlns:p="http://schemas.openxmlformats.org/presentationml/2006/main">
+  <p:cSld>
+    <p:bg>
+      <p:bgPr>
+        <a:solidFill>
+          <a:schemeClr val="bg1"/>
+        </a:solidFill>
+        <a:effectLst/>
+      </p:bgPr>
+    </p:bg>
+    <p:spTree>
+      <p:nvGrpSpPr>
+        <p:cNvPr id="1" name="">
+          <a:extLst>
+            <a:ext uri="{FF2B5EF4-FFF2-40B4-BE49-F238E27FC236}">
+              <a16:creationId xmlns:a16="http://schemas.microsoft.com/office/drawing/2014/main" id="{A121FD82-5ED2-2BEB-E6E1-8377F5F30D07}"/>
+            </a:ext>
+          </a:extLst>
+        </p:cNvPr>
+        <p:cNvGrpSpPr/>
+        <p:nvPr/>
+      </p:nvGrpSpPr>
+      <p:grpSpPr>
+        <a:xfrm>
+          <a:off x="0" y="0"/>
+          <a:ext cx="0" cy="0"/>
+          <a:chOff x="0" y="0"/>
+          <a:chExt cx="0" cy="0"/>
+        </a:xfrm>
+      </p:grpSpPr>
+      <p:sp useBgFill="1">
+        <p:nvSpPr>
+          <p:cNvPr id="12" name="Rectangle 11">
+            <a:extLst>
+              <a:ext uri="{FF2B5EF4-FFF2-40B4-BE49-F238E27FC236}">
+                <a16:creationId xmlns:a16="http://schemas.microsoft.com/office/drawing/2014/main" id="{70108D9B-6391-5489-3FDC-F18D2D07D510}"/>
+              </a:ext>
+              <a:ext uri="{C183D7F6-B498-43B3-948B-1728B52AA6E4}">
+                <adec:decorative xmlns:adec="http://schemas.microsoft.com/office/drawing/2017/decorative" val="1"/>
+              </a:ext>
+            </a:extLst>
+          </p:cNvPr>
+          <p:cNvSpPr>
+            <a:spLocks noGrp="1" noRot="1" noChangeAspect="1" noMove="1" noResize="1" noEditPoints="1" noAdjustHandles="1" noChangeArrowheads="1" noChangeShapeType="1" noTextEdit="1"/>
+          </p:cNvSpPr>
+          <p:nvPr>
+            <p:extLst>
+              <p:ext uri="{386F3935-93C4-4BCD-93E2-E3B085C9AB24}">
+                <p16:designElem xmlns:p16="http://schemas.microsoft.com/office/powerpoint/2015/main" val="1"/>
+              </p:ext>
+            </p:extLst>
+          </p:nvPr>
+        </p:nvSpPr>
+        <p:spPr>
+          <a:xfrm>
+            <a:off x="0" y="0"/>
+            <a:ext cx="12192000" cy="6858000"/>
+          </a:xfrm>
+          <a:prstGeom prst="rect">
+            <a:avLst/>
+          </a:prstGeom>
+          <a:solidFill>
+            <a:schemeClr val="tx1"/>
+          </a:solidFill>
+          <a:ln w="12700" cap="flat" cmpd="sng" algn="ctr">
+            <a:noFill/>
+            <a:prstDash val="solid"/>
+            <a:miter lim="800000"/>
+          </a:ln>
+          <a:effectLst/>
+        </p:spPr>
+        <p:style>
+          <a:lnRef idx="2">
+            <a:schemeClr val="accent1">
+              <a:shade val="50000"/>
+            </a:schemeClr>
+          </a:lnRef>
+          <a:fillRef idx="1">
+            <a:schemeClr val="accent1"/>
+          </a:fillRef>
+          <a:effectRef idx="0">
+            <a:schemeClr val="accent1"/>
+          </a:effectRef>
+          <a:fontRef idx="minor">
+            <a:schemeClr val="lt1"/>
+          </a:fontRef>
+        </p:style>
+        <p:txBody>
+          <a:bodyPr rtlCol="0" anchor="ctr"/>
+          <a:lstStyle/>
+          <a:p>
+            <a:pPr marL="0" marR="0" lvl="0" indent="0" algn="ctr" defTabSz="914400" rtl="0" eaLnBrk="1" fontAlgn="auto" latinLnBrk="0" hangingPunct="1">
+              <a:lnSpc>
+                <a:spcPct val="100000"/>
+              </a:lnSpc>
+              <a:spcBef>
+                <a:spcPts val="0"/>
+              </a:spcBef>
+              <a:spcAft>
+                <a:spcPts val="0"/>
+              </a:spcAft>
+              <a:buClrTx/>
+              <a:buSzTx/>
+              <a:buFontTx/>
+              <a:buNone/>
+              <a:tabLst/>
+              <a:defRPr/>
+            </a:pPr>
+            <a:endParaRPr kumimoji="0" lang="en-US" sz="1800" b="0" i="0" u="none" strike="noStrike" kern="1200" cap="none" spc="0" normalizeH="0" baseline="0" noProof="0">
+              <a:ln>
+                <a:noFill/>
+              </a:ln>
+              <a:solidFill>
+                <a:prstClr val="white"/>
+              </a:solidFill>
+              <a:effectLst/>
+              <a:uLnTx/>
+              <a:uFillTx/>
+              <a:latin typeface="Aptos" panose="02110004020202020204"/>
+              <a:ea typeface="+mn-ea"/>
+              <a:cs typeface="+mn-cs"/>
+            </a:endParaRPr>
+          </a:p>
+        </p:txBody>
+      </p:sp>
+      <p:sp>
+        <p:nvSpPr>
+          <p:cNvPr id="2" name="Title 1">
+            <a:extLst>
+              <a:ext uri="{FF2B5EF4-FFF2-40B4-BE49-F238E27FC236}">
+                <a16:creationId xmlns:a16="http://schemas.microsoft.com/office/drawing/2014/main" id="{2DABCCE9-F47A-F308-4844-12F5C9CBAC7C}"/>
+              </a:ext>
+            </a:extLst>
+          </p:cNvPr>
+          <p:cNvSpPr>
+            <a:spLocks noGrp="1"/>
+          </p:cNvSpPr>
+          <p:nvPr>
+            <p:ph type="title"/>
+          </p:nvPr>
+        </p:nvSpPr>
+        <p:spPr>
+          <a:xfrm>
+            <a:off x="838199" y="371752"/>
+            <a:ext cx="8376921" cy="1323439"/>
+          </a:xfrm>
+        </p:spPr>
+        <p:txBody>
+          <a:bodyPr anchor="t">
+            <a:normAutofit/>
+          </a:bodyPr>
+          <a:lstStyle/>
+          <a:p>
+            <a:r>
+              <a:rPr lang="en-US" sz="4000" dirty="0">
+                <a:solidFill>
+                  <a:schemeClr val="bg1"/>
+                </a:solidFill>
+              </a:rPr>
+              <a:t>MCP Server – Time Source Code - Tool</a:t>
+            </a:r>
+            <a:endParaRPr lang="en-IN" sz="4000" dirty="0">
+              <a:solidFill>
+                <a:schemeClr val="bg1"/>
+              </a:solidFill>
+            </a:endParaRPr>
+          </a:p>
+        </p:txBody>
+      </p:sp>
+      <p:pic>
+        <p:nvPicPr>
+          <p:cNvPr id="4" name="Picture 3">
+            <a:extLst>
+              <a:ext uri="{FF2B5EF4-FFF2-40B4-BE49-F238E27FC236}">
+                <a16:creationId xmlns:a16="http://schemas.microsoft.com/office/drawing/2014/main" id="{053B1903-ED02-CCEA-62D8-F908A42A30D8}"/>
+              </a:ext>
+            </a:extLst>
+          </p:cNvPr>
+          <p:cNvPicPr>
+            <a:picLocks noChangeAspect="1"/>
+          </p:cNvPicPr>
+          <p:nvPr/>
+        </p:nvPicPr>
+        <p:blipFill>
+          <a:blip r:embed="rId2"/>
+          <a:stretch>
+            <a:fillRect/>
+          </a:stretch>
+        </p:blipFill>
+        <p:spPr>
+          <a:xfrm>
+            <a:off x="838199" y="1695191"/>
+            <a:ext cx="10686796" cy="4501459"/>
+          </a:xfrm>
+          <a:prstGeom prst="rect">
+            <a:avLst/>
+          </a:prstGeom>
+        </p:spPr>
+      </p:pic>
+    </p:spTree>
+    <p:extLst>
+      <p:ext uri="{BB962C8B-B14F-4D97-AF65-F5344CB8AC3E}">
+        <p14:creationId xmlns:p14="http://schemas.microsoft.com/office/powerpoint/2010/main" val="77571092"/>
+      </p:ext>
+    </p:extLst>
+  </p:cSld>
+  <p:clrMapOvr>
+    <a:masterClrMapping/>
+  </p:clrMapOvr>
+</p:sld>
+</file>
+
+<file path=ppt/slides/slide17.xml><?xml version="1.0" encoding="utf-8"?>
+<p:sld xmlns:a="http://schemas.openxmlformats.org/drawingml/2006/main" xmlns:r="http://schemas.openxmlformats.org/officeDocument/2006/relationships" xmlns:p="http://schemas.openxmlformats.org/presentationml/2006/main">
+  <p:cSld>
+    <p:bg>
+      <p:bgPr>
+        <a:solidFill>
+          <a:schemeClr val="bg1"/>
+        </a:solidFill>
+        <a:effectLst/>
+      </p:bgPr>
+    </p:bg>
+    <p:spTree>
+      <p:nvGrpSpPr>
+        <p:cNvPr id="1" name=""/>
+        <p:cNvGrpSpPr/>
+        <p:nvPr/>
+      </p:nvGrpSpPr>
+      <p:grpSpPr>
+        <a:xfrm>
+          <a:off x="0" y="0"/>
+          <a:ext cx="0" cy="0"/>
+          <a:chOff x="0" y="0"/>
+          <a:chExt cx="0" cy="0"/>
+        </a:xfrm>
+      </p:grpSpPr>
       <p:sp>
         <p:nvSpPr>
           <p:cNvPr id="8" name="Rectangle 7">
@@ -36679,7 +37478,7 @@
 </p:sld>
 </file>
 
-<file path=ppt/slides/slide15.xml><?xml version="1.0" encoding="utf-8"?>
+<file path=ppt/slides/slide18.xml><?xml version="1.0" encoding="utf-8"?>
 <p:sld xmlns:a="http://schemas.openxmlformats.org/drawingml/2006/main" xmlns:r="http://schemas.openxmlformats.org/officeDocument/2006/relationships" xmlns:p="http://schemas.openxmlformats.org/presentationml/2006/main">
   <p:cSld>
     <p:bg>
@@ -39145,390 +39944,6 @@
     <p:extLst>
       <p:ext uri="{BB962C8B-B14F-4D97-AF65-F5344CB8AC3E}">
         <p14:creationId xmlns:p14="http://schemas.microsoft.com/office/powerpoint/2010/main" val="715201626"/>
-      </p:ext>
-    </p:extLst>
-  </p:cSld>
-  <p:clrMapOvr>
-    <a:masterClrMapping/>
-  </p:clrMapOvr>
-</p:sld>
-</file>
-
-<file path=ppt/slides/slide16.xml><?xml version="1.0" encoding="utf-8"?>
-<p:sld xmlns:a="http://schemas.openxmlformats.org/drawingml/2006/main" xmlns:r="http://schemas.openxmlformats.org/officeDocument/2006/relationships" xmlns:p="http://schemas.openxmlformats.org/presentationml/2006/main">
-  <p:cSld>
-    <p:spTree>
-      <p:nvGrpSpPr>
-        <p:cNvPr id="1" name=""/>
-        <p:cNvGrpSpPr/>
-        <p:nvPr/>
-      </p:nvGrpSpPr>
-      <p:grpSpPr>
-        <a:xfrm>
-          <a:off x="0" y="0"/>
-          <a:ext cx="0" cy="0"/>
-          <a:chOff x="0" y="0"/>
-          <a:chExt cx="0" cy="0"/>
-        </a:xfrm>
-      </p:grpSpPr>
-      <p:sp>
-        <p:nvSpPr>
-          <p:cNvPr id="2" name="Title 1"/>
-          <p:cNvSpPr>
-            <a:spLocks noGrp="1"/>
-          </p:cNvSpPr>
-          <p:nvPr>
-            <p:ph type="title"/>
-          </p:nvPr>
-        </p:nvSpPr>
-        <p:spPr>
-          <a:xfrm>
-            <a:off x="962325" y="3092927"/>
-            <a:ext cx="2542068" cy="670067"/>
-          </a:xfrm>
-        </p:spPr>
-        <p:txBody>
-          <a:bodyPr>
-            <a:normAutofit fontScale="90000"/>
-          </a:bodyPr>
-          <a:lstStyle/>
-          <a:p>
-            <a:r>
-              <a:rPr lang="en-US"/>
-              <a:t>Thank you</a:t>
-            </a:r>
-            <a:br>
-              <a:rPr lang="en-US"/>
-            </a:br>
-            <a:br>
-              <a:rPr lang="en-US"/>
-            </a:br>
-            <a:r>
-              <a:rPr lang="en-US"/>
-              <a:t>Q &amp; A</a:t>
-            </a:r>
-            <a:endParaRPr lang="en-US" dirty="0"/>
-          </a:p>
-        </p:txBody>
-      </p:sp>
-      <p:sp>
-        <p:nvSpPr>
-          <p:cNvPr id="3" name="Content Placeholder 2"/>
-          <p:cNvSpPr>
-            <a:spLocks noGrp="1"/>
-          </p:cNvSpPr>
-          <p:nvPr>
-            <p:ph idx="1"/>
-          </p:nvPr>
-        </p:nvSpPr>
-        <p:spPr>
-          <a:xfrm>
-            <a:off x="5324566" y="468085"/>
-            <a:ext cx="6654074" cy="4855029"/>
-          </a:xfrm>
-        </p:spPr>
-        <p:txBody>
-          <a:bodyPr>
-            <a:normAutofit fontScale="25000" lnSpcReduction="20000"/>
-          </a:bodyPr>
-          <a:lstStyle/>
-          <a:p>
-            <a:pPr marL="0" indent="0">
-              <a:lnSpc>
-                <a:spcPct val="320000"/>
-              </a:lnSpc>
-              <a:buNone/>
-            </a:pPr>
-            <a:r>
-              <a:rPr lang="en-US" sz="8000" dirty="0">
-                <a:hlinkClick r:id="rId3"/>
-              </a:rPr>
-              <a:t>https://in.linkedin.com/in/praveenraghuvanshi</a:t>
-            </a:r>
-            <a:endParaRPr lang="en-US" sz="8000" dirty="0"/>
-          </a:p>
-          <a:p>
-            <a:pPr marL="0" indent="0">
-              <a:lnSpc>
-                <a:spcPct val="320000"/>
-              </a:lnSpc>
-              <a:buNone/>
-            </a:pPr>
-            <a:r>
-              <a:rPr lang="en-US" sz="8000" dirty="0">
-                <a:hlinkClick r:id="rId4"/>
-              </a:rPr>
-              <a:t>https://</a:t>
-            </a:r>
-            <a:r>
-              <a:rPr lang="en-US" sz="8000" dirty="0">
-                <a:hlinkClick r:id="" action="ppaction://noaction"/>
-              </a:rPr>
-              <a:t>github.com/praveenraghuvanshi</a:t>
-            </a:r>
-          </a:p>
-          <a:p>
-            <a:pPr marL="0" indent="0">
-              <a:lnSpc>
-                <a:spcPct val="320000"/>
-              </a:lnSpc>
-              <a:buNone/>
-            </a:pPr>
-            <a:r>
-              <a:rPr lang="en-US" sz="8000" dirty="0">
-                <a:hlinkClick r:id="" action="ppaction://noaction"/>
-              </a:rPr>
-              <a:t>@</a:t>
-            </a:r>
-            <a:r>
-              <a:rPr lang="en-US" sz="8000" dirty="0" err="1">
-                <a:hlinkClick r:id="rId4"/>
-              </a:rPr>
-              <a:t>praveenraghuvan</a:t>
-            </a:r>
-            <a:endParaRPr lang="en-US" sz="8000" dirty="0">
-              <a:hlinkClick r:id="rId4"/>
-            </a:endParaRPr>
-          </a:p>
-          <a:p>
-            <a:pPr marL="0" indent="0">
-              <a:lnSpc>
-                <a:spcPct val="320000"/>
-              </a:lnSpc>
-              <a:buNone/>
-            </a:pPr>
-            <a:endParaRPr lang="en-US" sz="8000" dirty="0"/>
-          </a:p>
-        </p:txBody>
-      </p:sp>
-      <p:pic>
-        <p:nvPicPr>
-          <p:cNvPr id="5" name="Picture 4"/>
-          <p:cNvPicPr>
-            <a:picLocks noChangeAspect="1"/>
-          </p:cNvPicPr>
-          <p:nvPr/>
-        </p:nvPicPr>
-        <p:blipFill>
-          <a:blip r:embed="rId5">
-            <a:extLst>
-              <a:ext uri="{28A0092B-C50C-407E-A947-70E740481C1C}">
-                <a14:useLocalDpi xmlns:a14="http://schemas.microsoft.com/office/drawing/2010/main" val="0"/>
-              </a:ext>
-            </a:extLst>
-          </a:blip>
-          <a:stretch>
-            <a:fillRect/>
-          </a:stretch>
-        </p:blipFill>
-        <p:spPr>
-          <a:xfrm>
-            <a:off x="4557347" y="1032750"/>
-            <a:ext cx="654761" cy="654761"/>
-          </a:xfrm>
-          <a:prstGeom prst="rect">
-            <a:avLst/>
-          </a:prstGeom>
-        </p:spPr>
-      </p:pic>
-      <p:pic>
-        <p:nvPicPr>
-          <p:cNvPr id="9" name="Picture 8"/>
-          <p:cNvPicPr>
-            <a:picLocks noChangeAspect="1"/>
-          </p:cNvPicPr>
-          <p:nvPr/>
-        </p:nvPicPr>
-        <p:blipFill>
-          <a:blip r:embed="rId6">
-            <a:extLst>
-              <a:ext uri="{28A0092B-C50C-407E-A947-70E740481C1C}">
-                <a14:useLocalDpi xmlns:a14="http://schemas.microsoft.com/office/drawing/2010/main" val="0"/>
-              </a:ext>
-            </a:extLst>
-          </a:blip>
-          <a:stretch>
-            <a:fillRect/>
-          </a:stretch>
-        </p:blipFill>
-        <p:spPr>
-          <a:xfrm>
-            <a:off x="4623538" y="3838342"/>
-            <a:ext cx="470611" cy="470611"/>
-          </a:xfrm>
-          <a:prstGeom prst="rect">
-            <a:avLst/>
-          </a:prstGeom>
-        </p:spPr>
-      </p:pic>
-      <p:sp>
-        <p:nvSpPr>
-          <p:cNvPr id="4" name="TextBox 3"/>
-          <p:cNvSpPr txBox="1"/>
-          <p:nvPr/>
-        </p:nvSpPr>
-        <p:spPr>
-          <a:xfrm>
-            <a:off x="5287555" y="4708647"/>
-            <a:ext cx="6728096" cy="492443"/>
-          </a:xfrm>
-          <a:prstGeom prst="rect">
-            <a:avLst/>
-          </a:prstGeom>
-          <a:noFill/>
-        </p:spPr>
-        <p:txBody>
-          <a:bodyPr wrap="square" rtlCol="0">
-            <a:spAutoFit/>
-          </a:bodyPr>
-          <a:lstStyle/>
-          <a:p>
-            <a:r>
-              <a:rPr lang="en-US" sz="2600">
-                <a:solidFill>
-                  <a:schemeClr val="tx1">
-                    <a:lumMod val="75000"/>
-                    <a:lumOff val="25000"/>
-                  </a:schemeClr>
-                </a:solidFill>
-                <a:hlinkClick r:id="rId7"/>
-              </a:rPr>
-              <a:t>https://t.me/joinchat/IifUJQ_PuYT757Turx-nLg </a:t>
-            </a:r>
-            <a:endParaRPr lang="en-US" sz="2600" dirty="0">
-              <a:solidFill>
-                <a:schemeClr val="tx1">
-                  <a:lumMod val="75000"/>
-                  <a:lumOff val="25000"/>
-                </a:schemeClr>
-              </a:solidFill>
-            </a:endParaRPr>
-          </a:p>
-        </p:txBody>
-      </p:sp>
-      <p:pic>
-        <p:nvPicPr>
-          <p:cNvPr id="1032" name="Picture 8" descr="circle messenger round icon telegram icon #21808"/>
-          <p:cNvPicPr>
-            <a:picLocks noChangeAspect="1" noChangeArrowheads="1"/>
-          </p:cNvPicPr>
-          <p:nvPr/>
-        </p:nvPicPr>
-        <p:blipFill>
-          <a:blip r:embed="rId8">
-            <a:extLst>
-              <a:ext uri="{28A0092B-C50C-407E-A947-70E740481C1C}">
-                <a14:useLocalDpi xmlns:a14="http://schemas.microsoft.com/office/drawing/2010/main" val="0"/>
-              </a:ext>
-            </a:extLst>
-          </a:blip>
-          <a:srcRect/>
-          <a:stretch>
-            <a:fillRect/>
-          </a:stretch>
-        </p:blipFill>
-        <p:spPr bwMode="auto">
-          <a:xfrm>
-            <a:off x="4600026" y="4708647"/>
-            <a:ext cx="494123" cy="494123"/>
-          </a:xfrm>
-          <a:prstGeom prst="rect">
-            <a:avLst/>
-          </a:prstGeom>
-          <a:noFill/>
-          <a:extLst>
-            <a:ext uri="{909E8E84-426E-40DD-AFC4-6F175D3DCCD1}">
-              <a14:hiddenFill xmlns:a14="http://schemas.microsoft.com/office/drawing/2010/main">
-                <a:solidFill>
-                  <a:srgbClr val="FFFFFF"/>
-                </a:solidFill>
-              </a14:hiddenFill>
-            </a:ext>
-          </a:extLst>
-        </p:spPr>
-      </p:pic>
-      <p:pic>
-        <p:nvPicPr>
-          <p:cNvPr id="7" name="Picture 6"/>
-          <p:cNvPicPr>
-            <a:picLocks noChangeAspect="1"/>
-          </p:cNvPicPr>
-          <p:nvPr/>
-        </p:nvPicPr>
-        <p:blipFill>
-          <a:blip r:embed="rId9"/>
-          <a:stretch>
-            <a:fillRect/>
-          </a:stretch>
-        </p:blipFill>
-        <p:spPr>
-          <a:xfrm>
-            <a:off x="4623538" y="2438036"/>
-            <a:ext cx="523875" cy="533400"/>
-          </a:xfrm>
-          <a:prstGeom prst="rect">
-            <a:avLst/>
-          </a:prstGeom>
-        </p:spPr>
-      </p:pic>
-      <p:pic>
-        <p:nvPicPr>
-          <p:cNvPr id="8" name="Picture 7"/>
-          <p:cNvPicPr>
-            <a:picLocks noChangeAspect="1"/>
-          </p:cNvPicPr>
-          <p:nvPr/>
-        </p:nvPicPr>
-        <p:blipFill>
-          <a:blip r:embed="rId10"/>
-          <a:stretch>
-            <a:fillRect/>
-          </a:stretch>
-        </p:blipFill>
-        <p:spPr>
-          <a:xfrm>
-            <a:off x="4623538" y="2438036"/>
-            <a:ext cx="523875" cy="533400"/>
-          </a:xfrm>
-          <a:prstGeom prst="rect">
-            <a:avLst/>
-          </a:prstGeom>
-        </p:spPr>
-      </p:pic>
-      <p:pic>
-        <p:nvPicPr>
-          <p:cNvPr id="6" name="Picture 5">
-            <a:extLst>
-              <a:ext uri="{FF2B5EF4-FFF2-40B4-BE49-F238E27FC236}">
-                <a16:creationId xmlns:a16="http://schemas.microsoft.com/office/drawing/2014/main" id="{A3BEFBD2-E6C3-09FB-7D4A-FC73B0CA98A9}"/>
-              </a:ext>
-            </a:extLst>
-          </p:cNvPr>
-          <p:cNvPicPr>
-            <a:picLocks noChangeAspect="1"/>
-          </p:cNvPicPr>
-          <p:nvPr/>
-        </p:nvPicPr>
-        <p:blipFill>
-          <a:blip r:embed="rId11"/>
-          <a:stretch>
-            <a:fillRect/>
-          </a:stretch>
-        </p:blipFill>
-        <p:spPr>
-          <a:xfrm>
-            <a:off x="10561314" y="33090"/>
-            <a:ext cx="1630685" cy="365125"/>
-          </a:xfrm>
-          <a:prstGeom prst="rect">
-            <a:avLst/>
-          </a:prstGeom>
-        </p:spPr>
-      </p:pic>
-    </p:spTree>
-    <p:extLst>
-      <p:ext uri="{BB962C8B-B14F-4D97-AF65-F5344CB8AC3E}">
-        <p14:creationId xmlns:p14="http://schemas.microsoft.com/office/powerpoint/2010/main" val="1450058678"/>
       </p:ext>
     </p:extLst>
   </p:cSld>

--- a/19042025-MCP-dotnet-dotnetblr/Intro to Model Context Protocol(MCP).pptx
+++ b/19042025-MCP-dotnet-dotnetblr/Intro to Model Context Protocol(MCP).pptx
@@ -5,7 +5,7 @@
     <p:sldMasterId id="2147483648" r:id="rId1"/>
   </p:sldMasterIdLst>
   <p:notesMasterIdLst>
-    <p:notesMasterId r:id="rId20"/>
+    <p:notesMasterId r:id="rId21"/>
   </p:notesMasterIdLst>
   <p:sldIdLst>
     <p:sldId id="256" r:id="rId2"/>
@@ -25,7 +25,8 @@
     <p:sldId id="344" r:id="rId16"/>
     <p:sldId id="345" r:id="rId17"/>
     <p:sldId id="327" r:id="rId18"/>
-    <p:sldId id="326" r:id="rId19"/>
+    <p:sldId id="346" r:id="rId19"/>
+    <p:sldId id="326" r:id="rId20"/>
   </p:sldIdLst>
   <p:sldSz cx="12192000" cy="6858000"/>
   <p:notesSz cx="6858000" cy="9144000"/>
@@ -6353,6 +6354,925 @@
     <dgm:fillClrLst meth="repeat">
       <a:schemeClr val="bg1">
         <a:lumMod val="95000"/>
+      </a:schemeClr>
+    </dgm:fillClrLst>
+    <dgm:linClrLst meth="repeat">
+      <a:schemeClr val="dk1"/>
+    </dgm:linClrLst>
+    <dgm:effectClrLst/>
+    <dgm:txLinClrLst/>
+    <dgm:txFillClrLst meth="repeat">
+      <a:schemeClr val="dk1"/>
+    </dgm:txFillClrLst>
+    <dgm:txEffectClrLst/>
+  </dgm:styleLbl>
+  <dgm:styleLbl name="dkBgShp">
+    <dgm:fillClrLst meth="repeat">
+      <a:schemeClr val="accent2">
+        <a:shade val="90000"/>
+      </a:schemeClr>
+    </dgm:fillClrLst>
+    <dgm:linClrLst meth="repeat">
+      <a:schemeClr val="dk1"/>
+    </dgm:linClrLst>
+    <dgm:effectClrLst/>
+    <dgm:txLinClrLst/>
+    <dgm:txFillClrLst meth="repeat">
+      <a:schemeClr val="lt1"/>
+    </dgm:txFillClrLst>
+    <dgm:txEffectClrLst/>
+  </dgm:styleLbl>
+  <dgm:styleLbl name="trBgShp">
+    <dgm:fillClrLst meth="repeat">
+      <a:schemeClr val="accent1">
+        <a:tint val="50000"/>
+        <a:alpha val="40000"/>
+      </a:schemeClr>
+    </dgm:fillClrLst>
+    <dgm:linClrLst meth="repeat">
+      <a:schemeClr val="accent2"/>
+    </dgm:linClrLst>
+    <dgm:effectClrLst/>
+    <dgm:txLinClrLst/>
+    <dgm:txFillClrLst meth="repeat">
+      <a:schemeClr val="lt1"/>
+    </dgm:txFillClrLst>
+    <dgm:txEffectClrLst/>
+  </dgm:styleLbl>
+  <dgm:styleLbl name="fgShp">
+    <dgm:fillClrLst meth="repeat">
+      <a:schemeClr val="accent2">
+        <a:tint val="40000"/>
+      </a:schemeClr>
+    </dgm:fillClrLst>
+    <dgm:linClrLst meth="repeat">
+      <a:schemeClr val="lt1"/>
+    </dgm:linClrLst>
+    <dgm:effectClrLst/>
+    <dgm:txLinClrLst/>
+    <dgm:txFillClrLst meth="repeat">
+      <a:schemeClr val="dk1"/>
+    </dgm:txFillClrLst>
+    <dgm:txEffectClrLst/>
+  </dgm:styleLbl>
+  <dgm:styleLbl name="revTx">
+    <dgm:fillClrLst meth="repeat">
+      <a:schemeClr val="lt1">
+        <a:alpha val="0"/>
+      </a:schemeClr>
+    </dgm:fillClrLst>
+    <dgm:linClrLst meth="repeat">
+      <a:schemeClr val="dk1">
+        <a:alpha val="0"/>
+      </a:schemeClr>
+    </dgm:linClrLst>
+    <dgm:effectClrLst/>
+    <dgm:txLinClrLst/>
+    <dgm:txFillClrLst meth="repeat">
+      <a:schemeClr val="tx1"/>
+    </dgm:txFillClrLst>
+    <dgm:txEffectClrLst/>
+  </dgm:styleLbl>
+</dgm:colorsDef>
+</file>
+
+<file path=ppt/diagrams/colors8.xml><?xml version="1.0" encoding="utf-8"?>
+<dgm:colorsDef xmlns:dgm="http://schemas.openxmlformats.org/drawingml/2006/diagram" xmlns:a="http://schemas.openxmlformats.org/drawingml/2006/main" uniqueId="urn:microsoft.com/office/officeart/2005/8/colors/colorful1">
+  <dgm:title val=""/>
+  <dgm:desc val=""/>
+  <dgm:catLst>
+    <dgm:cat type="colorful" pri="10100"/>
+  </dgm:catLst>
+  <dgm:styleLbl name="node0">
+    <dgm:fillClrLst meth="repeat">
+      <a:schemeClr val="accent1"/>
+    </dgm:fillClrLst>
+    <dgm:linClrLst meth="repeat">
+      <a:schemeClr val="lt1"/>
+    </dgm:linClrLst>
+    <dgm:effectClrLst/>
+    <dgm:txLinClrLst/>
+    <dgm:txFillClrLst/>
+    <dgm:txEffectClrLst/>
+  </dgm:styleLbl>
+  <dgm:styleLbl name="node1">
+    <dgm:fillClrLst meth="repeat">
+      <a:schemeClr val="accent2"/>
+      <a:schemeClr val="accent3"/>
+      <a:schemeClr val="accent4"/>
+      <a:schemeClr val="accent5"/>
+      <a:schemeClr val="accent6"/>
+    </dgm:fillClrLst>
+    <dgm:linClrLst meth="repeat">
+      <a:schemeClr val="lt1"/>
+    </dgm:linClrLst>
+    <dgm:effectClrLst/>
+    <dgm:txLinClrLst/>
+    <dgm:txFillClrLst/>
+    <dgm:txEffectClrLst/>
+  </dgm:styleLbl>
+  <dgm:styleLbl name="alignNode1">
+    <dgm:fillClrLst meth="repeat">
+      <a:schemeClr val="accent2"/>
+      <a:schemeClr val="accent3"/>
+      <a:schemeClr val="accent4"/>
+      <a:schemeClr val="accent5"/>
+      <a:schemeClr val="accent6"/>
+    </dgm:fillClrLst>
+    <dgm:linClrLst meth="repeat">
+      <a:schemeClr val="accent2"/>
+      <a:schemeClr val="accent3"/>
+      <a:schemeClr val="accent4"/>
+      <a:schemeClr val="accent5"/>
+      <a:schemeClr val="accent6"/>
+    </dgm:linClrLst>
+    <dgm:effectClrLst/>
+    <dgm:txLinClrLst/>
+    <dgm:txFillClrLst/>
+    <dgm:txEffectClrLst/>
+  </dgm:styleLbl>
+  <dgm:styleLbl name="lnNode1">
+    <dgm:fillClrLst meth="repeat">
+      <a:schemeClr val="accent2"/>
+      <a:schemeClr val="accent3"/>
+      <a:schemeClr val="accent4"/>
+      <a:schemeClr val="accent5"/>
+      <a:schemeClr val="accent6"/>
+    </dgm:fillClrLst>
+    <dgm:linClrLst meth="repeat">
+      <a:schemeClr val="lt1"/>
+    </dgm:linClrLst>
+    <dgm:effectClrLst/>
+    <dgm:txLinClrLst/>
+    <dgm:txFillClrLst/>
+    <dgm:txEffectClrLst/>
+  </dgm:styleLbl>
+  <dgm:styleLbl name="vennNode1">
+    <dgm:fillClrLst meth="repeat">
+      <a:schemeClr val="accent2">
+        <a:alpha val="50000"/>
+      </a:schemeClr>
+      <a:schemeClr val="accent3">
+        <a:alpha val="50000"/>
+      </a:schemeClr>
+      <a:schemeClr val="accent4">
+        <a:alpha val="50000"/>
+      </a:schemeClr>
+      <a:schemeClr val="accent5">
+        <a:alpha val="50000"/>
+      </a:schemeClr>
+      <a:schemeClr val="accent6">
+        <a:alpha val="50000"/>
+      </a:schemeClr>
+    </dgm:fillClrLst>
+    <dgm:linClrLst meth="repeat">
+      <a:schemeClr val="lt1"/>
+    </dgm:linClrLst>
+    <dgm:effectClrLst/>
+    <dgm:txLinClrLst/>
+    <dgm:txFillClrLst/>
+    <dgm:txEffectClrLst/>
+  </dgm:styleLbl>
+  <dgm:styleLbl name="node2">
+    <dgm:fillClrLst>
+      <a:schemeClr val="accent2"/>
+    </dgm:fillClrLst>
+    <dgm:linClrLst meth="repeat">
+      <a:schemeClr val="lt1"/>
+    </dgm:linClrLst>
+    <dgm:effectClrLst/>
+    <dgm:txLinClrLst/>
+    <dgm:txFillClrLst/>
+    <dgm:txEffectClrLst/>
+  </dgm:styleLbl>
+  <dgm:styleLbl name="node3">
+    <dgm:fillClrLst>
+      <a:schemeClr val="accent3"/>
+    </dgm:fillClrLst>
+    <dgm:linClrLst meth="repeat">
+      <a:schemeClr val="lt1"/>
+    </dgm:linClrLst>
+    <dgm:effectClrLst/>
+    <dgm:txLinClrLst/>
+    <dgm:txFillClrLst/>
+    <dgm:txEffectClrLst/>
+  </dgm:styleLbl>
+  <dgm:styleLbl name="node4">
+    <dgm:fillClrLst>
+      <a:schemeClr val="accent4"/>
+    </dgm:fillClrLst>
+    <dgm:linClrLst meth="repeat">
+      <a:schemeClr val="lt1"/>
+    </dgm:linClrLst>
+    <dgm:effectClrLst/>
+    <dgm:txLinClrLst/>
+    <dgm:txFillClrLst/>
+    <dgm:txEffectClrLst/>
+  </dgm:styleLbl>
+  <dgm:styleLbl name="fgImgPlace1">
+    <dgm:fillClrLst meth="repeat">
+      <a:schemeClr val="accent2">
+        <a:tint val="50000"/>
+      </a:schemeClr>
+      <a:schemeClr val="accent3">
+        <a:tint val="50000"/>
+      </a:schemeClr>
+      <a:schemeClr val="accent4">
+        <a:tint val="50000"/>
+      </a:schemeClr>
+      <a:schemeClr val="accent5">
+        <a:tint val="50000"/>
+      </a:schemeClr>
+      <a:schemeClr val="accent6">
+        <a:tint val="50000"/>
+      </a:schemeClr>
+    </dgm:fillClrLst>
+    <dgm:linClrLst meth="repeat">
+      <a:schemeClr val="lt1"/>
+    </dgm:linClrLst>
+    <dgm:effectClrLst/>
+    <dgm:txLinClrLst/>
+    <dgm:txFillClrLst meth="repeat">
+      <a:schemeClr val="lt1"/>
+    </dgm:txFillClrLst>
+    <dgm:txEffectClrLst/>
+  </dgm:styleLbl>
+  <dgm:styleLbl name="alignImgPlace1">
+    <dgm:fillClrLst>
+      <a:schemeClr val="accent1">
+        <a:tint val="50000"/>
+      </a:schemeClr>
+      <a:schemeClr val="accent2">
+        <a:tint val="20000"/>
+      </a:schemeClr>
+    </dgm:fillClrLst>
+    <dgm:linClrLst meth="repeat">
+      <a:schemeClr val="lt1"/>
+    </dgm:linClrLst>
+    <dgm:effectClrLst/>
+    <dgm:txLinClrLst/>
+    <dgm:txFillClrLst meth="repeat">
+      <a:schemeClr val="lt1"/>
+    </dgm:txFillClrLst>
+    <dgm:txEffectClrLst/>
+  </dgm:styleLbl>
+  <dgm:styleLbl name="bgImgPlace1">
+    <dgm:fillClrLst>
+      <a:schemeClr val="accent1">
+        <a:tint val="50000"/>
+      </a:schemeClr>
+      <a:schemeClr val="accent2">
+        <a:tint val="20000"/>
+      </a:schemeClr>
+    </dgm:fillClrLst>
+    <dgm:linClrLst meth="repeat">
+      <a:schemeClr val="lt1"/>
+    </dgm:linClrLst>
+    <dgm:effectClrLst/>
+    <dgm:txLinClrLst/>
+    <dgm:txFillClrLst meth="repeat">
+      <a:schemeClr val="lt1"/>
+    </dgm:txFillClrLst>
+    <dgm:txEffectClrLst/>
+  </dgm:styleLbl>
+  <dgm:styleLbl name="sibTrans2D1">
+    <dgm:fillClrLst meth="repeat">
+      <a:schemeClr val="accent2"/>
+      <a:schemeClr val="accent3"/>
+      <a:schemeClr val="accent4"/>
+      <a:schemeClr val="accent5"/>
+      <a:schemeClr val="accent6"/>
+    </dgm:fillClrLst>
+    <dgm:linClrLst meth="cycle">
+      <a:schemeClr val="lt1"/>
+    </dgm:linClrLst>
+    <dgm:effectClrLst/>
+    <dgm:txLinClrLst/>
+    <dgm:txFillClrLst/>
+    <dgm:txEffectClrLst/>
+  </dgm:styleLbl>
+  <dgm:styleLbl name="fgSibTrans2D1">
+    <dgm:fillClrLst meth="repeat">
+      <a:schemeClr val="accent2"/>
+      <a:schemeClr val="accent3"/>
+      <a:schemeClr val="accent4"/>
+      <a:schemeClr val="accent5"/>
+      <a:schemeClr val="accent6"/>
+    </dgm:fillClrLst>
+    <dgm:linClrLst meth="cycle">
+      <a:schemeClr val="lt1"/>
+    </dgm:linClrLst>
+    <dgm:effectClrLst/>
+    <dgm:txLinClrLst/>
+    <dgm:txFillClrLst meth="repeat">
+      <a:schemeClr val="lt1"/>
+    </dgm:txFillClrLst>
+    <dgm:txEffectClrLst/>
+  </dgm:styleLbl>
+  <dgm:styleLbl name="bgSibTrans2D1">
+    <dgm:fillClrLst meth="repeat">
+      <a:schemeClr val="accent2"/>
+      <a:schemeClr val="accent3"/>
+      <a:schemeClr val="accent4"/>
+      <a:schemeClr val="accent5"/>
+      <a:schemeClr val="accent6"/>
+    </dgm:fillClrLst>
+    <dgm:linClrLst meth="cycle">
+      <a:schemeClr val="lt1"/>
+    </dgm:linClrLst>
+    <dgm:effectClrLst/>
+    <dgm:txLinClrLst/>
+    <dgm:txFillClrLst meth="repeat">
+      <a:schemeClr val="lt1"/>
+    </dgm:txFillClrLst>
+    <dgm:txEffectClrLst/>
+  </dgm:styleLbl>
+  <dgm:styleLbl name="sibTrans1D1">
+    <dgm:fillClrLst meth="repeat">
+      <a:schemeClr val="accent2"/>
+      <a:schemeClr val="accent3"/>
+      <a:schemeClr val="accent4"/>
+      <a:schemeClr val="accent5"/>
+      <a:schemeClr val="accent6"/>
+    </dgm:fillClrLst>
+    <dgm:linClrLst meth="repeat">
+      <a:schemeClr val="accent2"/>
+      <a:schemeClr val="accent3"/>
+      <a:schemeClr val="accent4"/>
+      <a:schemeClr val="accent5"/>
+      <a:schemeClr val="accent6"/>
+    </dgm:linClrLst>
+    <dgm:effectClrLst/>
+    <dgm:txLinClrLst/>
+    <dgm:txFillClrLst meth="repeat">
+      <a:schemeClr val="tx1"/>
+    </dgm:txFillClrLst>
+    <dgm:txEffectClrLst/>
+  </dgm:styleLbl>
+  <dgm:styleLbl name="callout">
+    <dgm:fillClrLst meth="repeat">
+      <a:schemeClr val="accent2"/>
+    </dgm:fillClrLst>
+    <dgm:linClrLst meth="repeat">
+      <a:schemeClr val="accent2">
+        <a:tint val="50000"/>
+      </a:schemeClr>
+    </dgm:linClrLst>
+    <dgm:effectClrLst/>
+    <dgm:txLinClrLst/>
+    <dgm:txFillClrLst meth="repeat">
+      <a:schemeClr val="tx1"/>
+    </dgm:txFillClrLst>
+    <dgm:txEffectClrLst/>
+  </dgm:styleLbl>
+  <dgm:styleLbl name="asst0">
+    <dgm:fillClrLst meth="repeat">
+      <a:schemeClr val="accent1"/>
+    </dgm:fillClrLst>
+    <dgm:linClrLst meth="repeat">
+      <a:schemeClr val="lt1"/>
+    </dgm:linClrLst>
+    <dgm:effectClrLst/>
+    <dgm:txLinClrLst/>
+    <dgm:txFillClrLst/>
+    <dgm:txEffectClrLst/>
+  </dgm:styleLbl>
+  <dgm:styleLbl name="asst1">
+    <dgm:fillClrLst meth="repeat">
+      <a:schemeClr val="accent2"/>
+    </dgm:fillClrLst>
+    <dgm:linClrLst meth="repeat">
+      <a:schemeClr val="lt1"/>
+    </dgm:linClrLst>
+    <dgm:effectClrLst/>
+    <dgm:txLinClrLst/>
+    <dgm:txFillClrLst/>
+    <dgm:txEffectClrLst/>
+  </dgm:styleLbl>
+  <dgm:styleLbl name="asst2">
+    <dgm:fillClrLst>
+      <a:schemeClr val="accent3"/>
+    </dgm:fillClrLst>
+    <dgm:linClrLst meth="repeat">
+      <a:schemeClr val="lt1"/>
+    </dgm:linClrLst>
+    <dgm:effectClrLst/>
+    <dgm:txLinClrLst/>
+    <dgm:txFillClrLst/>
+    <dgm:txEffectClrLst/>
+  </dgm:styleLbl>
+  <dgm:styleLbl name="asst3">
+    <dgm:fillClrLst>
+      <a:schemeClr val="accent4"/>
+    </dgm:fillClrLst>
+    <dgm:linClrLst meth="repeat">
+      <a:schemeClr val="lt1"/>
+    </dgm:linClrLst>
+    <dgm:effectClrLst/>
+    <dgm:txLinClrLst/>
+    <dgm:txFillClrLst/>
+    <dgm:txEffectClrLst/>
+  </dgm:styleLbl>
+  <dgm:styleLbl name="asst4">
+    <dgm:fillClrLst>
+      <a:schemeClr val="accent5"/>
+    </dgm:fillClrLst>
+    <dgm:linClrLst meth="repeat">
+      <a:schemeClr val="lt1"/>
+    </dgm:linClrLst>
+    <dgm:effectClrLst/>
+    <dgm:txLinClrLst/>
+    <dgm:txFillClrLst/>
+    <dgm:txEffectClrLst/>
+  </dgm:styleLbl>
+  <dgm:styleLbl name="parChTrans2D1">
+    <dgm:fillClrLst meth="repeat">
+      <a:schemeClr val="accent2"/>
+    </dgm:fillClrLst>
+    <dgm:linClrLst meth="repeat">
+      <a:schemeClr val="lt1"/>
+    </dgm:linClrLst>
+    <dgm:effectClrLst/>
+    <dgm:txLinClrLst/>
+    <dgm:txFillClrLst meth="repeat">
+      <a:schemeClr val="lt1"/>
+    </dgm:txFillClrLst>
+    <dgm:txEffectClrLst/>
+  </dgm:styleLbl>
+  <dgm:styleLbl name="parChTrans2D2">
+    <dgm:fillClrLst meth="repeat">
+      <a:schemeClr val="accent3"/>
+    </dgm:fillClrLst>
+    <dgm:linClrLst meth="repeat">
+      <a:schemeClr val="lt1"/>
+    </dgm:linClrLst>
+    <dgm:effectClrLst/>
+    <dgm:txLinClrLst/>
+    <dgm:txFillClrLst/>
+    <dgm:txEffectClrLst/>
+  </dgm:styleLbl>
+  <dgm:styleLbl name="parChTrans2D3">
+    <dgm:fillClrLst meth="repeat">
+      <a:schemeClr val="accent4"/>
+    </dgm:fillClrLst>
+    <dgm:linClrLst meth="repeat">
+      <a:schemeClr val="lt1"/>
+    </dgm:linClrLst>
+    <dgm:effectClrLst/>
+    <dgm:txLinClrLst/>
+    <dgm:txFillClrLst/>
+    <dgm:txEffectClrLst/>
+  </dgm:styleLbl>
+  <dgm:styleLbl name="parChTrans2D4">
+    <dgm:fillClrLst meth="repeat">
+      <a:schemeClr val="accent5"/>
+    </dgm:fillClrLst>
+    <dgm:linClrLst meth="repeat">
+      <a:schemeClr val="lt1"/>
+    </dgm:linClrLst>
+    <dgm:effectClrLst/>
+    <dgm:txLinClrLst/>
+    <dgm:txFillClrLst meth="repeat">
+      <a:schemeClr val="lt1"/>
+    </dgm:txFillClrLst>
+    <dgm:txEffectClrLst/>
+  </dgm:styleLbl>
+  <dgm:styleLbl name="parChTrans1D1">
+    <dgm:fillClrLst meth="repeat">
+      <a:schemeClr val="accent2"/>
+    </dgm:fillClrLst>
+    <dgm:linClrLst meth="repeat">
+      <a:schemeClr val="accent1"/>
+    </dgm:linClrLst>
+    <dgm:effectClrLst/>
+    <dgm:txLinClrLst/>
+    <dgm:txFillClrLst meth="repeat">
+      <a:schemeClr val="tx1"/>
+    </dgm:txFillClrLst>
+    <dgm:txEffectClrLst/>
+  </dgm:styleLbl>
+  <dgm:styleLbl name="parChTrans1D2">
+    <dgm:fillClrLst meth="repeat">
+      <a:schemeClr val="accent3">
+        <a:tint val="90000"/>
+      </a:schemeClr>
+    </dgm:fillClrLst>
+    <dgm:linClrLst meth="repeat">
+      <a:schemeClr val="accent2"/>
+    </dgm:linClrLst>
+    <dgm:effectClrLst/>
+    <dgm:txLinClrLst/>
+    <dgm:txFillClrLst meth="repeat">
+      <a:schemeClr val="tx1"/>
+    </dgm:txFillClrLst>
+    <dgm:txEffectClrLst/>
+  </dgm:styleLbl>
+  <dgm:styleLbl name="parChTrans1D3">
+    <dgm:fillClrLst meth="repeat">
+      <a:schemeClr val="accent4">
+        <a:tint val="70000"/>
+      </a:schemeClr>
+    </dgm:fillClrLst>
+    <dgm:linClrLst meth="repeat">
+      <a:schemeClr val="accent3"/>
+    </dgm:linClrLst>
+    <dgm:effectClrLst/>
+    <dgm:txLinClrLst/>
+    <dgm:txFillClrLst meth="repeat">
+      <a:schemeClr val="tx1"/>
+    </dgm:txFillClrLst>
+    <dgm:txEffectClrLst/>
+  </dgm:styleLbl>
+  <dgm:styleLbl name="parChTrans1D4">
+    <dgm:fillClrLst meth="repeat">
+      <a:schemeClr val="accent5">
+        <a:tint val="50000"/>
+      </a:schemeClr>
+    </dgm:fillClrLst>
+    <dgm:linClrLst meth="repeat">
+      <a:schemeClr val="accent4"/>
+    </dgm:linClrLst>
+    <dgm:effectClrLst/>
+    <dgm:txLinClrLst/>
+    <dgm:txFillClrLst meth="repeat">
+      <a:schemeClr val="tx1"/>
+    </dgm:txFillClrLst>
+    <dgm:txEffectClrLst/>
+  </dgm:styleLbl>
+  <dgm:styleLbl name="fgAcc1">
+    <dgm:fillClrLst meth="repeat">
+      <a:schemeClr val="lt1">
+        <a:alpha val="90000"/>
+      </a:schemeClr>
+    </dgm:fillClrLst>
+    <dgm:linClrLst meth="repeat">
+      <a:schemeClr val="accent2"/>
+      <a:schemeClr val="accent3"/>
+      <a:schemeClr val="accent4"/>
+      <a:schemeClr val="accent5"/>
+      <a:schemeClr val="accent6"/>
+    </dgm:linClrLst>
+    <dgm:effectClrLst/>
+    <dgm:txLinClrLst/>
+    <dgm:txFillClrLst meth="repeat">
+      <a:schemeClr val="dk1"/>
+    </dgm:txFillClrLst>
+    <dgm:txEffectClrLst/>
+  </dgm:styleLbl>
+  <dgm:styleLbl name="conFgAcc1">
+    <dgm:fillClrLst meth="repeat">
+      <a:schemeClr val="lt1">
+        <a:alpha val="90000"/>
+      </a:schemeClr>
+    </dgm:fillClrLst>
+    <dgm:linClrLst meth="repeat">
+      <a:schemeClr val="accent2"/>
+      <a:schemeClr val="accent3"/>
+      <a:schemeClr val="accent4"/>
+      <a:schemeClr val="accent5"/>
+      <a:schemeClr val="accent6"/>
+    </dgm:linClrLst>
+    <dgm:effectClrLst/>
+    <dgm:txLinClrLst/>
+    <dgm:txFillClrLst meth="repeat">
+      <a:schemeClr val="dk1"/>
+    </dgm:txFillClrLst>
+    <dgm:txEffectClrLst/>
+  </dgm:styleLbl>
+  <dgm:styleLbl name="alignAcc1">
+    <dgm:fillClrLst meth="repeat">
+      <a:schemeClr val="lt1">
+        <a:alpha val="90000"/>
+      </a:schemeClr>
+    </dgm:fillClrLst>
+    <dgm:linClrLst meth="repeat">
+      <a:schemeClr val="accent2"/>
+      <a:schemeClr val="accent3"/>
+      <a:schemeClr val="accent4"/>
+      <a:schemeClr val="accent5"/>
+      <a:schemeClr val="accent6"/>
+    </dgm:linClrLst>
+    <dgm:effectClrLst/>
+    <dgm:txLinClrLst/>
+    <dgm:txFillClrLst meth="repeat">
+      <a:schemeClr val="dk1"/>
+    </dgm:txFillClrLst>
+    <dgm:txEffectClrLst/>
+  </dgm:styleLbl>
+  <dgm:styleLbl name="trAlignAcc1">
+    <dgm:fillClrLst meth="repeat">
+      <a:schemeClr val="lt1">
+        <a:alpha val="40000"/>
+      </a:schemeClr>
+    </dgm:fillClrLst>
+    <dgm:linClrLst meth="repeat">
+      <a:schemeClr val="accent1"/>
+    </dgm:linClrLst>
+    <dgm:effectClrLst/>
+    <dgm:txLinClrLst/>
+    <dgm:txFillClrLst meth="repeat">
+      <a:schemeClr val="dk1"/>
+    </dgm:txFillClrLst>
+    <dgm:txEffectClrLst/>
+  </dgm:styleLbl>
+  <dgm:styleLbl name="bgAcc1">
+    <dgm:fillClrLst meth="repeat">
+      <a:schemeClr val="lt1">
+        <a:alpha val="90000"/>
+      </a:schemeClr>
+    </dgm:fillClrLst>
+    <dgm:linClrLst meth="repeat">
+      <a:schemeClr val="accent2"/>
+      <a:schemeClr val="accent3"/>
+      <a:schemeClr val="accent4"/>
+      <a:schemeClr val="accent5"/>
+      <a:schemeClr val="accent6"/>
+    </dgm:linClrLst>
+    <dgm:effectClrLst/>
+    <dgm:txLinClrLst/>
+    <dgm:txFillClrLst meth="repeat">
+      <a:schemeClr val="dk1"/>
+    </dgm:txFillClrLst>
+    <dgm:txEffectClrLst/>
+  </dgm:styleLbl>
+  <dgm:styleLbl name="solidFgAcc1">
+    <dgm:fillClrLst meth="repeat">
+      <a:schemeClr val="lt1"/>
+    </dgm:fillClrLst>
+    <dgm:linClrLst meth="repeat">
+      <a:schemeClr val="accent2"/>
+      <a:schemeClr val="accent3"/>
+      <a:schemeClr val="accent4"/>
+      <a:schemeClr val="accent5"/>
+      <a:schemeClr val="accent6"/>
+    </dgm:linClrLst>
+    <dgm:effectClrLst/>
+    <dgm:txLinClrLst/>
+    <dgm:txFillClrLst meth="repeat">
+      <a:schemeClr val="dk1"/>
+    </dgm:txFillClrLst>
+    <dgm:txEffectClrLst/>
+  </dgm:styleLbl>
+  <dgm:styleLbl name="solidAlignAcc1">
+    <dgm:fillClrLst meth="repeat">
+      <a:schemeClr val="lt1"/>
+    </dgm:fillClrLst>
+    <dgm:linClrLst meth="repeat">
+      <a:schemeClr val="accent2"/>
+      <a:schemeClr val="accent3"/>
+      <a:schemeClr val="accent4"/>
+      <a:schemeClr val="accent5"/>
+      <a:schemeClr val="accent6"/>
+    </dgm:linClrLst>
+    <dgm:effectClrLst/>
+    <dgm:txLinClrLst/>
+    <dgm:txFillClrLst meth="repeat">
+      <a:schemeClr val="dk1"/>
+    </dgm:txFillClrLst>
+    <dgm:txEffectClrLst/>
+  </dgm:styleLbl>
+  <dgm:styleLbl name="solidBgAcc1">
+    <dgm:fillClrLst meth="repeat">
+      <a:schemeClr val="lt1"/>
+    </dgm:fillClrLst>
+    <dgm:linClrLst meth="repeat">
+      <a:schemeClr val="accent2"/>
+      <a:schemeClr val="accent3"/>
+      <a:schemeClr val="accent4"/>
+      <a:schemeClr val="accent5"/>
+      <a:schemeClr val="accent6"/>
+    </dgm:linClrLst>
+    <dgm:effectClrLst/>
+    <dgm:txLinClrLst/>
+    <dgm:txFillClrLst meth="repeat">
+      <a:schemeClr val="dk1"/>
+    </dgm:txFillClrLst>
+    <dgm:txEffectClrLst/>
+  </dgm:styleLbl>
+  <dgm:styleLbl name="fgAccFollowNode1">
+    <dgm:fillClrLst meth="repeat">
+      <a:schemeClr val="accent2">
+        <a:tint val="40000"/>
+        <a:alpha val="90000"/>
+      </a:schemeClr>
+      <a:schemeClr val="accent3">
+        <a:tint val="40000"/>
+        <a:alpha val="90000"/>
+      </a:schemeClr>
+      <a:schemeClr val="accent4">
+        <a:tint val="40000"/>
+        <a:alpha val="90000"/>
+      </a:schemeClr>
+      <a:schemeClr val="accent5">
+        <a:tint val="40000"/>
+        <a:alpha val="90000"/>
+      </a:schemeClr>
+      <a:schemeClr val="accent6">
+        <a:tint val="40000"/>
+        <a:alpha val="90000"/>
+      </a:schemeClr>
+    </dgm:fillClrLst>
+    <dgm:linClrLst meth="repeat">
+      <a:schemeClr val="accent2">
+        <a:tint val="40000"/>
+        <a:alpha val="90000"/>
+      </a:schemeClr>
+      <a:schemeClr val="accent3">
+        <a:tint val="40000"/>
+        <a:alpha val="90000"/>
+      </a:schemeClr>
+      <a:schemeClr val="accent4">
+        <a:tint val="40000"/>
+        <a:alpha val="90000"/>
+      </a:schemeClr>
+      <a:schemeClr val="accent5">
+        <a:tint val="40000"/>
+        <a:alpha val="90000"/>
+      </a:schemeClr>
+      <a:schemeClr val="accent6">
+        <a:tint val="40000"/>
+        <a:alpha val="90000"/>
+      </a:schemeClr>
+    </dgm:linClrLst>
+    <dgm:effectClrLst/>
+    <dgm:txLinClrLst/>
+    <dgm:txFillClrLst meth="repeat">
+      <a:schemeClr val="dk1"/>
+    </dgm:txFillClrLst>
+    <dgm:txEffectClrLst/>
+  </dgm:styleLbl>
+  <dgm:styleLbl name="alignAccFollowNode1">
+    <dgm:fillClrLst meth="repeat">
+      <a:schemeClr val="accent2">
+        <a:tint val="40000"/>
+        <a:alpha val="90000"/>
+      </a:schemeClr>
+      <a:schemeClr val="accent3">
+        <a:tint val="40000"/>
+        <a:alpha val="90000"/>
+      </a:schemeClr>
+      <a:schemeClr val="accent4">
+        <a:tint val="40000"/>
+        <a:alpha val="90000"/>
+      </a:schemeClr>
+      <a:schemeClr val="accent5">
+        <a:tint val="40000"/>
+        <a:alpha val="90000"/>
+      </a:schemeClr>
+      <a:schemeClr val="accent6">
+        <a:tint val="40000"/>
+        <a:alpha val="90000"/>
+      </a:schemeClr>
+    </dgm:fillClrLst>
+    <dgm:linClrLst meth="repeat">
+      <a:schemeClr val="accent2">
+        <a:tint val="40000"/>
+        <a:alpha val="90000"/>
+      </a:schemeClr>
+      <a:schemeClr val="accent3">
+        <a:tint val="40000"/>
+        <a:alpha val="90000"/>
+      </a:schemeClr>
+      <a:schemeClr val="accent4">
+        <a:tint val="40000"/>
+        <a:alpha val="90000"/>
+      </a:schemeClr>
+      <a:schemeClr val="accent5">
+        <a:tint val="40000"/>
+        <a:alpha val="90000"/>
+      </a:schemeClr>
+      <a:schemeClr val="accent6">
+        <a:tint val="40000"/>
+        <a:alpha val="90000"/>
+      </a:schemeClr>
+    </dgm:linClrLst>
+    <dgm:effectClrLst/>
+    <dgm:txLinClrLst/>
+    <dgm:txFillClrLst meth="repeat">
+      <a:schemeClr val="dk1"/>
+    </dgm:txFillClrLst>
+    <dgm:txEffectClrLst/>
+  </dgm:styleLbl>
+  <dgm:styleLbl name="bgAccFollowNode1">
+    <dgm:fillClrLst meth="repeat">
+      <a:schemeClr val="accent2">
+        <a:tint val="40000"/>
+        <a:alpha val="90000"/>
+      </a:schemeClr>
+      <a:schemeClr val="accent3">
+        <a:tint val="40000"/>
+        <a:alpha val="90000"/>
+      </a:schemeClr>
+      <a:schemeClr val="accent4">
+        <a:tint val="40000"/>
+        <a:alpha val="90000"/>
+      </a:schemeClr>
+      <a:schemeClr val="accent5">
+        <a:tint val="40000"/>
+        <a:alpha val="90000"/>
+      </a:schemeClr>
+      <a:schemeClr val="accent6">
+        <a:tint val="40000"/>
+        <a:alpha val="90000"/>
+      </a:schemeClr>
+    </dgm:fillClrLst>
+    <dgm:linClrLst meth="repeat">
+      <a:schemeClr val="accent2">
+        <a:tint val="40000"/>
+        <a:alpha val="90000"/>
+      </a:schemeClr>
+      <a:schemeClr val="accent3">
+        <a:tint val="40000"/>
+        <a:alpha val="90000"/>
+      </a:schemeClr>
+      <a:schemeClr val="accent4">
+        <a:tint val="40000"/>
+        <a:alpha val="90000"/>
+      </a:schemeClr>
+      <a:schemeClr val="accent5">
+        <a:tint val="40000"/>
+        <a:alpha val="90000"/>
+      </a:schemeClr>
+      <a:schemeClr val="accent6">
+        <a:tint val="40000"/>
+        <a:alpha val="90000"/>
+      </a:schemeClr>
+    </dgm:linClrLst>
+    <dgm:effectClrLst/>
+    <dgm:txLinClrLst/>
+    <dgm:txFillClrLst meth="repeat">
+      <a:schemeClr val="dk1"/>
+    </dgm:txFillClrLst>
+    <dgm:txEffectClrLst/>
+  </dgm:styleLbl>
+  <dgm:styleLbl name="fgAcc0">
+    <dgm:fillClrLst meth="repeat">
+      <a:schemeClr val="lt1">
+        <a:alpha val="90000"/>
+      </a:schemeClr>
+    </dgm:fillClrLst>
+    <dgm:linClrLst>
+      <a:schemeClr val="accent1"/>
+    </dgm:linClrLst>
+    <dgm:effectClrLst/>
+    <dgm:txLinClrLst/>
+    <dgm:txFillClrLst meth="repeat">
+      <a:schemeClr val="dk1"/>
+    </dgm:txFillClrLst>
+    <dgm:txEffectClrLst/>
+  </dgm:styleLbl>
+  <dgm:styleLbl name="fgAcc2">
+    <dgm:fillClrLst meth="repeat">
+      <a:schemeClr val="lt1">
+        <a:alpha val="90000"/>
+      </a:schemeClr>
+    </dgm:fillClrLst>
+    <dgm:linClrLst>
+      <a:schemeClr val="accent2"/>
+    </dgm:linClrLst>
+    <dgm:effectClrLst/>
+    <dgm:txLinClrLst/>
+    <dgm:txFillClrLst meth="repeat">
+      <a:schemeClr val="dk1"/>
+    </dgm:txFillClrLst>
+    <dgm:txEffectClrLst/>
+  </dgm:styleLbl>
+  <dgm:styleLbl name="fgAcc3">
+    <dgm:fillClrLst meth="repeat">
+      <a:schemeClr val="lt1">
+        <a:alpha val="90000"/>
+      </a:schemeClr>
+    </dgm:fillClrLst>
+    <dgm:linClrLst>
+      <a:schemeClr val="accent3"/>
+    </dgm:linClrLst>
+    <dgm:effectClrLst/>
+    <dgm:txLinClrLst/>
+    <dgm:txFillClrLst meth="repeat">
+      <a:schemeClr val="dk1"/>
+    </dgm:txFillClrLst>
+    <dgm:txEffectClrLst/>
+  </dgm:styleLbl>
+  <dgm:styleLbl name="fgAcc4">
+    <dgm:fillClrLst meth="repeat">
+      <a:schemeClr val="lt1">
+        <a:alpha val="90000"/>
+      </a:schemeClr>
+    </dgm:fillClrLst>
+    <dgm:linClrLst>
+      <a:schemeClr val="accent4"/>
+    </dgm:linClrLst>
+    <dgm:effectClrLst/>
+    <dgm:txLinClrLst/>
+    <dgm:txFillClrLst meth="repeat">
+      <a:schemeClr val="dk1"/>
+    </dgm:txFillClrLst>
+    <dgm:txEffectClrLst/>
+  </dgm:styleLbl>
+  <dgm:styleLbl name="bgShp">
+    <dgm:fillClrLst meth="repeat">
+      <a:schemeClr val="accent2">
+        <a:tint val="40000"/>
       </a:schemeClr>
     </dgm:fillClrLst>
     <dgm:linClrLst meth="repeat">
@@ -8965,6 +9885,304 @@
     <dgm:cxn modelId="{19BCEBF0-0449-4D49-890E-0A7B3C4F1C4A}" type="presParOf" srcId="{5EAEE1FA-4E6B-492A-A452-08C0202B5D4D}" destId="{0BD40243-B7F0-465F-9BFF-92CA311E5882}" srcOrd="1" destOrd="0" presId="urn:microsoft.com/office/officeart/2018/2/layout/IconVerticalSolidList"/>
     <dgm:cxn modelId="{69D23D92-D570-4246-98A6-292F0FE1404A}" type="presParOf" srcId="{5EAEE1FA-4E6B-492A-A452-08C0202B5D4D}" destId="{56C5A6D6-A9C4-4DB1-A923-50F22B864472}" srcOrd="2" destOrd="0" presId="urn:microsoft.com/office/officeart/2018/2/layout/IconVerticalSolidList"/>
     <dgm:cxn modelId="{18C51DA8-8668-4A9C-B7D4-74833E9957F2}" type="presParOf" srcId="{5EAEE1FA-4E6B-492A-A452-08C0202B5D4D}" destId="{F9BB0A89-D2FB-4DFC-AC59-9BEBFDA164DB}" srcOrd="3" destOrd="0" presId="urn:microsoft.com/office/officeart/2018/2/layout/IconVerticalSolidList"/>
+  </dgm:cxnLst>
+  <dgm:bg/>
+  <dgm:whole/>
+  <dgm:extLst>
+    <a:ext uri="http://schemas.microsoft.com/office/drawing/2008/diagram">
+      <dsp:dataModelExt xmlns:dsp="http://schemas.microsoft.com/office/drawing/2008/diagram" relId="rId6" minVer="http://schemas.openxmlformats.org/drawingml/2006/diagram"/>
+    </a:ext>
+  </dgm:extLst>
+</dgm:dataModel>
+</file>
+
+<file path=ppt/diagrams/data8.xml><?xml version="1.0" encoding="utf-8"?>
+<dgm:dataModel xmlns:dgm="http://schemas.openxmlformats.org/drawingml/2006/diagram" xmlns:a="http://schemas.openxmlformats.org/drawingml/2006/main">
+  <dgm:ptLst>
+    <dgm:pt modelId="{67FD1DDA-3885-4ED0-BB08-DAFB336220E2}" type="doc">
+      <dgm:prSet loTypeId="urn:microsoft.com/office/officeart/2008/layout/LinedList" loCatId="list" qsTypeId="urn:microsoft.com/office/officeart/2005/8/quickstyle/simple1" qsCatId="simple" csTypeId="urn:microsoft.com/office/officeart/2005/8/colors/colorful1" csCatId="colorful"/>
+      <dgm:spPr/>
+      <dgm:t>
+        <a:bodyPr/>
+        <a:lstStyle/>
+        <a:p>
+          <a:endParaRPr lang="en-US"/>
+        </a:p>
+      </dgm:t>
+    </dgm:pt>
+    <dgm:pt modelId="{0D1863CB-83D7-469B-8A1B-A720F190CAAB}">
+      <dgm:prSet/>
+      <dgm:spPr/>
+      <dgm:t>
+        <a:bodyPr/>
+        <a:lstStyle/>
+        <a:p>
+          <a:r>
+            <a:rPr lang="en-IN">
+              <a:hlinkClick xmlns:r="http://schemas.openxmlformats.org/officeDocument/2006/relationships" r:id="rId1"/>
+            </a:rPr>
+            <a:t>https://arxiv.org/pdf/2503.23278</a:t>
+          </a:r>
+          <a:r>
+            <a:rPr lang="en-IN"/>
+            <a:t> </a:t>
+          </a:r>
+          <a:endParaRPr lang="en-US"/>
+        </a:p>
+      </dgm:t>
+    </dgm:pt>
+    <dgm:pt modelId="{C4C66C78-D1B6-4E46-A3D1-9E93D7389CF0}" type="parTrans" cxnId="{92F3D4E9-7DF2-41CC-AB25-C50E0B1713EA}">
+      <dgm:prSet/>
+      <dgm:spPr/>
+      <dgm:t>
+        <a:bodyPr/>
+        <a:lstStyle/>
+        <a:p>
+          <a:endParaRPr lang="en-US"/>
+        </a:p>
+      </dgm:t>
+    </dgm:pt>
+    <dgm:pt modelId="{0B418677-52DD-4F83-961E-9202CC2FC680}" type="sibTrans" cxnId="{92F3D4E9-7DF2-41CC-AB25-C50E0B1713EA}">
+      <dgm:prSet/>
+      <dgm:spPr/>
+      <dgm:t>
+        <a:bodyPr/>
+        <a:lstStyle/>
+        <a:p>
+          <a:endParaRPr lang="en-US"/>
+        </a:p>
+      </dgm:t>
+    </dgm:pt>
+    <dgm:pt modelId="{822F203C-FD5E-4BC8-ADE7-DFAAD9965C45}">
+      <dgm:prSet/>
+      <dgm:spPr/>
+      <dgm:t>
+        <a:bodyPr/>
+        <a:lstStyle/>
+        <a:p>
+          <a:r>
+            <a:rPr lang="en-IN">
+              <a:hlinkClick xmlns:r="http://schemas.openxmlformats.org/officeDocument/2006/relationships" r:id="rId2"/>
+            </a:rPr>
+            <a:t>https://github.com/modelcontextprotocol/csharp-sdk</a:t>
+          </a:r>
+          <a:r>
+            <a:rPr lang="en-IN"/>
+            <a:t> </a:t>
+          </a:r>
+          <a:endParaRPr lang="en-US"/>
+        </a:p>
+      </dgm:t>
+    </dgm:pt>
+    <dgm:pt modelId="{1844E9D4-BEC0-45D5-847D-A18C6F38426B}" type="parTrans" cxnId="{1DF35FC1-6A97-4ED6-82C4-B54BE1886E85}">
+      <dgm:prSet/>
+      <dgm:spPr/>
+      <dgm:t>
+        <a:bodyPr/>
+        <a:lstStyle/>
+        <a:p>
+          <a:endParaRPr lang="en-US"/>
+        </a:p>
+      </dgm:t>
+    </dgm:pt>
+    <dgm:pt modelId="{3F2DDEAB-2B94-4C9B-A476-5895A5C44E10}" type="sibTrans" cxnId="{1DF35FC1-6A97-4ED6-82C4-B54BE1886E85}">
+      <dgm:prSet/>
+      <dgm:spPr/>
+      <dgm:t>
+        <a:bodyPr/>
+        <a:lstStyle/>
+        <a:p>
+          <a:endParaRPr lang="en-US"/>
+        </a:p>
+      </dgm:t>
+    </dgm:pt>
+    <dgm:pt modelId="{3746CAD0-395E-4E7C-9D0A-E50231C94954}">
+      <dgm:prSet/>
+      <dgm:spPr/>
+      <dgm:t>
+        <a:bodyPr/>
+        <a:lstStyle/>
+        <a:p>
+          <a:r>
+            <a:rPr lang="en-IN">
+              <a:hlinkClick xmlns:r="http://schemas.openxmlformats.org/officeDocument/2006/relationships" r:id="rId3"/>
+            </a:rPr>
+            <a:t>https://devblogs.microsoft.com/dotnet/build-a-model-context-protocol-mcp-server-in-csharp/</a:t>
+          </a:r>
+          <a:r>
+            <a:rPr lang="en-IN"/>
+            <a:t> </a:t>
+          </a:r>
+          <a:endParaRPr lang="en-US"/>
+        </a:p>
+      </dgm:t>
+    </dgm:pt>
+    <dgm:pt modelId="{35B7CDA3-097B-4D11-BA1C-57727AC07F95}" type="parTrans" cxnId="{25C4C01D-C3F5-4F40-81BE-2E3FBAB80209}">
+      <dgm:prSet/>
+      <dgm:spPr/>
+      <dgm:t>
+        <a:bodyPr/>
+        <a:lstStyle/>
+        <a:p>
+          <a:endParaRPr lang="en-US"/>
+        </a:p>
+      </dgm:t>
+    </dgm:pt>
+    <dgm:pt modelId="{F761C504-9A83-4F90-A592-2CD26AFD6436}" type="sibTrans" cxnId="{25C4C01D-C3F5-4F40-81BE-2E3FBAB80209}">
+      <dgm:prSet/>
+      <dgm:spPr/>
+      <dgm:t>
+        <a:bodyPr/>
+        <a:lstStyle/>
+        <a:p>
+          <a:endParaRPr lang="en-US"/>
+        </a:p>
+      </dgm:t>
+    </dgm:pt>
+    <dgm:pt modelId="{D6D20CB0-9BBE-4206-A75A-C03B4EE3E92F}">
+      <dgm:prSet/>
+      <dgm:spPr/>
+      <dgm:t>
+        <a:bodyPr/>
+        <a:lstStyle/>
+        <a:p>
+          <a:r>
+            <a:rPr lang="en-IN">
+              <a:hlinkClick xmlns:r="http://schemas.openxmlformats.org/officeDocument/2006/relationships" r:id="rId4"/>
+            </a:rPr>
+            <a:t>https://laurentkempe.com/2025/03/22/model-context-protocol-made-easy-building-an-mcp-server-in-csharp/</a:t>
+          </a:r>
+          <a:r>
+            <a:rPr lang="en-IN"/>
+            <a:t> </a:t>
+          </a:r>
+          <a:endParaRPr lang="en-US"/>
+        </a:p>
+      </dgm:t>
+    </dgm:pt>
+    <dgm:pt modelId="{F367B751-DA0B-4CDA-8504-A87BC7DE1DAB}" type="parTrans" cxnId="{95C3562F-5450-4B18-900F-B65B8A882942}">
+      <dgm:prSet/>
+      <dgm:spPr/>
+      <dgm:t>
+        <a:bodyPr/>
+        <a:lstStyle/>
+        <a:p>
+          <a:endParaRPr lang="en-US"/>
+        </a:p>
+      </dgm:t>
+    </dgm:pt>
+    <dgm:pt modelId="{BD1A00DB-4E9E-462C-891C-AC99524C083C}" type="sibTrans" cxnId="{95C3562F-5450-4B18-900F-B65B8A882942}">
+      <dgm:prSet/>
+      <dgm:spPr/>
+      <dgm:t>
+        <a:bodyPr/>
+        <a:lstStyle/>
+        <a:p>
+          <a:endParaRPr lang="en-US"/>
+        </a:p>
+      </dgm:t>
+    </dgm:pt>
+    <dgm:pt modelId="{1B706345-F2D6-4222-84DB-7208D09D3B7A}" type="pres">
+      <dgm:prSet presAssocID="{67FD1DDA-3885-4ED0-BB08-DAFB336220E2}" presName="vert0" presStyleCnt="0">
+        <dgm:presLayoutVars>
+          <dgm:dir/>
+          <dgm:animOne val="branch"/>
+          <dgm:animLvl val="lvl"/>
+        </dgm:presLayoutVars>
+      </dgm:prSet>
+      <dgm:spPr/>
+    </dgm:pt>
+    <dgm:pt modelId="{ABD4BB91-B786-4F56-8805-E61DB998E1AD}" type="pres">
+      <dgm:prSet presAssocID="{0D1863CB-83D7-469B-8A1B-A720F190CAAB}" presName="thickLine" presStyleLbl="alignNode1" presStyleIdx="0" presStyleCnt="4"/>
+      <dgm:spPr/>
+    </dgm:pt>
+    <dgm:pt modelId="{5D639DC6-D417-409E-9C10-4AC4064FE136}" type="pres">
+      <dgm:prSet presAssocID="{0D1863CB-83D7-469B-8A1B-A720F190CAAB}" presName="horz1" presStyleCnt="0"/>
+      <dgm:spPr/>
+    </dgm:pt>
+    <dgm:pt modelId="{7AAD9078-879D-402A-B07F-BD4D6214F3D2}" type="pres">
+      <dgm:prSet presAssocID="{0D1863CB-83D7-469B-8A1B-A720F190CAAB}" presName="tx1" presStyleLbl="revTx" presStyleIdx="0" presStyleCnt="4"/>
+      <dgm:spPr/>
+    </dgm:pt>
+    <dgm:pt modelId="{1BDB9873-86AC-48CF-9373-0D3AAB7D518D}" type="pres">
+      <dgm:prSet presAssocID="{0D1863CB-83D7-469B-8A1B-A720F190CAAB}" presName="vert1" presStyleCnt="0"/>
+      <dgm:spPr/>
+    </dgm:pt>
+    <dgm:pt modelId="{10EE5A6D-8602-41D0-BEF4-80CE8524EB87}" type="pres">
+      <dgm:prSet presAssocID="{822F203C-FD5E-4BC8-ADE7-DFAAD9965C45}" presName="thickLine" presStyleLbl="alignNode1" presStyleIdx="1" presStyleCnt="4"/>
+      <dgm:spPr/>
+    </dgm:pt>
+    <dgm:pt modelId="{6B688175-8078-4F6C-B227-0E76DD1D58D3}" type="pres">
+      <dgm:prSet presAssocID="{822F203C-FD5E-4BC8-ADE7-DFAAD9965C45}" presName="horz1" presStyleCnt="0"/>
+      <dgm:spPr/>
+    </dgm:pt>
+    <dgm:pt modelId="{58C699AB-58E3-4A32-ABF5-B41CE6138314}" type="pres">
+      <dgm:prSet presAssocID="{822F203C-FD5E-4BC8-ADE7-DFAAD9965C45}" presName="tx1" presStyleLbl="revTx" presStyleIdx="1" presStyleCnt="4"/>
+      <dgm:spPr/>
+    </dgm:pt>
+    <dgm:pt modelId="{A9AA7251-1865-483D-9BA1-5B45041CE5B2}" type="pres">
+      <dgm:prSet presAssocID="{822F203C-FD5E-4BC8-ADE7-DFAAD9965C45}" presName="vert1" presStyleCnt="0"/>
+      <dgm:spPr/>
+    </dgm:pt>
+    <dgm:pt modelId="{34ABA51D-9B7B-47E4-9472-5CEE57C06CCB}" type="pres">
+      <dgm:prSet presAssocID="{3746CAD0-395E-4E7C-9D0A-E50231C94954}" presName="thickLine" presStyleLbl="alignNode1" presStyleIdx="2" presStyleCnt="4"/>
+      <dgm:spPr/>
+    </dgm:pt>
+    <dgm:pt modelId="{433AAADF-E49E-4F5F-9780-F0500E73541D}" type="pres">
+      <dgm:prSet presAssocID="{3746CAD0-395E-4E7C-9D0A-E50231C94954}" presName="horz1" presStyleCnt="0"/>
+      <dgm:spPr/>
+    </dgm:pt>
+    <dgm:pt modelId="{8E1EEB72-9847-459D-B07A-84BE77F3154B}" type="pres">
+      <dgm:prSet presAssocID="{3746CAD0-395E-4E7C-9D0A-E50231C94954}" presName="tx1" presStyleLbl="revTx" presStyleIdx="2" presStyleCnt="4"/>
+      <dgm:spPr/>
+    </dgm:pt>
+    <dgm:pt modelId="{771D766F-5B71-4F24-8E5C-17848716EB40}" type="pres">
+      <dgm:prSet presAssocID="{3746CAD0-395E-4E7C-9D0A-E50231C94954}" presName="vert1" presStyleCnt="0"/>
+      <dgm:spPr/>
+    </dgm:pt>
+    <dgm:pt modelId="{AF511D0A-D9D8-4E96-A5DC-61A086A69840}" type="pres">
+      <dgm:prSet presAssocID="{D6D20CB0-9BBE-4206-A75A-C03B4EE3E92F}" presName="thickLine" presStyleLbl="alignNode1" presStyleIdx="3" presStyleCnt="4"/>
+      <dgm:spPr/>
+    </dgm:pt>
+    <dgm:pt modelId="{EBDC497C-E6D2-41DD-A3B3-1F2BC74C3ADD}" type="pres">
+      <dgm:prSet presAssocID="{D6D20CB0-9BBE-4206-A75A-C03B4EE3E92F}" presName="horz1" presStyleCnt="0"/>
+      <dgm:spPr/>
+    </dgm:pt>
+    <dgm:pt modelId="{B298D8D4-BA79-458A-ACD7-0D077722FDB9}" type="pres">
+      <dgm:prSet presAssocID="{D6D20CB0-9BBE-4206-A75A-C03B4EE3E92F}" presName="tx1" presStyleLbl="revTx" presStyleIdx="3" presStyleCnt="4"/>
+      <dgm:spPr/>
+    </dgm:pt>
+    <dgm:pt modelId="{FCDA9B0A-0F20-4B60-9848-E4DF92993932}" type="pres">
+      <dgm:prSet presAssocID="{D6D20CB0-9BBE-4206-A75A-C03B4EE3E92F}" presName="vert1" presStyleCnt="0"/>
+      <dgm:spPr/>
+    </dgm:pt>
+  </dgm:ptLst>
+  <dgm:cxnLst>
+    <dgm:cxn modelId="{C6FE700F-B5D6-4DD9-BB22-E156992F71D9}" type="presOf" srcId="{67FD1DDA-3885-4ED0-BB08-DAFB336220E2}" destId="{1B706345-F2D6-4222-84DB-7208D09D3B7A}" srcOrd="0" destOrd="0" presId="urn:microsoft.com/office/officeart/2008/layout/LinedList"/>
+    <dgm:cxn modelId="{25C4C01D-C3F5-4F40-81BE-2E3FBAB80209}" srcId="{67FD1DDA-3885-4ED0-BB08-DAFB336220E2}" destId="{3746CAD0-395E-4E7C-9D0A-E50231C94954}" srcOrd="2" destOrd="0" parTransId="{35B7CDA3-097B-4D11-BA1C-57727AC07F95}" sibTransId="{F761C504-9A83-4F90-A592-2CD26AFD6436}"/>
+    <dgm:cxn modelId="{95C3562F-5450-4B18-900F-B65B8A882942}" srcId="{67FD1DDA-3885-4ED0-BB08-DAFB336220E2}" destId="{D6D20CB0-9BBE-4206-A75A-C03B4EE3E92F}" srcOrd="3" destOrd="0" parTransId="{F367B751-DA0B-4CDA-8504-A87BC7DE1DAB}" sibTransId="{BD1A00DB-4E9E-462C-891C-AC99524C083C}"/>
+    <dgm:cxn modelId="{B7B29841-E3B3-47CF-84CD-E44710C731B8}" type="presOf" srcId="{3746CAD0-395E-4E7C-9D0A-E50231C94954}" destId="{8E1EEB72-9847-459D-B07A-84BE77F3154B}" srcOrd="0" destOrd="0" presId="urn:microsoft.com/office/officeart/2008/layout/LinedList"/>
+    <dgm:cxn modelId="{E5131A7A-642E-4F94-8290-A809EDE9DE73}" type="presOf" srcId="{D6D20CB0-9BBE-4206-A75A-C03B4EE3E92F}" destId="{B298D8D4-BA79-458A-ACD7-0D077722FDB9}" srcOrd="0" destOrd="0" presId="urn:microsoft.com/office/officeart/2008/layout/LinedList"/>
+    <dgm:cxn modelId="{1DF35FC1-6A97-4ED6-82C4-B54BE1886E85}" srcId="{67FD1DDA-3885-4ED0-BB08-DAFB336220E2}" destId="{822F203C-FD5E-4BC8-ADE7-DFAAD9965C45}" srcOrd="1" destOrd="0" parTransId="{1844E9D4-BEC0-45D5-847D-A18C6F38426B}" sibTransId="{3F2DDEAB-2B94-4C9B-A476-5895A5C44E10}"/>
+    <dgm:cxn modelId="{92F3D4E9-7DF2-41CC-AB25-C50E0B1713EA}" srcId="{67FD1DDA-3885-4ED0-BB08-DAFB336220E2}" destId="{0D1863CB-83D7-469B-8A1B-A720F190CAAB}" srcOrd="0" destOrd="0" parTransId="{C4C66C78-D1B6-4E46-A3D1-9E93D7389CF0}" sibTransId="{0B418677-52DD-4F83-961E-9202CC2FC680}"/>
+    <dgm:cxn modelId="{E9CCF3F3-13EA-47FC-8A82-59C853B9CD57}" type="presOf" srcId="{0D1863CB-83D7-469B-8A1B-A720F190CAAB}" destId="{7AAD9078-879D-402A-B07F-BD4D6214F3D2}" srcOrd="0" destOrd="0" presId="urn:microsoft.com/office/officeart/2008/layout/LinedList"/>
+    <dgm:cxn modelId="{3F53CDF6-449B-43E9-8869-084AA9BE6626}" type="presOf" srcId="{822F203C-FD5E-4BC8-ADE7-DFAAD9965C45}" destId="{58C699AB-58E3-4A32-ABF5-B41CE6138314}" srcOrd="0" destOrd="0" presId="urn:microsoft.com/office/officeart/2008/layout/LinedList"/>
+    <dgm:cxn modelId="{EE34DDC3-5CE8-49F3-B7C5-01E08F9022C4}" type="presParOf" srcId="{1B706345-F2D6-4222-84DB-7208D09D3B7A}" destId="{ABD4BB91-B786-4F56-8805-E61DB998E1AD}" srcOrd="0" destOrd="0" presId="urn:microsoft.com/office/officeart/2008/layout/LinedList"/>
+    <dgm:cxn modelId="{E51ABFE6-35EC-472E-A3FC-981E7B49A05D}" type="presParOf" srcId="{1B706345-F2D6-4222-84DB-7208D09D3B7A}" destId="{5D639DC6-D417-409E-9C10-4AC4064FE136}" srcOrd="1" destOrd="0" presId="urn:microsoft.com/office/officeart/2008/layout/LinedList"/>
+    <dgm:cxn modelId="{6C0AD9D5-66F4-4494-8735-46DF0B090B93}" type="presParOf" srcId="{5D639DC6-D417-409E-9C10-4AC4064FE136}" destId="{7AAD9078-879D-402A-B07F-BD4D6214F3D2}" srcOrd="0" destOrd="0" presId="urn:microsoft.com/office/officeart/2008/layout/LinedList"/>
+    <dgm:cxn modelId="{C8135CB2-523A-4C41-817F-2BEBBFE7C83E}" type="presParOf" srcId="{5D639DC6-D417-409E-9C10-4AC4064FE136}" destId="{1BDB9873-86AC-48CF-9373-0D3AAB7D518D}" srcOrd="1" destOrd="0" presId="urn:microsoft.com/office/officeart/2008/layout/LinedList"/>
+    <dgm:cxn modelId="{372FDCC3-D244-4958-A3AE-B51DA3C98FBD}" type="presParOf" srcId="{1B706345-F2D6-4222-84DB-7208D09D3B7A}" destId="{10EE5A6D-8602-41D0-BEF4-80CE8524EB87}" srcOrd="2" destOrd="0" presId="urn:microsoft.com/office/officeart/2008/layout/LinedList"/>
+    <dgm:cxn modelId="{49EE6802-CEE6-4E00-AA8B-C225F71682DB}" type="presParOf" srcId="{1B706345-F2D6-4222-84DB-7208D09D3B7A}" destId="{6B688175-8078-4F6C-B227-0E76DD1D58D3}" srcOrd="3" destOrd="0" presId="urn:microsoft.com/office/officeart/2008/layout/LinedList"/>
+    <dgm:cxn modelId="{ED119CE1-337A-41DC-978E-839FB79878F6}" type="presParOf" srcId="{6B688175-8078-4F6C-B227-0E76DD1D58D3}" destId="{58C699AB-58E3-4A32-ABF5-B41CE6138314}" srcOrd="0" destOrd="0" presId="urn:microsoft.com/office/officeart/2008/layout/LinedList"/>
+    <dgm:cxn modelId="{88CE2803-4C9E-46A5-A7BA-D3BD54552A4A}" type="presParOf" srcId="{6B688175-8078-4F6C-B227-0E76DD1D58D3}" destId="{A9AA7251-1865-483D-9BA1-5B45041CE5B2}" srcOrd="1" destOrd="0" presId="urn:microsoft.com/office/officeart/2008/layout/LinedList"/>
+    <dgm:cxn modelId="{4AFA3447-8626-489E-B673-34E87AD31299}" type="presParOf" srcId="{1B706345-F2D6-4222-84DB-7208D09D3B7A}" destId="{34ABA51D-9B7B-47E4-9472-5CEE57C06CCB}" srcOrd="4" destOrd="0" presId="urn:microsoft.com/office/officeart/2008/layout/LinedList"/>
+    <dgm:cxn modelId="{A18C32C3-60C1-40E0-A8BC-1EC6028F6856}" type="presParOf" srcId="{1B706345-F2D6-4222-84DB-7208D09D3B7A}" destId="{433AAADF-E49E-4F5F-9780-F0500E73541D}" srcOrd="5" destOrd="0" presId="urn:microsoft.com/office/officeart/2008/layout/LinedList"/>
+    <dgm:cxn modelId="{AFE51297-1A36-44A9-89D8-A5591CEF4BAC}" type="presParOf" srcId="{433AAADF-E49E-4F5F-9780-F0500E73541D}" destId="{8E1EEB72-9847-459D-B07A-84BE77F3154B}" srcOrd="0" destOrd="0" presId="urn:microsoft.com/office/officeart/2008/layout/LinedList"/>
+    <dgm:cxn modelId="{AC20D650-48BA-4F67-8620-407EE96B3714}" type="presParOf" srcId="{433AAADF-E49E-4F5F-9780-F0500E73541D}" destId="{771D766F-5B71-4F24-8E5C-17848716EB40}" srcOrd="1" destOrd="0" presId="urn:microsoft.com/office/officeart/2008/layout/LinedList"/>
+    <dgm:cxn modelId="{12A4C487-BD0E-484B-9D2B-80EB4D410B0E}" type="presParOf" srcId="{1B706345-F2D6-4222-84DB-7208D09D3B7A}" destId="{AF511D0A-D9D8-4E96-A5DC-61A086A69840}" srcOrd="6" destOrd="0" presId="urn:microsoft.com/office/officeart/2008/layout/LinedList"/>
+    <dgm:cxn modelId="{0547C971-C9DD-43E1-9078-D4DB4338EA15}" type="presParOf" srcId="{1B706345-F2D6-4222-84DB-7208D09D3B7A}" destId="{EBDC497C-E6D2-41DD-A3B3-1F2BC74C3ADD}" srcOrd="7" destOrd="0" presId="urn:microsoft.com/office/officeart/2008/layout/LinedList"/>
+    <dgm:cxn modelId="{6861A404-4ABE-450E-8EC4-181A81955109}" type="presParOf" srcId="{EBDC497C-E6D2-41DD-A3B3-1F2BC74C3ADD}" destId="{B298D8D4-BA79-458A-ACD7-0D077722FDB9}" srcOrd="0" destOrd="0" presId="urn:microsoft.com/office/officeart/2008/layout/LinedList"/>
+    <dgm:cxn modelId="{3CEDE7A3-D58E-4E11-89CA-F9FC6743C529}" type="presParOf" srcId="{EBDC497C-E6D2-41DD-A3B3-1F2BC74C3ADD}" destId="{FCDA9B0A-0F20-4B60-9848-E4DF92993932}" srcOrd="1" destOrd="0" presId="urn:microsoft.com/office/officeart/2008/layout/LinedList"/>
   </dgm:cxnLst>
   <dgm:bg/>
   <dgm:whole/>
@@ -12544,6 +13762,486 @@
 </dsp:drawing>
 </file>
 
+<file path=ppt/diagrams/drawing8.xml><?xml version="1.0" encoding="utf-8"?>
+<dsp:drawing xmlns:dgm="http://schemas.openxmlformats.org/drawingml/2006/diagram" xmlns:dsp="http://schemas.microsoft.com/office/drawing/2008/diagram" xmlns:a="http://schemas.openxmlformats.org/drawingml/2006/main">
+  <dsp:spTree>
+    <dsp:nvGrpSpPr>
+      <dsp:cNvPr id="0" name=""/>
+      <dsp:cNvGrpSpPr/>
+    </dsp:nvGrpSpPr>
+    <dsp:grpSpPr/>
+    <dsp:sp modelId="{ABD4BB91-B786-4F56-8805-E61DB998E1AD}">
+      <dsp:nvSpPr>
+        <dsp:cNvPr id="0" name=""/>
+        <dsp:cNvSpPr/>
+      </dsp:nvSpPr>
+      <dsp:spPr>
+        <a:xfrm>
+          <a:off x="0" y="0"/>
+          <a:ext cx="6301601" cy="0"/>
+        </a:xfrm>
+        <a:prstGeom prst="line">
+          <a:avLst/>
+        </a:prstGeom>
+        <a:solidFill>
+          <a:schemeClr val="accent2">
+            <a:hueOff val="0"/>
+            <a:satOff val="0"/>
+            <a:lumOff val="0"/>
+            <a:alphaOff val="0"/>
+          </a:schemeClr>
+        </a:solidFill>
+        <a:ln w="19050" cap="flat" cmpd="sng" algn="ctr">
+          <a:solidFill>
+            <a:schemeClr val="accent2">
+              <a:hueOff val="0"/>
+              <a:satOff val="0"/>
+              <a:lumOff val="0"/>
+              <a:alphaOff val="0"/>
+            </a:schemeClr>
+          </a:solidFill>
+          <a:prstDash val="solid"/>
+          <a:miter lim="800000"/>
+        </a:ln>
+        <a:effectLst/>
+      </dsp:spPr>
+      <dsp:style>
+        <a:lnRef idx="2">
+          <a:scrgbClr r="0" g="0" b="0"/>
+        </a:lnRef>
+        <a:fillRef idx="1">
+          <a:scrgbClr r="0" g="0" b="0"/>
+        </a:fillRef>
+        <a:effectRef idx="0">
+          <a:scrgbClr r="0" g="0" b="0"/>
+        </a:effectRef>
+        <a:fontRef idx="minor">
+          <a:schemeClr val="lt1"/>
+        </a:fontRef>
+      </dsp:style>
+    </dsp:sp>
+    <dsp:sp modelId="{7AAD9078-879D-402A-B07F-BD4D6214F3D2}">
+      <dsp:nvSpPr>
+        <dsp:cNvPr id="0" name=""/>
+        <dsp:cNvSpPr/>
+      </dsp:nvSpPr>
+      <dsp:spPr>
+        <a:xfrm>
+          <a:off x="0" y="0"/>
+          <a:ext cx="6301601" cy="1469702"/>
+        </a:xfrm>
+        <a:prstGeom prst="rect">
+          <a:avLst/>
+        </a:prstGeom>
+        <a:noFill/>
+        <a:ln>
+          <a:noFill/>
+        </a:ln>
+        <a:effectLst/>
+      </dsp:spPr>
+      <dsp:style>
+        <a:lnRef idx="0">
+          <a:scrgbClr r="0" g="0" b="0"/>
+        </a:lnRef>
+        <a:fillRef idx="0">
+          <a:scrgbClr r="0" g="0" b="0"/>
+        </a:fillRef>
+        <a:effectRef idx="0">
+          <a:scrgbClr r="0" g="0" b="0"/>
+        </a:effectRef>
+        <a:fontRef idx="minor"/>
+      </dsp:style>
+      <dsp:txBody>
+        <a:bodyPr spcFirstLastPara="0" vert="horz" wrap="square" lIns="83820" tIns="83820" rIns="83820" bIns="83820" numCol="1" spcCol="1270" anchor="t" anchorCtr="0">
+          <a:noAutofit/>
+        </a:bodyPr>
+        <a:lstStyle/>
+        <a:p>
+          <a:pPr marL="0" lvl="0" indent="0" algn="l" defTabSz="977900">
+            <a:lnSpc>
+              <a:spcPct val="90000"/>
+            </a:lnSpc>
+            <a:spcBef>
+              <a:spcPct val="0"/>
+            </a:spcBef>
+            <a:spcAft>
+              <a:spcPct val="35000"/>
+            </a:spcAft>
+            <a:buNone/>
+          </a:pPr>
+          <a:r>
+            <a:rPr lang="en-IN" sz="2200" kern="1200">
+              <a:hlinkClick xmlns:r="http://schemas.openxmlformats.org/officeDocument/2006/relationships" r:id="rId1"/>
+            </a:rPr>
+            <a:t>https://arxiv.org/pdf/2503.23278</a:t>
+          </a:r>
+          <a:r>
+            <a:rPr lang="en-IN" sz="2200" kern="1200"/>
+            <a:t> </a:t>
+          </a:r>
+          <a:endParaRPr lang="en-US" sz="2200" kern="1200"/>
+        </a:p>
+      </dsp:txBody>
+      <dsp:txXfrm>
+        <a:off x="0" y="0"/>
+        <a:ext cx="6301601" cy="1469702"/>
+      </dsp:txXfrm>
+    </dsp:sp>
+    <dsp:sp modelId="{10EE5A6D-8602-41D0-BEF4-80CE8524EB87}">
+      <dsp:nvSpPr>
+        <dsp:cNvPr id="0" name=""/>
+        <dsp:cNvSpPr/>
+      </dsp:nvSpPr>
+      <dsp:spPr>
+        <a:xfrm>
+          <a:off x="0" y="1469702"/>
+          <a:ext cx="6301601" cy="0"/>
+        </a:xfrm>
+        <a:prstGeom prst="line">
+          <a:avLst/>
+        </a:prstGeom>
+        <a:solidFill>
+          <a:schemeClr val="accent3">
+            <a:hueOff val="0"/>
+            <a:satOff val="0"/>
+            <a:lumOff val="0"/>
+            <a:alphaOff val="0"/>
+          </a:schemeClr>
+        </a:solidFill>
+        <a:ln w="19050" cap="flat" cmpd="sng" algn="ctr">
+          <a:solidFill>
+            <a:schemeClr val="accent3">
+              <a:hueOff val="0"/>
+              <a:satOff val="0"/>
+              <a:lumOff val="0"/>
+              <a:alphaOff val="0"/>
+            </a:schemeClr>
+          </a:solidFill>
+          <a:prstDash val="solid"/>
+          <a:miter lim="800000"/>
+        </a:ln>
+        <a:effectLst/>
+      </dsp:spPr>
+      <dsp:style>
+        <a:lnRef idx="2">
+          <a:scrgbClr r="0" g="0" b="0"/>
+        </a:lnRef>
+        <a:fillRef idx="1">
+          <a:scrgbClr r="0" g="0" b="0"/>
+        </a:fillRef>
+        <a:effectRef idx="0">
+          <a:scrgbClr r="0" g="0" b="0"/>
+        </a:effectRef>
+        <a:fontRef idx="minor">
+          <a:schemeClr val="lt1"/>
+        </a:fontRef>
+      </dsp:style>
+    </dsp:sp>
+    <dsp:sp modelId="{58C699AB-58E3-4A32-ABF5-B41CE6138314}">
+      <dsp:nvSpPr>
+        <dsp:cNvPr id="0" name=""/>
+        <dsp:cNvSpPr/>
+      </dsp:nvSpPr>
+      <dsp:spPr>
+        <a:xfrm>
+          <a:off x="0" y="1469702"/>
+          <a:ext cx="6301601" cy="1469702"/>
+        </a:xfrm>
+        <a:prstGeom prst="rect">
+          <a:avLst/>
+        </a:prstGeom>
+        <a:noFill/>
+        <a:ln>
+          <a:noFill/>
+        </a:ln>
+        <a:effectLst/>
+      </dsp:spPr>
+      <dsp:style>
+        <a:lnRef idx="0">
+          <a:scrgbClr r="0" g="0" b="0"/>
+        </a:lnRef>
+        <a:fillRef idx="0">
+          <a:scrgbClr r="0" g="0" b="0"/>
+        </a:fillRef>
+        <a:effectRef idx="0">
+          <a:scrgbClr r="0" g="0" b="0"/>
+        </a:effectRef>
+        <a:fontRef idx="minor"/>
+      </dsp:style>
+      <dsp:txBody>
+        <a:bodyPr spcFirstLastPara="0" vert="horz" wrap="square" lIns="83820" tIns="83820" rIns="83820" bIns="83820" numCol="1" spcCol="1270" anchor="t" anchorCtr="0">
+          <a:noAutofit/>
+        </a:bodyPr>
+        <a:lstStyle/>
+        <a:p>
+          <a:pPr marL="0" lvl="0" indent="0" algn="l" defTabSz="977900">
+            <a:lnSpc>
+              <a:spcPct val="90000"/>
+            </a:lnSpc>
+            <a:spcBef>
+              <a:spcPct val="0"/>
+            </a:spcBef>
+            <a:spcAft>
+              <a:spcPct val="35000"/>
+            </a:spcAft>
+            <a:buNone/>
+          </a:pPr>
+          <a:r>
+            <a:rPr lang="en-IN" sz="2200" kern="1200">
+              <a:hlinkClick xmlns:r="http://schemas.openxmlformats.org/officeDocument/2006/relationships" r:id="rId2"/>
+            </a:rPr>
+            <a:t>https://github.com/modelcontextprotocol/csharp-sdk</a:t>
+          </a:r>
+          <a:r>
+            <a:rPr lang="en-IN" sz="2200" kern="1200"/>
+            <a:t> </a:t>
+          </a:r>
+          <a:endParaRPr lang="en-US" sz="2200" kern="1200"/>
+        </a:p>
+      </dsp:txBody>
+      <dsp:txXfrm>
+        <a:off x="0" y="1469702"/>
+        <a:ext cx="6301601" cy="1469702"/>
+      </dsp:txXfrm>
+    </dsp:sp>
+    <dsp:sp modelId="{34ABA51D-9B7B-47E4-9472-5CEE57C06CCB}">
+      <dsp:nvSpPr>
+        <dsp:cNvPr id="0" name=""/>
+        <dsp:cNvSpPr/>
+      </dsp:nvSpPr>
+      <dsp:spPr>
+        <a:xfrm>
+          <a:off x="0" y="2939404"/>
+          <a:ext cx="6301601" cy="0"/>
+        </a:xfrm>
+        <a:prstGeom prst="line">
+          <a:avLst/>
+        </a:prstGeom>
+        <a:solidFill>
+          <a:schemeClr val="accent4">
+            <a:hueOff val="0"/>
+            <a:satOff val="0"/>
+            <a:lumOff val="0"/>
+            <a:alphaOff val="0"/>
+          </a:schemeClr>
+        </a:solidFill>
+        <a:ln w="19050" cap="flat" cmpd="sng" algn="ctr">
+          <a:solidFill>
+            <a:schemeClr val="accent4">
+              <a:hueOff val="0"/>
+              <a:satOff val="0"/>
+              <a:lumOff val="0"/>
+              <a:alphaOff val="0"/>
+            </a:schemeClr>
+          </a:solidFill>
+          <a:prstDash val="solid"/>
+          <a:miter lim="800000"/>
+        </a:ln>
+        <a:effectLst/>
+      </dsp:spPr>
+      <dsp:style>
+        <a:lnRef idx="2">
+          <a:scrgbClr r="0" g="0" b="0"/>
+        </a:lnRef>
+        <a:fillRef idx="1">
+          <a:scrgbClr r="0" g="0" b="0"/>
+        </a:fillRef>
+        <a:effectRef idx="0">
+          <a:scrgbClr r="0" g="0" b="0"/>
+        </a:effectRef>
+        <a:fontRef idx="minor">
+          <a:schemeClr val="lt1"/>
+        </a:fontRef>
+      </dsp:style>
+    </dsp:sp>
+    <dsp:sp modelId="{8E1EEB72-9847-459D-B07A-84BE77F3154B}">
+      <dsp:nvSpPr>
+        <dsp:cNvPr id="0" name=""/>
+        <dsp:cNvSpPr/>
+      </dsp:nvSpPr>
+      <dsp:spPr>
+        <a:xfrm>
+          <a:off x="0" y="2939404"/>
+          <a:ext cx="6301601" cy="1469702"/>
+        </a:xfrm>
+        <a:prstGeom prst="rect">
+          <a:avLst/>
+        </a:prstGeom>
+        <a:noFill/>
+        <a:ln>
+          <a:noFill/>
+        </a:ln>
+        <a:effectLst/>
+      </dsp:spPr>
+      <dsp:style>
+        <a:lnRef idx="0">
+          <a:scrgbClr r="0" g="0" b="0"/>
+        </a:lnRef>
+        <a:fillRef idx="0">
+          <a:scrgbClr r="0" g="0" b="0"/>
+        </a:fillRef>
+        <a:effectRef idx="0">
+          <a:scrgbClr r="0" g="0" b="0"/>
+        </a:effectRef>
+        <a:fontRef idx="minor"/>
+      </dsp:style>
+      <dsp:txBody>
+        <a:bodyPr spcFirstLastPara="0" vert="horz" wrap="square" lIns="83820" tIns="83820" rIns="83820" bIns="83820" numCol="1" spcCol="1270" anchor="t" anchorCtr="0">
+          <a:noAutofit/>
+        </a:bodyPr>
+        <a:lstStyle/>
+        <a:p>
+          <a:pPr marL="0" lvl="0" indent="0" algn="l" defTabSz="977900">
+            <a:lnSpc>
+              <a:spcPct val="90000"/>
+            </a:lnSpc>
+            <a:spcBef>
+              <a:spcPct val="0"/>
+            </a:spcBef>
+            <a:spcAft>
+              <a:spcPct val="35000"/>
+            </a:spcAft>
+            <a:buNone/>
+          </a:pPr>
+          <a:r>
+            <a:rPr lang="en-IN" sz="2200" kern="1200">
+              <a:hlinkClick xmlns:r="http://schemas.openxmlformats.org/officeDocument/2006/relationships" r:id="rId3"/>
+            </a:rPr>
+            <a:t>https://devblogs.microsoft.com/dotnet/build-a-model-context-protocol-mcp-server-in-csharp/</a:t>
+          </a:r>
+          <a:r>
+            <a:rPr lang="en-IN" sz="2200" kern="1200"/>
+            <a:t> </a:t>
+          </a:r>
+          <a:endParaRPr lang="en-US" sz="2200" kern="1200"/>
+        </a:p>
+      </dsp:txBody>
+      <dsp:txXfrm>
+        <a:off x="0" y="2939404"/>
+        <a:ext cx="6301601" cy="1469702"/>
+      </dsp:txXfrm>
+    </dsp:sp>
+    <dsp:sp modelId="{AF511D0A-D9D8-4E96-A5DC-61A086A69840}">
+      <dsp:nvSpPr>
+        <dsp:cNvPr id="0" name=""/>
+        <dsp:cNvSpPr/>
+      </dsp:nvSpPr>
+      <dsp:spPr>
+        <a:xfrm>
+          <a:off x="0" y="4409106"/>
+          <a:ext cx="6301601" cy="0"/>
+        </a:xfrm>
+        <a:prstGeom prst="line">
+          <a:avLst/>
+        </a:prstGeom>
+        <a:solidFill>
+          <a:schemeClr val="accent5">
+            <a:hueOff val="0"/>
+            <a:satOff val="0"/>
+            <a:lumOff val="0"/>
+            <a:alphaOff val="0"/>
+          </a:schemeClr>
+        </a:solidFill>
+        <a:ln w="19050" cap="flat" cmpd="sng" algn="ctr">
+          <a:solidFill>
+            <a:schemeClr val="accent5">
+              <a:hueOff val="0"/>
+              <a:satOff val="0"/>
+              <a:lumOff val="0"/>
+              <a:alphaOff val="0"/>
+            </a:schemeClr>
+          </a:solidFill>
+          <a:prstDash val="solid"/>
+          <a:miter lim="800000"/>
+        </a:ln>
+        <a:effectLst/>
+      </dsp:spPr>
+      <dsp:style>
+        <a:lnRef idx="2">
+          <a:scrgbClr r="0" g="0" b="0"/>
+        </a:lnRef>
+        <a:fillRef idx="1">
+          <a:scrgbClr r="0" g="0" b="0"/>
+        </a:fillRef>
+        <a:effectRef idx="0">
+          <a:scrgbClr r="0" g="0" b="0"/>
+        </a:effectRef>
+        <a:fontRef idx="minor">
+          <a:schemeClr val="lt1"/>
+        </a:fontRef>
+      </dsp:style>
+    </dsp:sp>
+    <dsp:sp modelId="{B298D8D4-BA79-458A-ACD7-0D077722FDB9}">
+      <dsp:nvSpPr>
+        <dsp:cNvPr id="0" name=""/>
+        <dsp:cNvSpPr/>
+      </dsp:nvSpPr>
+      <dsp:spPr>
+        <a:xfrm>
+          <a:off x="0" y="4409106"/>
+          <a:ext cx="6301601" cy="1469702"/>
+        </a:xfrm>
+        <a:prstGeom prst="rect">
+          <a:avLst/>
+        </a:prstGeom>
+        <a:noFill/>
+        <a:ln>
+          <a:noFill/>
+        </a:ln>
+        <a:effectLst/>
+      </dsp:spPr>
+      <dsp:style>
+        <a:lnRef idx="0">
+          <a:scrgbClr r="0" g="0" b="0"/>
+        </a:lnRef>
+        <a:fillRef idx="0">
+          <a:scrgbClr r="0" g="0" b="0"/>
+        </a:fillRef>
+        <a:effectRef idx="0">
+          <a:scrgbClr r="0" g="0" b="0"/>
+        </a:effectRef>
+        <a:fontRef idx="minor"/>
+      </dsp:style>
+      <dsp:txBody>
+        <a:bodyPr spcFirstLastPara="0" vert="horz" wrap="square" lIns="83820" tIns="83820" rIns="83820" bIns="83820" numCol="1" spcCol="1270" anchor="t" anchorCtr="0">
+          <a:noAutofit/>
+        </a:bodyPr>
+        <a:lstStyle/>
+        <a:p>
+          <a:pPr marL="0" lvl="0" indent="0" algn="l" defTabSz="977900">
+            <a:lnSpc>
+              <a:spcPct val="90000"/>
+            </a:lnSpc>
+            <a:spcBef>
+              <a:spcPct val="0"/>
+            </a:spcBef>
+            <a:spcAft>
+              <a:spcPct val="35000"/>
+            </a:spcAft>
+            <a:buNone/>
+          </a:pPr>
+          <a:r>
+            <a:rPr lang="en-IN" sz="2200" kern="1200">
+              <a:hlinkClick xmlns:r="http://schemas.openxmlformats.org/officeDocument/2006/relationships" r:id="rId4"/>
+            </a:rPr>
+            <a:t>https://laurentkempe.com/2025/03/22/model-context-protocol-made-easy-building-an-mcp-server-in-csharp/</a:t>
+          </a:r>
+          <a:r>
+            <a:rPr lang="en-IN" sz="2200" kern="1200"/>
+            <a:t> </a:t>
+          </a:r>
+          <a:endParaRPr lang="en-US" sz="2200" kern="1200"/>
+        </a:p>
+      </dsp:txBody>
+      <dsp:txXfrm>
+        <a:off x="0" y="4409106"/>
+        <a:ext cx="6301601" cy="1469702"/>
+      </dsp:txXfrm>
+    </dsp:sp>
+  </dsp:spTree>
+</dsp:drawing>
+</file>
+
 <file path=ppt/diagrams/layout1.xml><?xml version="1.0" encoding="utf-8"?>
 <dgm:layoutDef xmlns:dgm="http://schemas.openxmlformats.org/drawingml/2006/diagram" xmlns:a="http://schemas.openxmlformats.org/drawingml/2006/main" uniqueId="urn:microsoft.com/office/officeart/2018/2/layout/IconVerticalSolidList">
   <dgm:title val="Icon Vertical Solid List"/>
@@ -14670,6 +16368,472 @@
 </dgm:layoutDef>
 </file>
 
+<file path=ppt/diagrams/layout8.xml><?xml version="1.0" encoding="utf-8"?>
+<dgm:layoutDef xmlns:dgm="http://schemas.openxmlformats.org/drawingml/2006/diagram" xmlns:a="http://schemas.openxmlformats.org/drawingml/2006/main" uniqueId="urn:microsoft.com/office/officeart/2008/layout/LinedList">
+  <dgm:title val=""/>
+  <dgm:desc val=""/>
+  <dgm:catLst>
+    <dgm:cat type="hierarchy" pri="8000"/>
+    <dgm:cat type="list" pri="2500"/>
+  </dgm:catLst>
+  <dgm:sampData>
+    <dgm:dataModel>
+      <dgm:ptLst>
+        <dgm:pt modelId="0" type="doc"/>
+        <dgm:pt modelId="1">
+          <dgm:prSet phldr="1"/>
+        </dgm:pt>
+        <dgm:pt modelId="11">
+          <dgm:prSet phldr="1"/>
+        </dgm:pt>
+        <dgm:pt modelId="12">
+          <dgm:prSet phldr="1"/>
+        </dgm:pt>
+        <dgm:pt modelId="13">
+          <dgm:prSet phldr="1"/>
+        </dgm:pt>
+      </dgm:ptLst>
+      <dgm:cxnLst>
+        <dgm:cxn modelId="2" srcId="0" destId="1" srcOrd="0" destOrd="0"/>
+        <dgm:cxn modelId="3" srcId="1" destId="11" srcOrd="0" destOrd="0"/>
+        <dgm:cxn modelId="4" srcId="1" destId="12" srcOrd="1" destOrd="0"/>
+        <dgm:cxn modelId="5" srcId="1" destId="13" srcOrd="2" destOrd="0"/>
+      </dgm:cxnLst>
+      <dgm:bg/>
+      <dgm:whole/>
+    </dgm:dataModel>
+  </dgm:sampData>
+  <dgm:styleData>
+    <dgm:dataModel>
+      <dgm:ptLst>
+        <dgm:pt modelId="0" type="doc"/>
+        <dgm:pt modelId="1">
+          <dgm:prSet phldr="1"/>
+        </dgm:pt>
+        <dgm:pt modelId="11">
+          <dgm:prSet phldr="1"/>
+        </dgm:pt>
+        <dgm:pt modelId="12">
+          <dgm:prSet phldr="1"/>
+        </dgm:pt>
+      </dgm:ptLst>
+      <dgm:cxnLst>
+        <dgm:cxn modelId="2" srcId="0" destId="1" srcOrd="0" destOrd="0"/>
+        <dgm:cxn modelId="3" srcId="1" destId="11" srcOrd="0" destOrd="0"/>
+        <dgm:cxn modelId="4" srcId="1" destId="12" srcOrd="1" destOrd="0"/>
+      </dgm:cxnLst>
+      <dgm:bg/>
+      <dgm:whole/>
+    </dgm:dataModel>
+  </dgm:styleData>
+  <dgm:clrData>
+    <dgm:dataModel>
+      <dgm:ptLst>
+        <dgm:pt modelId="0" type="doc"/>
+        <dgm:pt modelId="1">
+          <dgm:prSet phldr="1"/>
+        </dgm:pt>
+        <dgm:pt modelId="11">
+          <dgm:prSet phldr="1"/>
+        </dgm:pt>
+        <dgm:pt modelId="12">
+          <dgm:prSet phldr="1"/>
+        </dgm:pt>
+      </dgm:ptLst>
+      <dgm:cxnLst>
+        <dgm:cxn modelId="2" srcId="0" destId="1" srcOrd="0" destOrd="0"/>
+        <dgm:cxn modelId="3" srcId="1" destId="11" srcOrd="0" destOrd="0"/>
+        <dgm:cxn modelId="4" srcId="1" destId="12" srcOrd="1" destOrd="0"/>
+      </dgm:cxnLst>
+      <dgm:bg/>
+      <dgm:whole/>
+    </dgm:dataModel>
+  </dgm:clrData>
+  <dgm:layoutNode name="vert0">
+    <dgm:varLst>
+      <dgm:dir/>
+      <dgm:animOne val="branch"/>
+      <dgm:animLvl val="lvl"/>
+    </dgm:varLst>
+    <dgm:choose name="Name0">
+      <dgm:if name="Name1" func="var" arg="dir" op="equ" val="norm">
+        <dgm:alg type="lin">
+          <dgm:param type="linDir" val="fromT"/>
+          <dgm:param type="nodeHorzAlign" val="l"/>
+        </dgm:alg>
+      </dgm:if>
+      <dgm:else name="Name2">
+        <dgm:alg type="lin">
+          <dgm:param type="linDir" val="fromT"/>
+          <dgm:param type="nodeHorzAlign" val="r"/>
+        </dgm:alg>
+      </dgm:else>
+    </dgm:choose>
+    <dgm:shape xmlns:r="http://schemas.openxmlformats.org/officeDocument/2006/relationships" r:blip="">
+      <dgm:adjLst/>
+    </dgm:shape>
+    <dgm:presOf/>
+    <dgm:constrLst>
+      <dgm:constr type="w" for="ch" forName="horz1" refType="w"/>
+      <dgm:constr type="h" for="ch" forName="horz1" refType="h"/>
+      <dgm:constr type="h" for="des" forName="vert1" refType="h"/>
+      <dgm:constr type="h" for="des" forName="tx1" refType="h"/>
+      <dgm:constr type="h" for="des" forName="horz2" refType="h"/>
+      <dgm:constr type="h" for="des" forName="vert2" refType="h"/>
+      <dgm:constr type="h" for="des" forName="horz3" refType="h"/>
+      <dgm:constr type="h" for="des" forName="vert3" refType="h"/>
+      <dgm:constr type="h" for="des" forName="horz4" refType="h"/>
+      <dgm:constr type="h" for="des" ptType="node" refType="h"/>
+      <dgm:constr type="primFontSz" for="des" forName="tx1" op="equ" val="65"/>
+      <dgm:constr type="primFontSz" for="des" forName="tx2" op="equ" val="65"/>
+      <dgm:constr type="primFontSz" for="des" forName="tx3" op="equ" val="65"/>
+      <dgm:constr type="primFontSz" for="des" forName="tx4" op="equ" val="65"/>
+      <dgm:constr type="w" for="des" forName="thickLine" refType="w"/>
+      <dgm:constr type="h" for="des" forName="thickLine"/>
+      <dgm:constr type="h" for="des" forName="thinLine1"/>
+      <dgm:constr type="h" for="des" forName="thinLine2b"/>
+      <dgm:constr type="h" for="des" forName="thinLine3"/>
+      <dgm:constr type="h" for="des" forName="vertSpace2a" refType="h" fact="0.05"/>
+      <dgm:constr type="h" for="des" forName="vertSpace2b" refType="h" refFor="des" refForName="vertSpace2a"/>
+    </dgm:constrLst>
+    <dgm:forEach name="Name3" axis="ch" ptType="node">
+      <dgm:layoutNode name="thickLine" styleLbl="alignNode1">
+        <dgm:alg type="sp"/>
+        <dgm:shape xmlns:r="http://schemas.openxmlformats.org/officeDocument/2006/relationships" type="line" r:blip="">
+          <dgm:adjLst/>
+        </dgm:shape>
+        <dgm:presOf/>
+      </dgm:layoutNode>
+      <dgm:layoutNode name="horz1">
+        <dgm:choose name="Name4">
+          <dgm:if name="Name5" func="var" arg="dir" op="equ" val="norm">
+            <dgm:alg type="lin">
+              <dgm:param type="linDir" val="fromL"/>
+              <dgm:param type="nodeVertAlign" val="t"/>
+            </dgm:alg>
+          </dgm:if>
+          <dgm:else name="Name6">
+            <dgm:alg type="lin">
+              <dgm:param type="linDir" val="fromR"/>
+              <dgm:param type="nodeVertAlign" val="t"/>
+            </dgm:alg>
+          </dgm:else>
+        </dgm:choose>
+        <dgm:shape xmlns:r="http://schemas.openxmlformats.org/officeDocument/2006/relationships" r:blip="">
+          <dgm:adjLst/>
+        </dgm:shape>
+        <dgm:presOf/>
+        <dgm:choose name="Name7">
+          <dgm:if name="Name8" axis="root des" func="maxDepth" op="equ" val="1">
+            <dgm:constrLst>
+              <dgm:constr type="w" for="ch" forName="tx1" refType="w"/>
+            </dgm:constrLst>
+          </dgm:if>
+          <dgm:if name="Name9" axis="root des" func="maxDepth" op="equ" val="2">
+            <dgm:constrLst>
+              <dgm:constr type="w" for="ch" forName="tx1" refType="w" fact="0.2"/>
+              <dgm:constr type="w" for="des" forName="tx2" refType="w" fact="0.785"/>
+              <dgm:constr type="w" for="des" forName="horzSpace2" refType="w" fact="0.015"/>
+              <dgm:constr type="w" for="des" forName="thinLine2b" refType="w" fact="0.8"/>
+            </dgm:constrLst>
+          </dgm:if>
+          <dgm:if name="Name10" axis="root des" func="maxDepth" op="equ" val="3">
+            <dgm:constrLst>
+              <dgm:constr type="w" for="ch" forName="tx1" refType="w" fact="0.2"/>
+              <dgm:constr type="w" for="des" forName="tx2" refType="w" fact="0.385"/>
+              <dgm:constr type="w" for="des" forName="tx3" refType="w" fact="0.385"/>
+              <dgm:constr type="w" for="des" forName="horzSpace2" refType="w" fact="0.015"/>
+              <dgm:constr type="w" for="des" forName="horzSpace3" refType="w" fact="0.015"/>
+              <dgm:constr type="w" for="des" forName="thinLine2b" refType="w" fact="0.8"/>
+              <dgm:constr type="w" for="des" forName="thinLine3" refType="w" fact="0.385"/>
+            </dgm:constrLst>
+          </dgm:if>
+          <dgm:if name="Name11" axis="root des" func="maxDepth" op="gte" val="4">
+            <dgm:constrLst>
+              <dgm:constr type="w" for="ch" forName="tx1" refType="w" fact="0.2"/>
+              <dgm:constr type="w" for="des" forName="tx2" refType="w" fact="0.2516"/>
+              <dgm:constr type="w" for="des" forName="tx3" refType="w" fact="0.2516"/>
+              <dgm:constr type="w" for="des" forName="tx4" refType="w" fact="0.2516"/>
+              <dgm:constr type="w" for="des" forName="horzSpace2" refType="w" fact="0.015"/>
+              <dgm:constr type="w" for="des" forName="horzSpace3" refType="w" fact="0.015"/>
+              <dgm:constr type="w" for="des" forName="horzSpace4" refType="w" fact="0.015"/>
+              <dgm:constr type="w" for="des" forName="thinLine2b" refType="w" fact="0.8"/>
+              <dgm:constr type="w" for="des" forName="thinLine3" refType="w" fact="0.5332"/>
+            </dgm:constrLst>
+          </dgm:if>
+          <dgm:else name="Name12"/>
+        </dgm:choose>
+        <dgm:layoutNode name="tx1" styleLbl="revTx">
+          <dgm:alg type="tx">
+            <dgm:param type="parTxLTRAlign" val="l"/>
+            <dgm:param type="parTxRTLAlign" val="r"/>
+            <dgm:param type="txAnchorVert" val="t"/>
+          </dgm:alg>
+          <dgm:shape xmlns:r="http://schemas.openxmlformats.org/officeDocument/2006/relationships" type="rect" r:blip="">
+            <dgm:adjLst/>
+          </dgm:shape>
+          <dgm:presOf axis="self"/>
+          <dgm:constrLst>
+            <dgm:constr type="tMarg" refType="primFontSz" fact="0.3"/>
+            <dgm:constr type="bMarg" refType="primFontSz" fact="0.3"/>
+            <dgm:constr type="lMarg" refType="primFontSz" fact="0.3"/>
+            <dgm:constr type="rMarg" refType="primFontSz" fact="0.3"/>
+          </dgm:constrLst>
+          <dgm:ruleLst>
+            <dgm:rule type="primFontSz" val="5" fact="NaN" max="NaN"/>
+          </dgm:ruleLst>
+        </dgm:layoutNode>
+        <dgm:layoutNode name="vert1">
+          <dgm:choose name="Name13">
+            <dgm:if name="Name14" func="var" arg="dir" op="equ" val="norm">
+              <dgm:alg type="lin">
+                <dgm:param type="linDir" val="fromT"/>
+                <dgm:param type="nodeHorzAlign" val="l"/>
+              </dgm:alg>
+            </dgm:if>
+            <dgm:else name="Name15">
+              <dgm:alg type="lin">
+                <dgm:param type="linDir" val="fromT"/>
+                <dgm:param type="nodeHorzAlign" val="r"/>
+              </dgm:alg>
+            </dgm:else>
+          </dgm:choose>
+          <dgm:shape xmlns:r="http://schemas.openxmlformats.org/officeDocument/2006/relationships" r:blip="">
+            <dgm:adjLst/>
+          </dgm:shape>
+          <dgm:presOf/>
+          <dgm:forEach name="Name16" axis="ch" ptType="node">
+            <dgm:choose name="Name17">
+              <dgm:if name="Name18" axis="self" ptType="node" func="pos" op="equ" val="1">
+                <dgm:layoutNode name="vertSpace2a">
+                  <dgm:alg type="sp"/>
+                  <dgm:shape xmlns:r="http://schemas.openxmlformats.org/officeDocument/2006/relationships" r:blip="">
+                    <dgm:adjLst/>
+                  </dgm:shape>
+                  <dgm:presOf/>
+                </dgm:layoutNode>
+              </dgm:if>
+              <dgm:else name="Name19"/>
+            </dgm:choose>
+            <dgm:layoutNode name="horz2">
+              <dgm:choose name="Name20">
+                <dgm:if name="Name21" func="var" arg="dir" op="equ" val="norm">
+                  <dgm:alg type="lin">
+                    <dgm:param type="linDir" val="fromL"/>
+                    <dgm:param type="nodeVertAlign" val="t"/>
+                  </dgm:alg>
+                </dgm:if>
+                <dgm:else name="Name22">
+                  <dgm:alg type="lin">
+                    <dgm:param type="linDir" val="fromR"/>
+                    <dgm:param type="nodeVertAlign" val="t"/>
+                  </dgm:alg>
+                </dgm:else>
+              </dgm:choose>
+              <dgm:shape xmlns:r="http://schemas.openxmlformats.org/officeDocument/2006/relationships" r:blip="">
+                <dgm:adjLst/>
+              </dgm:shape>
+              <dgm:presOf/>
+              <dgm:layoutNode name="horzSpace2">
+                <dgm:alg type="sp"/>
+                <dgm:shape xmlns:r="http://schemas.openxmlformats.org/officeDocument/2006/relationships" r:blip="">
+                  <dgm:adjLst/>
+                </dgm:shape>
+                <dgm:presOf/>
+              </dgm:layoutNode>
+              <dgm:layoutNode name="tx2" styleLbl="revTx">
+                <dgm:alg type="tx">
+                  <dgm:param type="parTxLTRAlign" val="l"/>
+                  <dgm:param type="parTxRTLAlign" val="r"/>
+                  <dgm:param type="txAnchorVert" val="t"/>
+                </dgm:alg>
+                <dgm:shape xmlns:r="http://schemas.openxmlformats.org/officeDocument/2006/relationships" type="rect" r:blip="">
+                  <dgm:adjLst/>
+                </dgm:shape>
+                <dgm:presOf axis="self"/>
+                <dgm:constrLst>
+                  <dgm:constr type="tMarg" refType="primFontSz" fact="0.3"/>
+                  <dgm:constr type="bMarg" refType="primFontSz" fact="0.3"/>
+                  <dgm:constr type="lMarg" refType="primFontSz" fact="0.3"/>
+                  <dgm:constr type="rMarg" refType="primFontSz" fact="0.3"/>
+                </dgm:constrLst>
+                <dgm:ruleLst>
+                  <dgm:rule type="primFontSz" val="5" fact="NaN" max="NaN"/>
+                </dgm:ruleLst>
+              </dgm:layoutNode>
+              <dgm:layoutNode name="vert2">
+                <dgm:choose name="Name23">
+                  <dgm:if name="Name24" func="var" arg="dir" op="equ" val="norm">
+                    <dgm:alg type="lin">
+                      <dgm:param type="linDir" val="fromT"/>
+                      <dgm:param type="nodeHorzAlign" val="l"/>
+                    </dgm:alg>
+                  </dgm:if>
+                  <dgm:else name="Name25">
+                    <dgm:alg type="lin">
+                      <dgm:param type="linDir" val="fromT"/>
+                      <dgm:param type="nodeHorzAlign" val="r"/>
+                    </dgm:alg>
+                  </dgm:else>
+                </dgm:choose>
+                <dgm:shape xmlns:r="http://schemas.openxmlformats.org/officeDocument/2006/relationships" r:blip="">
+                  <dgm:adjLst/>
+                </dgm:shape>
+                <dgm:presOf/>
+                <dgm:forEach name="Name26" axis="ch" ptType="node">
+                  <dgm:layoutNode name="horz3">
+                    <dgm:choose name="Name27">
+                      <dgm:if name="Name28" func="var" arg="dir" op="equ" val="norm">
+                        <dgm:alg type="lin">
+                          <dgm:param type="linDir" val="fromL"/>
+                          <dgm:param type="nodeVertAlign" val="t"/>
+                        </dgm:alg>
+                      </dgm:if>
+                      <dgm:else name="Name29">
+                        <dgm:alg type="lin">
+                          <dgm:param type="linDir" val="fromR"/>
+                          <dgm:param type="nodeVertAlign" val="t"/>
+                        </dgm:alg>
+                      </dgm:else>
+                    </dgm:choose>
+                    <dgm:shape xmlns:r="http://schemas.openxmlformats.org/officeDocument/2006/relationships" r:blip="">
+                      <dgm:adjLst/>
+                    </dgm:shape>
+                    <dgm:presOf/>
+                    <dgm:layoutNode name="horzSpace3">
+                      <dgm:alg type="sp"/>
+                      <dgm:shape xmlns:r="http://schemas.openxmlformats.org/officeDocument/2006/relationships" r:blip="">
+                        <dgm:adjLst/>
+                      </dgm:shape>
+                      <dgm:presOf/>
+                    </dgm:layoutNode>
+                    <dgm:layoutNode name="tx3" styleLbl="revTx">
+                      <dgm:alg type="tx">
+                        <dgm:param type="parTxLTRAlign" val="l"/>
+                        <dgm:param type="parTxRTLAlign" val="r"/>
+                        <dgm:param type="txAnchorVert" val="t"/>
+                      </dgm:alg>
+                      <dgm:shape xmlns:r="http://schemas.openxmlformats.org/officeDocument/2006/relationships" type="rect" r:blip="">
+                        <dgm:adjLst/>
+                      </dgm:shape>
+                      <dgm:presOf axis="self"/>
+                      <dgm:constrLst>
+                        <dgm:constr type="tMarg" refType="primFontSz" fact="0.3"/>
+                        <dgm:constr type="bMarg" refType="primFontSz" fact="0.3"/>
+                        <dgm:constr type="lMarg" refType="primFontSz" fact="0.3"/>
+                        <dgm:constr type="rMarg" refType="primFontSz" fact="0.3"/>
+                      </dgm:constrLst>
+                      <dgm:ruleLst>
+                        <dgm:rule type="primFontSz" val="5" fact="NaN" max="NaN"/>
+                      </dgm:ruleLst>
+                    </dgm:layoutNode>
+                    <dgm:layoutNode name="vert3">
+                      <dgm:choose name="Name30">
+                        <dgm:if name="Name31" func="var" arg="dir" op="equ" val="norm">
+                          <dgm:alg type="lin">
+                            <dgm:param type="linDir" val="fromT"/>
+                            <dgm:param type="nodeHorzAlign" val="l"/>
+                          </dgm:alg>
+                        </dgm:if>
+                        <dgm:else name="Name32">
+                          <dgm:alg type="lin">
+                            <dgm:param type="linDir" val="fromT"/>
+                            <dgm:param type="nodeHorzAlign" val="r"/>
+                          </dgm:alg>
+                        </dgm:else>
+                      </dgm:choose>
+                      <dgm:shape xmlns:r="http://schemas.openxmlformats.org/officeDocument/2006/relationships" r:blip="">
+                        <dgm:adjLst/>
+                      </dgm:shape>
+                      <dgm:presOf/>
+                      <dgm:forEach name="Name33" axis="ch" ptType="node">
+                        <dgm:layoutNode name="horz4">
+                          <dgm:choose name="Name34">
+                            <dgm:if name="Name35" func="var" arg="dir" op="equ" val="norm">
+                              <dgm:alg type="lin">
+                                <dgm:param type="linDir" val="fromL"/>
+                                <dgm:param type="nodeVertAlign" val="t"/>
+                              </dgm:alg>
+                            </dgm:if>
+                            <dgm:else name="Name36">
+                              <dgm:alg type="lin">
+                                <dgm:param type="linDir" val="fromR"/>
+                                <dgm:param type="nodeVertAlign" val="t"/>
+                              </dgm:alg>
+                            </dgm:else>
+                          </dgm:choose>
+                          <dgm:shape xmlns:r="http://schemas.openxmlformats.org/officeDocument/2006/relationships" r:blip="">
+                            <dgm:adjLst/>
+                          </dgm:shape>
+                          <dgm:presOf/>
+                          <dgm:layoutNode name="horzSpace4">
+                            <dgm:alg type="sp"/>
+                            <dgm:shape xmlns:r="http://schemas.openxmlformats.org/officeDocument/2006/relationships" r:blip="">
+                              <dgm:adjLst/>
+                            </dgm:shape>
+                            <dgm:presOf/>
+                          </dgm:layoutNode>
+                          <dgm:layoutNode name="tx4" styleLbl="revTx">
+                            <dgm:varLst>
+                              <dgm:bulletEnabled val="1"/>
+                            </dgm:varLst>
+                            <dgm:alg type="tx">
+                              <dgm:param type="parTxLTRAlign" val="l"/>
+                              <dgm:param type="parTxRTLAlign" val="r"/>
+                              <dgm:param type="txAnchorVert" val="t"/>
+                            </dgm:alg>
+                            <dgm:shape xmlns:r="http://schemas.openxmlformats.org/officeDocument/2006/relationships" type="rect" r:blip="">
+                              <dgm:adjLst/>
+                            </dgm:shape>
+                            <dgm:presOf axis="desOrSelf" ptType="node"/>
+                            <dgm:constrLst>
+                              <dgm:constr type="tMarg" refType="primFontSz" fact="0.3"/>
+                              <dgm:constr type="bMarg" refType="primFontSz" fact="0.3"/>
+                              <dgm:constr type="lMarg" refType="primFontSz" fact="0.3"/>
+                              <dgm:constr type="rMarg" refType="primFontSz" fact="0.3"/>
+                            </dgm:constrLst>
+                            <dgm:ruleLst>
+                              <dgm:rule type="primFontSz" val="5" fact="NaN" max="NaN"/>
+                            </dgm:ruleLst>
+                          </dgm:layoutNode>
+                        </dgm:layoutNode>
+                      </dgm:forEach>
+                    </dgm:layoutNode>
+                  </dgm:layoutNode>
+                  <dgm:forEach name="Name37" axis="followSib" ptType="sibTrans" cnt="1">
+                    <dgm:layoutNode name="thinLine3" styleLbl="callout">
+                      <dgm:alg type="sp"/>
+                      <dgm:shape xmlns:r="http://schemas.openxmlformats.org/officeDocument/2006/relationships" type="line" r:blip="">
+                        <dgm:adjLst/>
+                      </dgm:shape>
+                      <dgm:presOf/>
+                    </dgm:layoutNode>
+                  </dgm:forEach>
+                </dgm:forEach>
+              </dgm:layoutNode>
+            </dgm:layoutNode>
+            <dgm:layoutNode name="thinLine2b" styleLbl="callout">
+              <dgm:alg type="sp"/>
+              <dgm:shape xmlns:r="http://schemas.openxmlformats.org/officeDocument/2006/relationships" type="line" r:blip="">
+                <dgm:adjLst/>
+              </dgm:shape>
+              <dgm:presOf/>
+            </dgm:layoutNode>
+            <dgm:layoutNode name="vertSpace2b">
+              <dgm:alg type="sp"/>
+              <dgm:shape xmlns:r="http://schemas.openxmlformats.org/officeDocument/2006/relationships" r:blip="">
+                <dgm:adjLst/>
+              </dgm:shape>
+              <dgm:presOf/>
+            </dgm:layoutNode>
+          </dgm:forEach>
+        </dgm:layoutNode>
+      </dgm:layoutNode>
+    </dgm:forEach>
+  </dgm:layoutNode>
+</dgm:layoutDef>
+</file>
+
 <file path=ppt/diagrams/quickStyle1.xml><?xml version="1.0" encoding="utf-8"?>
 <dgm:styleDef xmlns:dgm="http://schemas.openxmlformats.org/drawingml/2006/diagram" xmlns:a="http://schemas.openxmlformats.org/drawingml/2006/main" uniqueId="urn:microsoft.com/office/officeart/2005/8/quickstyle/simple1">
   <dgm:title val=""/>
@@ -20875,6 +23039,1040 @@
 </file>
 
 <file path=ppt/diagrams/quickStyle7.xml><?xml version="1.0" encoding="utf-8"?>
+<dgm:styleDef xmlns:dgm="http://schemas.openxmlformats.org/drawingml/2006/diagram" xmlns:a="http://schemas.openxmlformats.org/drawingml/2006/main" uniqueId="urn:microsoft.com/office/officeart/2005/8/quickstyle/simple1">
+  <dgm:title val=""/>
+  <dgm:desc val=""/>
+  <dgm:catLst>
+    <dgm:cat type="simple" pri="10100"/>
+  </dgm:catLst>
+  <dgm:scene3d>
+    <a:camera prst="orthographicFront"/>
+    <a:lightRig rig="threePt" dir="t"/>
+  </dgm:scene3d>
+  <dgm:styleLbl name="node0">
+    <dgm:scene3d>
+      <a:camera prst="orthographicFront"/>
+      <a:lightRig rig="threePt" dir="t"/>
+    </dgm:scene3d>
+    <dgm:sp3d/>
+    <dgm:txPr/>
+    <dgm:style>
+      <a:lnRef idx="2">
+        <a:scrgbClr r="0" g="0" b="0"/>
+      </a:lnRef>
+      <a:fillRef idx="1">
+        <a:scrgbClr r="0" g="0" b="0"/>
+      </a:fillRef>
+      <a:effectRef idx="0">
+        <a:scrgbClr r="0" g="0" b="0"/>
+      </a:effectRef>
+      <a:fontRef idx="minor">
+        <a:schemeClr val="lt1"/>
+      </a:fontRef>
+    </dgm:style>
+  </dgm:styleLbl>
+  <dgm:styleLbl name="lnNode1">
+    <dgm:scene3d>
+      <a:camera prst="orthographicFront"/>
+      <a:lightRig rig="threePt" dir="t"/>
+    </dgm:scene3d>
+    <dgm:sp3d/>
+    <dgm:txPr/>
+    <dgm:style>
+      <a:lnRef idx="2">
+        <a:scrgbClr r="0" g="0" b="0"/>
+      </a:lnRef>
+      <a:fillRef idx="1">
+        <a:scrgbClr r="0" g="0" b="0"/>
+      </a:fillRef>
+      <a:effectRef idx="0">
+        <a:scrgbClr r="0" g="0" b="0"/>
+      </a:effectRef>
+      <a:fontRef idx="minor">
+        <a:schemeClr val="lt1"/>
+      </a:fontRef>
+    </dgm:style>
+  </dgm:styleLbl>
+  <dgm:styleLbl name="vennNode1">
+    <dgm:scene3d>
+      <a:camera prst="orthographicFront"/>
+      <a:lightRig rig="threePt" dir="t"/>
+    </dgm:scene3d>
+    <dgm:sp3d/>
+    <dgm:txPr/>
+    <dgm:style>
+      <a:lnRef idx="2">
+        <a:scrgbClr r="0" g="0" b="0"/>
+      </a:lnRef>
+      <a:fillRef idx="1">
+        <a:scrgbClr r="0" g="0" b="0"/>
+      </a:fillRef>
+      <a:effectRef idx="0">
+        <a:scrgbClr r="0" g="0" b="0"/>
+      </a:effectRef>
+      <a:fontRef idx="minor">
+        <a:schemeClr val="tx1"/>
+      </a:fontRef>
+    </dgm:style>
+  </dgm:styleLbl>
+  <dgm:styleLbl name="alignNode1">
+    <dgm:scene3d>
+      <a:camera prst="orthographicFront"/>
+      <a:lightRig rig="threePt" dir="t"/>
+    </dgm:scene3d>
+    <dgm:sp3d/>
+    <dgm:txPr/>
+    <dgm:style>
+      <a:lnRef idx="2">
+        <a:scrgbClr r="0" g="0" b="0"/>
+      </a:lnRef>
+      <a:fillRef idx="1">
+        <a:scrgbClr r="0" g="0" b="0"/>
+      </a:fillRef>
+      <a:effectRef idx="0">
+        <a:scrgbClr r="0" g="0" b="0"/>
+      </a:effectRef>
+      <a:fontRef idx="minor">
+        <a:schemeClr val="lt1"/>
+      </a:fontRef>
+    </dgm:style>
+  </dgm:styleLbl>
+  <dgm:styleLbl name="node1">
+    <dgm:scene3d>
+      <a:camera prst="orthographicFront"/>
+      <a:lightRig rig="threePt" dir="t"/>
+    </dgm:scene3d>
+    <dgm:sp3d/>
+    <dgm:txPr/>
+    <dgm:style>
+      <a:lnRef idx="2">
+        <a:scrgbClr r="0" g="0" b="0"/>
+      </a:lnRef>
+      <a:fillRef idx="1">
+        <a:scrgbClr r="0" g="0" b="0"/>
+      </a:fillRef>
+      <a:effectRef idx="0">
+        <a:scrgbClr r="0" g="0" b="0"/>
+      </a:effectRef>
+      <a:fontRef idx="minor">
+        <a:schemeClr val="lt1"/>
+      </a:fontRef>
+    </dgm:style>
+  </dgm:styleLbl>
+  <dgm:styleLbl name="node2">
+    <dgm:scene3d>
+      <a:camera prst="orthographicFront"/>
+      <a:lightRig rig="threePt" dir="t"/>
+    </dgm:scene3d>
+    <dgm:sp3d/>
+    <dgm:txPr/>
+    <dgm:style>
+      <a:lnRef idx="2">
+        <a:scrgbClr r="0" g="0" b="0"/>
+      </a:lnRef>
+      <a:fillRef idx="1">
+        <a:scrgbClr r="0" g="0" b="0"/>
+      </a:fillRef>
+      <a:effectRef idx="0">
+        <a:scrgbClr r="0" g="0" b="0"/>
+      </a:effectRef>
+      <a:fontRef idx="minor">
+        <a:schemeClr val="lt1"/>
+      </a:fontRef>
+    </dgm:style>
+  </dgm:styleLbl>
+  <dgm:styleLbl name="node3">
+    <dgm:scene3d>
+      <a:camera prst="orthographicFront"/>
+      <a:lightRig rig="threePt" dir="t"/>
+    </dgm:scene3d>
+    <dgm:sp3d/>
+    <dgm:txPr/>
+    <dgm:style>
+      <a:lnRef idx="2">
+        <a:scrgbClr r="0" g="0" b="0"/>
+      </a:lnRef>
+      <a:fillRef idx="1">
+        <a:scrgbClr r="0" g="0" b="0"/>
+      </a:fillRef>
+      <a:effectRef idx="0">
+        <a:scrgbClr r="0" g="0" b="0"/>
+      </a:effectRef>
+      <a:fontRef idx="minor">
+        <a:schemeClr val="lt1"/>
+      </a:fontRef>
+    </dgm:style>
+  </dgm:styleLbl>
+  <dgm:styleLbl name="node4">
+    <dgm:scene3d>
+      <a:camera prst="orthographicFront"/>
+      <a:lightRig rig="threePt" dir="t"/>
+    </dgm:scene3d>
+    <dgm:sp3d/>
+    <dgm:txPr/>
+    <dgm:style>
+      <a:lnRef idx="2">
+        <a:scrgbClr r="0" g="0" b="0"/>
+      </a:lnRef>
+      <a:fillRef idx="1">
+        <a:scrgbClr r="0" g="0" b="0"/>
+      </a:fillRef>
+      <a:effectRef idx="0">
+        <a:scrgbClr r="0" g="0" b="0"/>
+      </a:effectRef>
+      <a:fontRef idx="minor">
+        <a:schemeClr val="lt1"/>
+      </a:fontRef>
+    </dgm:style>
+  </dgm:styleLbl>
+  <dgm:styleLbl name="fgImgPlace1">
+    <dgm:scene3d>
+      <a:camera prst="orthographicFront"/>
+      <a:lightRig rig="threePt" dir="t"/>
+    </dgm:scene3d>
+    <dgm:sp3d/>
+    <dgm:txPr/>
+    <dgm:style>
+      <a:lnRef idx="2">
+        <a:scrgbClr r="0" g="0" b="0"/>
+      </a:lnRef>
+      <a:fillRef idx="1">
+        <a:scrgbClr r="0" g="0" b="0"/>
+      </a:fillRef>
+      <a:effectRef idx="0">
+        <a:scrgbClr r="0" g="0" b="0"/>
+      </a:effectRef>
+      <a:fontRef idx="minor"/>
+    </dgm:style>
+  </dgm:styleLbl>
+  <dgm:styleLbl name="alignImgPlace1">
+    <dgm:scene3d>
+      <a:camera prst="orthographicFront"/>
+      <a:lightRig rig="threePt" dir="t"/>
+    </dgm:scene3d>
+    <dgm:sp3d/>
+    <dgm:txPr/>
+    <dgm:style>
+      <a:lnRef idx="2">
+        <a:scrgbClr r="0" g="0" b="0"/>
+      </a:lnRef>
+      <a:fillRef idx="1">
+        <a:scrgbClr r="0" g="0" b="0"/>
+      </a:fillRef>
+      <a:effectRef idx="0">
+        <a:scrgbClr r="0" g="0" b="0"/>
+      </a:effectRef>
+      <a:fontRef idx="minor"/>
+    </dgm:style>
+  </dgm:styleLbl>
+  <dgm:styleLbl name="bgImgPlace1">
+    <dgm:scene3d>
+      <a:camera prst="orthographicFront"/>
+      <a:lightRig rig="threePt" dir="t"/>
+    </dgm:scene3d>
+    <dgm:sp3d/>
+    <dgm:txPr/>
+    <dgm:style>
+      <a:lnRef idx="2">
+        <a:scrgbClr r="0" g="0" b="0"/>
+      </a:lnRef>
+      <a:fillRef idx="1">
+        <a:scrgbClr r="0" g="0" b="0"/>
+      </a:fillRef>
+      <a:effectRef idx="0">
+        <a:scrgbClr r="0" g="0" b="0"/>
+      </a:effectRef>
+      <a:fontRef idx="minor"/>
+    </dgm:style>
+  </dgm:styleLbl>
+  <dgm:styleLbl name="sibTrans2D1">
+    <dgm:scene3d>
+      <a:camera prst="orthographicFront"/>
+      <a:lightRig rig="threePt" dir="t"/>
+    </dgm:scene3d>
+    <dgm:sp3d/>
+    <dgm:txPr/>
+    <dgm:style>
+      <a:lnRef idx="0">
+        <a:scrgbClr r="0" g="0" b="0"/>
+      </a:lnRef>
+      <a:fillRef idx="1">
+        <a:scrgbClr r="0" g="0" b="0"/>
+      </a:fillRef>
+      <a:effectRef idx="0">
+        <a:scrgbClr r="0" g="0" b="0"/>
+      </a:effectRef>
+      <a:fontRef idx="minor">
+        <a:schemeClr val="lt1"/>
+      </a:fontRef>
+    </dgm:style>
+  </dgm:styleLbl>
+  <dgm:styleLbl name="fgSibTrans2D1">
+    <dgm:scene3d>
+      <a:camera prst="orthographicFront"/>
+      <a:lightRig rig="threePt" dir="t"/>
+    </dgm:scene3d>
+    <dgm:sp3d/>
+    <dgm:txPr/>
+    <dgm:style>
+      <a:lnRef idx="0">
+        <a:scrgbClr r="0" g="0" b="0"/>
+      </a:lnRef>
+      <a:fillRef idx="1">
+        <a:scrgbClr r="0" g="0" b="0"/>
+      </a:fillRef>
+      <a:effectRef idx="0">
+        <a:scrgbClr r="0" g="0" b="0"/>
+      </a:effectRef>
+      <a:fontRef idx="minor">
+        <a:schemeClr val="lt1"/>
+      </a:fontRef>
+    </dgm:style>
+  </dgm:styleLbl>
+  <dgm:styleLbl name="bgSibTrans2D1">
+    <dgm:scene3d>
+      <a:camera prst="orthographicFront"/>
+      <a:lightRig rig="threePt" dir="t"/>
+    </dgm:scene3d>
+    <dgm:sp3d/>
+    <dgm:txPr/>
+    <dgm:style>
+      <a:lnRef idx="0">
+        <a:scrgbClr r="0" g="0" b="0"/>
+      </a:lnRef>
+      <a:fillRef idx="1">
+        <a:scrgbClr r="0" g="0" b="0"/>
+      </a:fillRef>
+      <a:effectRef idx="0">
+        <a:scrgbClr r="0" g="0" b="0"/>
+      </a:effectRef>
+      <a:fontRef idx="minor">
+        <a:schemeClr val="lt1"/>
+      </a:fontRef>
+    </dgm:style>
+  </dgm:styleLbl>
+  <dgm:styleLbl name="sibTrans1D1">
+    <dgm:scene3d>
+      <a:camera prst="orthographicFront"/>
+      <a:lightRig rig="threePt" dir="t"/>
+    </dgm:scene3d>
+    <dgm:sp3d/>
+    <dgm:txPr/>
+    <dgm:style>
+      <a:lnRef idx="1">
+        <a:scrgbClr r="0" g="0" b="0"/>
+      </a:lnRef>
+      <a:fillRef idx="0">
+        <a:scrgbClr r="0" g="0" b="0"/>
+      </a:fillRef>
+      <a:effectRef idx="0">
+        <a:scrgbClr r="0" g="0" b="0"/>
+      </a:effectRef>
+      <a:fontRef idx="minor"/>
+    </dgm:style>
+  </dgm:styleLbl>
+  <dgm:styleLbl name="callout">
+    <dgm:scene3d>
+      <a:camera prst="orthographicFront"/>
+      <a:lightRig rig="threePt" dir="t"/>
+    </dgm:scene3d>
+    <dgm:sp3d/>
+    <dgm:txPr/>
+    <dgm:style>
+      <a:lnRef idx="2">
+        <a:scrgbClr r="0" g="0" b="0"/>
+      </a:lnRef>
+      <a:fillRef idx="1">
+        <a:scrgbClr r="0" g="0" b="0"/>
+      </a:fillRef>
+      <a:effectRef idx="0">
+        <a:scrgbClr r="0" g="0" b="0"/>
+      </a:effectRef>
+      <a:fontRef idx="minor"/>
+    </dgm:style>
+  </dgm:styleLbl>
+  <dgm:styleLbl name="asst0">
+    <dgm:scene3d>
+      <a:camera prst="orthographicFront"/>
+      <a:lightRig rig="threePt" dir="t"/>
+    </dgm:scene3d>
+    <dgm:sp3d/>
+    <dgm:txPr/>
+    <dgm:style>
+      <a:lnRef idx="2">
+        <a:scrgbClr r="0" g="0" b="0"/>
+      </a:lnRef>
+      <a:fillRef idx="1">
+        <a:scrgbClr r="0" g="0" b="0"/>
+      </a:fillRef>
+      <a:effectRef idx="0">
+        <a:scrgbClr r="0" g="0" b="0"/>
+      </a:effectRef>
+      <a:fontRef idx="minor">
+        <a:schemeClr val="lt1"/>
+      </a:fontRef>
+    </dgm:style>
+  </dgm:styleLbl>
+  <dgm:styleLbl name="asst1">
+    <dgm:scene3d>
+      <a:camera prst="orthographicFront"/>
+      <a:lightRig rig="threePt" dir="t"/>
+    </dgm:scene3d>
+    <dgm:sp3d/>
+    <dgm:txPr/>
+    <dgm:style>
+      <a:lnRef idx="2">
+        <a:scrgbClr r="0" g="0" b="0"/>
+      </a:lnRef>
+      <a:fillRef idx="1">
+        <a:scrgbClr r="0" g="0" b="0"/>
+      </a:fillRef>
+      <a:effectRef idx="0">
+        <a:scrgbClr r="0" g="0" b="0"/>
+      </a:effectRef>
+      <a:fontRef idx="minor">
+        <a:schemeClr val="lt1"/>
+      </a:fontRef>
+    </dgm:style>
+  </dgm:styleLbl>
+  <dgm:styleLbl name="asst2">
+    <dgm:scene3d>
+      <a:camera prst="orthographicFront"/>
+      <a:lightRig rig="threePt" dir="t"/>
+    </dgm:scene3d>
+    <dgm:sp3d/>
+    <dgm:txPr/>
+    <dgm:style>
+      <a:lnRef idx="2">
+        <a:scrgbClr r="0" g="0" b="0"/>
+      </a:lnRef>
+      <a:fillRef idx="1">
+        <a:scrgbClr r="0" g="0" b="0"/>
+      </a:fillRef>
+      <a:effectRef idx="0">
+        <a:scrgbClr r="0" g="0" b="0"/>
+      </a:effectRef>
+      <a:fontRef idx="minor">
+        <a:schemeClr val="lt1"/>
+      </a:fontRef>
+    </dgm:style>
+  </dgm:styleLbl>
+  <dgm:styleLbl name="asst3">
+    <dgm:scene3d>
+      <a:camera prst="orthographicFront"/>
+      <a:lightRig rig="threePt" dir="t"/>
+    </dgm:scene3d>
+    <dgm:sp3d/>
+    <dgm:txPr/>
+    <dgm:style>
+      <a:lnRef idx="2">
+        <a:scrgbClr r="0" g="0" b="0"/>
+      </a:lnRef>
+      <a:fillRef idx="1">
+        <a:scrgbClr r="0" g="0" b="0"/>
+      </a:fillRef>
+      <a:effectRef idx="0">
+        <a:scrgbClr r="0" g="0" b="0"/>
+      </a:effectRef>
+      <a:fontRef idx="minor">
+        <a:schemeClr val="lt1"/>
+      </a:fontRef>
+    </dgm:style>
+  </dgm:styleLbl>
+  <dgm:styleLbl name="asst4">
+    <dgm:scene3d>
+      <a:camera prst="orthographicFront"/>
+      <a:lightRig rig="threePt" dir="t"/>
+    </dgm:scene3d>
+    <dgm:sp3d/>
+    <dgm:txPr/>
+    <dgm:style>
+      <a:lnRef idx="2">
+        <a:scrgbClr r="0" g="0" b="0"/>
+      </a:lnRef>
+      <a:fillRef idx="1">
+        <a:scrgbClr r="0" g="0" b="0"/>
+      </a:fillRef>
+      <a:effectRef idx="0">
+        <a:scrgbClr r="0" g="0" b="0"/>
+      </a:effectRef>
+      <a:fontRef idx="minor">
+        <a:schemeClr val="lt1"/>
+      </a:fontRef>
+    </dgm:style>
+  </dgm:styleLbl>
+  <dgm:styleLbl name="parChTrans2D1">
+    <dgm:scene3d>
+      <a:camera prst="orthographicFront"/>
+      <a:lightRig rig="threePt" dir="t"/>
+    </dgm:scene3d>
+    <dgm:sp3d/>
+    <dgm:txPr/>
+    <dgm:style>
+      <a:lnRef idx="2">
+        <a:scrgbClr r="0" g="0" b="0"/>
+      </a:lnRef>
+      <a:fillRef idx="1">
+        <a:scrgbClr r="0" g="0" b="0"/>
+      </a:fillRef>
+      <a:effectRef idx="0">
+        <a:scrgbClr r="0" g="0" b="0"/>
+      </a:effectRef>
+      <a:fontRef idx="minor">
+        <a:schemeClr val="lt1"/>
+      </a:fontRef>
+    </dgm:style>
+  </dgm:styleLbl>
+  <dgm:styleLbl name="parChTrans2D2">
+    <dgm:scene3d>
+      <a:camera prst="orthographicFront"/>
+      <a:lightRig rig="threePt" dir="t"/>
+    </dgm:scene3d>
+    <dgm:sp3d/>
+    <dgm:txPr/>
+    <dgm:style>
+      <a:lnRef idx="2">
+        <a:scrgbClr r="0" g="0" b="0"/>
+      </a:lnRef>
+      <a:fillRef idx="1">
+        <a:scrgbClr r="0" g="0" b="0"/>
+      </a:fillRef>
+      <a:effectRef idx="0">
+        <a:scrgbClr r="0" g="0" b="0"/>
+      </a:effectRef>
+      <a:fontRef idx="minor">
+        <a:schemeClr val="lt1"/>
+      </a:fontRef>
+    </dgm:style>
+  </dgm:styleLbl>
+  <dgm:styleLbl name="parChTrans2D3">
+    <dgm:scene3d>
+      <a:camera prst="orthographicFront"/>
+      <a:lightRig rig="threePt" dir="t"/>
+    </dgm:scene3d>
+    <dgm:sp3d/>
+    <dgm:txPr/>
+    <dgm:style>
+      <a:lnRef idx="2">
+        <a:scrgbClr r="0" g="0" b="0"/>
+      </a:lnRef>
+      <a:fillRef idx="1">
+        <a:scrgbClr r="0" g="0" b="0"/>
+      </a:fillRef>
+      <a:effectRef idx="0">
+        <a:scrgbClr r="0" g="0" b="0"/>
+      </a:effectRef>
+      <a:fontRef idx="minor">
+        <a:schemeClr val="lt1"/>
+      </a:fontRef>
+    </dgm:style>
+  </dgm:styleLbl>
+  <dgm:styleLbl name="parChTrans2D4">
+    <dgm:scene3d>
+      <a:camera prst="orthographicFront"/>
+      <a:lightRig rig="threePt" dir="t"/>
+    </dgm:scene3d>
+    <dgm:sp3d/>
+    <dgm:txPr/>
+    <dgm:style>
+      <a:lnRef idx="2">
+        <a:scrgbClr r="0" g="0" b="0"/>
+      </a:lnRef>
+      <a:fillRef idx="1">
+        <a:scrgbClr r="0" g="0" b="0"/>
+      </a:fillRef>
+      <a:effectRef idx="0">
+        <a:scrgbClr r="0" g="0" b="0"/>
+      </a:effectRef>
+      <a:fontRef idx="minor">
+        <a:schemeClr val="lt1"/>
+      </a:fontRef>
+    </dgm:style>
+  </dgm:styleLbl>
+  <dgm:styleLbl name="parChTrans1D1">
+    <dgm:scene3d>
+      <a:camera prst="orthographicFront"/>
+      <a:lightRig rig="threePt" dir="t"/>
+    </dgm:scene3d>
+    <dgm:sp3d/>
+    <dgm:txPr/>
+    <dgm:style>
+      <a:lnRef idx="2">
+        <a:scrgbClr r="0" g="0" b="0"/>
+      </a:lnRef>
+      <a:fillRef idx="0">
+        <a:scrgbClr r="0" g="0" b="0"/>
+      </a:fillRef>
+      <a:effectRef idx="0">
+        <a:scrgbClr r="0" g="0" b="0"/>
+      </a:effectRef>
+      <a:fontRef idx="minor"/>
+    </dgm:style>
+  </dgm:styleLbl>
+  <dgm:styleLbl name="parChTrans1D2">
+    <dgm:scene3d>
+      <a:camera prst="orthographicFront"/>
+      <a:lightRig rig="threePt" dir="t"/>
+    </dgm:scene3d>
+    <dgm:sp3d/>
+    <dgm:txPr/>
+    <dgm:style>
+      <a:lnRef idx="2">
+        <a:scrgbClr r="0" g="0" b="0"/>
+      </a:lnRef>
+      <a:fillRef idx="0">
+        <a:scrgbClr r="0" g="0" b="0"/>
+      </a:fillRef>
+      <a:effectRef idx="0">
+        <a:scrgbClr r="0" g="0" b="0"/>
+      </a:effectRef>
+      <a:fontRef idx="minor"/>
+    </dgm:style>
+  </dgm:styleLbl>
+  <dgm:styleLbl name="parChTrans1D3">
+    <dgm:scene3d>
+      <a:camera prst="orthographicFront"/>
+      <a:lightRig rig="threePt" dir="t"/>
+    </dgm:scene3d>
+    <dgm:sp3d/>
+    <dgm:txPr/>
+    <dgm:style>
+      <a:lnRef idx="2">
+        <a:scrgbClr r="0" g="0" b="0"/>
+      </a:lnRef>
+      <a:fillRef idx="0">
+        <a:scrgbClr r="0" g="0" b="0"/>
+      </a:fillRef>
+      <a:effectRef idx="0">
+        <a:scrgbClr r="0" g="0" b="0"/>
+      </a:effectRef>
+      <a:fontRef idx="minor"/>
+    </dgm:style>
+  </dgm:styleLbl>
+  <dgm:styleLbl name="parChTrans1D4">
+    <dgm:scene3d>
+      <a:camera prst="orthographicFront"/>
+      <a:lightRig rig="threePt" dir="t"/>
+    </dgm:scene3d>
+    <dgm:sp3d/>
+    <dgm:txPr/>
+    <dgm:style>
+      <a:lnRef idx="2">
+        <a:scrgbClr r="0" g="0" b="0"/>
+      </a:lnRef>
+      <a:fillRef idx="0">
+        <a:scrgbClr r="0" g="0" b="0"/>
+      </a:fillRef>
+      <a:effectRef idx="0">
+        <a:scrgbClr r="0" g="0" b="0"/>
+      </a:effectRef>
+      <a:fontRef idx="minor"/>
+    </dgm:style>
+  </dgm:styleLbl>
+  <dgm:styleLbl name="fgAcc1">
+    <dgm:scene3d>
+      <a:camera prst="orthographicFront"/>
+      <a:lightRig rig="threePt" dir="t"/>
+    </dgm:scene3d>
+    <dgm:sp3d/>
+    <dgm:txPr/>
+    <dgm:style>
+      <a:lnRef idx="2">
+        <a:scrgbClr r="0" g="0" b="0"/>
+      </a:lnRef>
+      <a:fillRef idx="1">
+        <a:scrgbClr r="0" g="0" b="0"/>
+      </a:fillRef>
+      <a:effectRef idx="0">
+        <a:scrgbClr r="0" g="0" b="0"/>
+      </a:effectRef>
+      <a:fontRef idx="minor"/>
+    </dgm:style>
+  </dgm:styleLbl>
+  <dgm:styleLbl name="conFgAcc1">
+    <dgm:scene3d>
+      <a:camera prst="orthographicFront"/>
+      <a:lightRig rig="threePt" dir="t"/>
+    </dgm:scene3d>
+    <dgm:sp3d/>
+    <dgm:txPr/>
+    <dgm:style>
+      <a:lnRef idx="2">
+        <a:scrgbClr r="0" g="0" b="0"/>
+      </a:lnRef>
+      <a:fillRef idx="1">
+        <a:scrgbClr r="0" g="0" b="0"/>
+      </a:fillRef>
+      <a:effectRef idx="0">
+        <a:scrgbClr r="0" g="0" b="0"/>
+      </a:effectRef>
+      <a:fontRef idx="minor"/>
+    </dgm:style>
+  </dgm:styleLbl>
+  <dgm:styleLbl name="alignAcc1">
+    <dgm:scene3d>
+      <a:camera prst="orthographicFront"/>
+      <a:lightRig rig="threePt" dir="t"/>
+    </dgm:scene3d>
+    <dgm:sp3d/>
+    <dgm:txPr/>
+    <dgm:style>
+      <a:lnRef idx="2">
+        <a:scrgbClr r="0" g="0" b="0"/>
+      </a:lnRef>
+      <a:fillRef idx="1">
+        <a:scrgbClr r="0" g="0" b="0"/>
+      </a:fillRef>
+      <a:effectRef idx="0">
+        <a:scrgbClr r="0" g="0" b="0"/>
+      </a:effectRef>
+      <a:fontRef idx="minor"/>
+    </dgm:style>
+  </dgm:styleLbl>
+  <dgm:styleLbl name="trAlignAcc1">
+    <dgm:scene3d>
+      <a:camera prst="orthographicFront"/>
+      <a:lightRig rig="threePt" dir="t"/>
+    </dgm:scene3d>
+    <dgm:sp3d/>
+    <dgm:txPr/>
+    <dgm:style>
+      <a:lnRef idx="1">
+        <a:scrgbClr r="0" g="0" b="0"/>
+      </a:lnRef>
+      <a:fillRef idx="1">
+        <a:scrgbClr r="0" g="0" b="0"/>
+      </a:fillRef>
+      <a:effectRef idx="0">
+        <a:scrgbClr r="0" g="0" b="0"/>
+      </a:effectRef>
+      <a:fontRef idx="minor"/>
+    </dgm:style>
+  </dgm:styleLbl>
+  <dgm:styleLbl name="bgAcc1">
+    <dgm:scene3d>
+      <a:camera prst="orthographicFront"/>
+      <a:lightRig rig="threePt" dir="t"/>
+    </dgm:scene3d>
+    <dgm:sp3d/>
+    <dgm:txPr/>
+    <dgm:style>
+      <a:lnRef idx="2">
+        <a:scrgbClr r="0" g="0" b="0"/>
+      </a:lnRef>
+      <a:fillRef idx="1">
+        <a:scrgbClr r="0" g="0" b="0"/>
+      </a:fillRef>
+      <a:effectRef idx="0">
+        <a:scrgbClr r="0" g="0" b="0"/>
+      </a:effectRef>
+      <a:fontRef idx="minor"/>
+    </dgm:style>
+  </dgm:styleLbl>
+  <dgm:styleLbl name="solidFgAcc1">
+    <dgm:scene3d>
+      <a:camera prst="orthographicFront"/>
+      <a:lightRig rig="threePt" dir="t"/>
+    </dgm:scene3d>
+    <dgm:sp3d/>
+    <dgm:txPr/>
+    <dgm:style>
+      <a:lnRef idx="2">
+        <a:scrgbClr r="0" g="0" b="0"/>
+      </a:lnRef>
+      <a:fillRef idx="1">
+        <a:scrgbClr r="0" g="0" b="0"/>
+      </a:fillRef>
+      <a:effectRef idx="0">
+        <a:scrgbClr r="0" g="0" b="0"/>
+      </a:effectRef>
+      <a:fontRef idx="minor"/>
+    </dgm:style>
+  </dgm:styleLbl>
+  <dgm:styleLbl name="solidAlignAcc1">
+    <dgm:scene3d>
+      <a:camera prst="orthographicFront"/>
+      <a:lightRig rig="threePt" dir="t"/>
+    </dgm:scene3d>
+    <dgm:sp3d/>
+    <dgm:txPr/>
+    <dgm:style>
+      <a:lnRef idx="2">
+        <a:scrgbClr r="0" g="0" b="0"/>
+      </a:lnRef>
+      <a:fillRef idx="1">
+        <a:scrgbClr r="0" g="0" b="0"/>
+      </a:fillRef>
+      <a:effectRef idx="0">
+        <a:scrgbClr r="0" g="0" b="0"/>
+      </a:effectRef>
+      <a:fontRef idx="minor"/>
+    </dgm:style>
+  </dgm:styleLbl>
+  <dgm:styleLbl name="solidBgAcc1">
+    <dgm:scene3d>
+      <a:camera prst="orthographicFront"/>
+      <a:lightRig rig="threePt" dir="t"/>
+    </dgm:scene3d>
+    <dgm:sp3d/>
+    <dgm:txPr/>
+    <dgm:style>
+      <a:lnRef idx="2">
+        <a:scrgbClr r="0" g="0" b="0"/>
+      </a:lnRef>
+      <a:fillRef idx="1">
+        <a:scrgbClr r="0" g="0" b="0"/>
+      </a:fillRef>
+      <a:effectRef idx="0">
+        <a:scrgbClr r="0" g="0" b="0"/>
+      </a:effectRef>
+      <a:fontRef idx="minor"/>
+    </dgm:style>
+  </dgm:styleLbl>
+  <dgm:styleLbl name="fgAccFollowNode1">
+    <dgm:scene3d>
+      <a:camera prst="orthographicFront"/>
+      <a:lightRig rig="threePt" dir="t"/>
+    </dgm:scene3d>
+    <dgm:sp3d/>
+    <dgm:txPr/>
+    <dgm:style>
+      <a:lnRef idx="2">
+        <a:scrgbClr r="0" g="0" b="0"/>
+      </a:lnRef>
+      <a:fillRef idx="1">
+        <a:scrgbClr r="0" g="0" b="0"/>
+      </a:fillRef>
+      <a:effectRef idx="0">
+        <a:scrgbClr r="0" g="0" b="0"/>
+      </a:effectRef>
+      <a:fontRef idx="minor"/>
+    </dgm:style>
+  </dgm:styleLbl>
+  <dgm:styleLbl name="alignAccFollowNode1">
+    <dgm:scene3d>
+      <a:camera prst="orthographicFront"/>
+      <a:lightRig rig="threePt" dir="t"/>
+    </dgm:scene3d>
+    <dgm:sp3d/>
+    <dgm:txPr/>
+    <dgm:style>
+      <a:lnRef idx="2">
+        <a:scrgbClr r="0" g="0" b="0"/>
+      </a:lnRef>
+      <a:fillRef idx="1">
+        <a:scrgbClr r="0" g="0" b="0"/>
+      </a:fillRef>
+      <a:effectRef idx="0">
+        <a:scrgbClr r="0" g="0" b="0"/>
+      </a:effectRef>
+      <a:fontRef idx="minor"/>
+    </dgm:style>
+  </dgm:styleLbl>
+  <dgm:styleLbl name="bgAccFollowNode1">
+    <dgm:scene3d>
+      <a:camera prst="orthographicFront"/>
+      <a:lightRig rig="threePt" dir="t"/>
+    </dgm:scene3d>
+    <dgm:sp3d/>
+    <dgm:txPr/>
+    <dgm:style>
+      <a:lnRef idx="2">
+        <a:scrgbClr r="0" g="0" b="0"/>
+      </a:lnRef>
+      <a:fillRef idx="1">
+        <a:scrgbClr r="0" g="0" b="0"/>
+      </a:fillRef>
+      <a:effectRef idx="0">
+        <a:scrgbClr r="0" g="0" b="0"/>
+      </a:effectRef>
+      <a:fontRef idx="minor"/>
+    </dgm:style>
+  </dgm:styleLbl>
+  <dgm:styleLbl name="fgAcc0">
+    <dgm:scene3d>
+      <a:camera prst="orthographicFront"/>
+      <a:lightRig rig="threePt" dir="t"/>
+    </dgm:scene3d>
+    <dgm:sp3d/>
+    <dgm:txPr/>
+    <dgm:style>
+      <a:lnRef idx="2">
+        <a:scrgbClr r="0" g="0" b="0"/>
+      </a:lnRef>
+      <a:fillRef idx="1">
+        <a:scrgbClr r="0" g="0" b="0"/>
+      </a:fillRef>
+      <a:effectRef idx="0">
+        <a:scrgbClr r="0" g="0" b="0"/>
+      </a:effectRef>
+      <a:fontRef idx="minor"/>
+    </dgm:style>
+  </dgm:styleLbl>
+  <dgm:styleLbl name="fgAcc2">
+    <dgm:scene3d>
+      <a:camera prst="orthographicFront"/>
+      <a:lightRig rig="threePt" dir="t"/>
+    </dgm:scene3d>
+    <dgm:sp3d/>
+    <dgm:txPr/>
+    <dgm:style>
+      <a:lnRef idx="2">
+        <a:scrgbClr r="0" g="0" b="0"/>
+      </a:lnRef>
+      <a:fillRef idx="1">
+        <a:scrgbClr r="0" g="0" b="0"/>
+      </a:fillRef>
+      <a:effectRef idx="0">
+        <a:scrgbClr r="0" g="0" b="0"/>
+      </a:effectRef>
+      <a:fontRef idx="minor"/>
+    </dgm:style>
+  </dgm:styleLbl>
+  <dgm:styleLbl name="fgAcc3">
+    <dgm:scene3d>
+      <a:camera prst="orthographicFront"/>
+      <a:lightRig rig="threePt" dir="t"/>
+    </dgm:scene3d>
+    <dgm:sp3d/>
+    <dgm:txPr/>
+    <dgm:style>
+      <a:lnRef idx="2">
+        <a:scrgbClr r="0" g="0" b="0"/>
+      </a:lnRef>
+      <a:fillRef idx="1">
+        <a:scrgbClr r="0" g="0" b="0"/>
+      </a:fillRef>
+      <a:effectRef idx="0">
+        <a:scrgbClr r="0" g="0" b="0"/>
+      </a:effectRef>
+      <a:fontRef idx="minor"/>
+    </dgm:style>
+  </dgm:styleLbl>
+  <dgm:styleLbl name="fgAcc4">
+    <dgm:scene3d>
+      <a:camera prst="orthographicFront"/>
+      <a:lightRig rig="threePt" dir="t"/>
+    </dgm:scene3d>
+    <dgm:sp3d/>
+    <dgm:txPr/>
+    <dgm:style>
+      <a:lnRef idx="2">
+        <a:scrgbClr r="0" g="0" b="0"/>
+      </a:lnRef>
+      <a:fillRef idx="1">
+        <a:scrgbClr r="0" g="0" b="0"/>
+      </a:fillRef>
+      <a:effectRef idx="0">
+        <a:scrgbClr r="0" g="0" b="0"/>
+      </a:effectRef>
+      <a:fontRef idx="minor"/>
+    </dgm:style>
+  </dgm:styleLbl>
+  <dgm:styleLbl name="bgShp">
+    <dgm:scene3d>
+      <a:camera prst="orthographicFront"/>
+      <a:lightRig rig="threePt" dir="t"/>
+    </dgm:scene3d>
+    <dgm:sp3d/>
+    <dgm:txPr/>
+    <dgm:style>
+      <a:lnRef idx="0">
+        <a:scrgbClr r="0" g="0" b="0"/>
+      </a:lnRef>
+      <a:fillRef idx="1">
+        <a:scrgbClr r="0" g="0" b="0"/>
+      </a:fillRef>
+      <a:effectRef idx="0">
+        <a:scrgbClr r="0" g="0" b="0"/>
+      </a:effectRef>
+      <a:fontRef idx="minor"/>
+    </dgm:style>
+  </dgm:styleLbl>
+  <dgm:styleLbl name="dkBgShp">
+    <dgm:scene3d>
+      <a:camera prst="orthographicFront"/>
+      <a:lightRig rig="threePt" dir="t"/>
+    </dgm:scene3d>
+    <dgm:sp3d/>
+    <dgm:txPr/>
+    <dgm:style>
+      <a:lnRef idx="0">
+        <a:scrgbClr r="0" g="0" b="0"/>
+      </a:lnRef>
+      <a:fillRef idx="1">
+        <a:scrgbClr r="0" g="0" b="0"/>
+      </a:fillRef>
+      <a:effectRef idx="0">
+        <a:scrgbClr r="0" g="0" b="0"/>
+      </a:effectRef>
+      <a:fontRef idx="minor"/>
+    </dgm:style>
+  </dgm:styleLbl>
+  <dgm:styleLbl name="trBgShp">
+    <dgm:scene3d>
+      <a:camera prst="orthographicFront"/>
+      <a:lightRig rig="threePt" dir="t"/>
+    </dgm:scene3d>
+    <dgm:sp3d/>
+    <dgm:txPr/>
+    <dgm:style>
+      <a:lnRef idx="0">
+        <a:scrgbClr r="0" g="0" b="0"/>
+      </a:lnRef>
+      <a:fillRef idx="1">
+        <a:scrgbClr r="0" g="0" b="0"/>
+      </a:fillRef>
+      <a:effectRef idx="0">
+        <a:scrgbClr r="0" g="0" b="0"/>
+      </a:effectRef>
+      <a:fontRef idx="minor"/>
+    </dgm:style>
+  </dgm:styleLbl>
+  <dgm:styleLbl name="fgShp">
+    <dgm:scene3d>
+      <a:camera prst="orthographicFront"/>
+      <a:lightRig rig="threePt" dir="t"/>
+    </dgm:scene3d>
+    <dgm:sp3d/>
+    <dgm:txPr/>
+    <dgm:style>
+      <a:lnRef idx="2">
+        <a:scrgbClr r="0" g="0" b="0"/>
+      </a:lnRef>
+      <a:fillRef idx="1">
+        <a:scrgbClr r="0" g="0" b="0"/>
+      </a:fillRef>
+      <a:effectRef idx="0">
+        <a:scrgbClr r="0" g="0" b="0"/>
+      </a:effectRef>
+      <a:fontRef idx="minor"/>
+    </dgm:style>
+  </dgm:styleLbl>
+  <dgm:styleLbl name="revTx">
+    <dgm:scene3d>
+      <a:camera prst="orthographicFront"/>
+      <a:lightRig rig="threePt" dir="t"/>
+    </dgm:scene3d>
+    <dgm:sp3d/>
+    <dgm:txPr/>
+    <dgm:style>
+      <a:lnRef idx="0">
+        <a:scrgbClr r="0" g="0" b="0"/>
+      </a:lnRef>
+      <a:fillRef idx="0">
+        <a:scrgbClr r="0" g="0" b="0"/>
+      </a:fillRef>
+      <a:effectRef idx="0">
+        <a:scrgbClr r="0" g="0" b="0"/>
+      </a:effectRef>
+      <a:fontRef idx="minor"/>
+    </dgm:style>
+  </dgm:styleLbl>
+</dgm:styleDef>
+</file>
+
+<file path=ppt/diagrams/quickStyle8.xml><?xml version="1.0" encoding="utf-8"?>
 <dgm:styleDef xmlns:dgm="http://schemas.openxmlformats.org/drawingml/2006/diagram" xmlns:a="http://schemas.openxmlformats.org/drawingml/2006/main" uniqueId="urn:microsoft.com/office/officeart/2005/8/quickstyle/simple1">
   <dgm:title val=""/>
   <dgm:desc val=""/>
@@ -37631,6 +40829,2071 @@
           <p:cNvPr id="2" name="Title 1">
             <a:extLst>
               <a:ext uri="{FF2B5EF4-FFF2-40B4-BE49-F238E27FC236}">
+                <a16:creationId xmlns:a16="http://schemas.microsoft.com/office/drawing/2014/main" id="{47477282-1110-4692-E7C9-14A78A9B26DE}"/>
+              </a:ext>
+            </a:extLst>
+          </p:cNvPr>
+          <p:cNvSpPr>
+            <a:spLocks noGrp="1"/>
+          </p:cNvSpPr>
+          <p:nvPr>
+            <p:ph type="title"/>
+          </p:nvPr>
+        </p:nvSpPr>
+        <p:spPr>
+          <a:xfrm>
+            <a:off x="838200" y="1195697"/>
+            <a:ext cx="3200400" cy="4238118"/>
+          </a:xfrm>
+        </p:spPr>
+        <p:txBody>
+          <a:bodyPr>
+            <a:normAutofit/>
+          </a:bodyPr>
+          <a:lstStyle/>
+          <a:p>
+            <a:r>
+              <a:rPr lang="en-US">
+                <a:solidFill>
+                  <a:schemeClr val="bg1"/>
+                </a:solidFill>
+              </a:rPr>
+              <a:t>References</a:t>
+            </a:r>
+            <a:endParaRPr lang="en-IN">
+              <a:solidFill>
+                <a:schemeClr val="bg1"/>
+              </a:solidFill>
+            </a:endParaRPr>
+          </a:p>
+        </p:txBody>
+      </p:sp>
+      <p:grpSp>
+        <p:nvGrpSpPr>
+          <p:cNvPr id="13" name="Graphic 38">
+            <a:extLst>
+              <a:ext uri="{FF2B5EF4-FFF2-40B4-BE49-F238E27FC236}">
+                <a16:creationId xmlns:a16="http://schemas.microsoft.com/office/drawing/2014/main" id="{7CF625D3-71A3-4F30-A096-8EF334E959D0}"/>
+              </a:ext>
+              <a:ext uri="{C183D7F6-B498-43B3-948B-1728B52AA6E4}">
+                <adec:decorative xmlns:adec="http://schemas.microsoft.com/office/drawing/2017/decorative" val="1"/>
+              </a:ext>
+            </a:extLst>
+          </p:cNvPr>
+          <p:cNvGrpSpPr>
+            <a:grpSpLocks noGrp="1" noUngrp="1" noRot="1" noChangeAspect="1" noMove="1" noResize="1"/>
+          </p:cNvGrpSpPr>
+          <p:nvPr>
+            <p:extLst>
+              <p:ext uri="{386F3935-93C4-4BCD-93E2-E3B085C9AB24}">
+                <p16:designElem xmlns:p16="http://schemas.microsoft.com/office/powerpoint/2015/main" val="1"/>
+              </p:ext>
+            </p:extLst>
+          </p:nvPr>
+        </p:nvGrpSpPr>
+        <p:grpSpPr>
+          <a:xfrm>
+            <a:off x="0" y="202912"/>
+            <a:ext cx="1910252" cy="709660"/>
+            <a:chOff x="2267504" y="2540250"/>
+            <a:chExt cx="1990951" cy="739640"/>
+          </a:xfrm>
+          <a:solidFill>
+            <a:schemeClr val="bg1"/>
+          </a:solidFill>
+        </p:grpSpPr>
+        <p:sp>
+          <p:nvSpPr>
+            <p:cNvPr id="14" name="Freeform: Shape 13">
+              <a:extLst>
+                <a:ext uri="{FF2B5EF4-FFF2-40B4-BE49-F238E27FC236}">
+                  <a16:creationId xmlns:a16="http://schemas.microsoft.com/office/drawing/2014/main" id="{C6754E2F-F56E-4BA3-99DD-8EBF110E3437}"/>
+                </a:ext>
+                <a:ext uri="{C183D7F6-B498-43B3-948B-1728B52AA6E4}">
+                  <adec:decorative xmlns:adec="http://schemas.microsoft.com/office/drawing/2017/decorative" val="1"/>
+                </a:ext>
+              </a:extLst>
+            </p:cNvPr>
+            <p:cNvSpPr/>
+            <p:nvPr>
+              <p:extLst>
+                <p:ext uri="{386F3935-93C4-4BCD-93E2-E3B085C9AB24}">
+                  <p16:designElem xmlns:p16="http://schemas.microsoft.com/office/powerpoint/2015/main" val="1"/>
+                </p:ext>
+              </p:extLst>
+            </p:nvPr>
+          </p:nvSpPr>
+          <p:spPr>
+            <a:xfrm>
+              <a:off x="2267504" y="2540250"/>
+              <a:ext cx="1990951" cy="286230"/>
+            </a:xfrm>
+            <a:custGeom>
+              <a:avLst/>
+              <a:gdLst>
+                <a:gd name="connsiteX0" fmla="*/ 1489414 w 1990951"/>
+                <a:gd name="connsiteY0" fmla="*/ 286231 h 286230"/>
+                <a:gd name="connsiteX1" fmla="*/ 1243712 w 1990951"/>
+                <a:gd name="connsiteY1" fmla="*/ 40528 h 286230"/>
+                <a:gd name="connsiteX2" fmla="*/ 995476 w 1990951"/>
+                <a:gd name="connsiteY2" fmla="*/ 286231 h 286230"/>
+                <a:gd name="connsiteX3" fmla="*/ 749773 w 1990951"/>
+                <a:gd name="connsiteY3" fmla="*/ 40528 h 286230"/>
+                <a:gd name="connsiteX4" fmla="*/ 504071 w 1990951"/>
+                <a:gd name="connsiteY4" fmla="*/ 286231 h 286230"/>
+                <a:gd name="connsiteX5" fmla="*/ 255835 w 1990951"/>
+                <a:gd name="connsiteY5" fmla="*/ 40528 h 286230"/>
+                <a:gd name="connsiteX6" fmla="*/ 20264 w 1990951"/>
+                <a:gd name="connsiteY6" fmla="*/ 276099 h 286230"/>
+                <a:gd name="connsiteX7" fmla="*/ 0 w 1990951"/>
+                <a:gd name="connsiteY7" fmla="*/ 255835 h 286230"/>
+                <a:gd name="connsiteX8" fmla="*/ 255835 w 1990951"/>
+                <a:gd name="connsiteY8" fmla="*/ 0 h 286230"/>
+                <a:gd name="connsiteX9" fmla="*/ 504071 w 1990951"/>
+                <a:gd name="connsiteY9" fmla="*/ 245703 h 286230"/>
+                <a:gd name="connsiteX10" fmla="*/ 749773 w 1990951"/>
+                <a:gd name="connsiteY10" fmla="*/ 0 h 286230"/>
+                <a:gd name="connsiteX11" fmla="*/ 995476 w 1990951"/>
+                <a:gd name="connsiteY11" fmla="*/ 245703 h 286230"/>
+                <a:gd name="connsiteX12" fmla="*/ 1243712 w 1990951"/>
+                <a:gd name="connsiteY12" fmla="*/ 0 h 286230"/>
+                <a:gd name="connsiteX13" fmla="*/ 1489414 w 1990951"/>
+                <a:gd name="connsiteY13" fmla="*/ 245703 h 286230"/>
+                <a:gd name="connsiteX14" fmla="*/ 1735117 w 1990951"/>
+                <a:gd name="connsiteY14" fmla="*/ 0 h 286230"/>
+                <a:gd name="connsiteX15" fmla="*/ 1990952 w 1990951"/>
+                <a:gd name="connsiteY15" fmla="*/ 255835 h 286230"/>
+                <a:gd name="connsiteX16" fmla="*/ 1973221 w 1990951"/>
+                <a:gd name="connsiteY16" fmla="*/ 276099 h 286230"/>
+                <a:gd name="connsiteX17" fmla="*/ 1735117 w 1990951"/>
+                <a:gd name="connsiteY17" fmla="*/ 40528 h 286230"/>
+              </a:gdLst>
+              <a:ahLst/>
+              <a:cxnLst>
+                <a:cxn ang="0">
+                  <a:pos x="connsiteX0" y="connsiteY0"/>
+                </a:cxn>
+                <a:cxn ang="0">
+                  <a:pos x="connsiteX1" y="connsiteY1"/>
+                </a:cxn>
+                <a:cxn ang="0">
+                  <a:pos x="connsiteX2" y="connsiteY2"/>
+                </a:cxn>
+                <a:cxn ang="0">
+                  <a:pos x="connsiteX3" y="connsiteY3"/>
+                </a:cxn>
+                <a:cxn ang="0">
+                  <a:pos x="connsiteX4" y="connsiteY4"/>
+                </a:cxn>
+                <a:cxn ang="0">
+                  <a:pos x="connsiteX5" y="connsiteY5"/>
+                </a:cxn>
+                <a:cxn ang="0">
+                  <a:pos x="connsiteX6" y="connsiteY6"/>
+                </a:cxn>
+                <a:cxn ang="0">
+                  <a:pos x="connsiteX7" y="connsiteY7"/>
+                </a:cxn>
+                <a:cxn ang="0">
+                  <a:pos x="connsiteX8" y="connsiteY8"/>
+                </a:cxn>
+                <a:cxn ang="0">
+                  <a:pos x="connsiteX9" y="connsiteY9"/>
+                </a:cxn>
+                <a:cxn ang="0">
+                  <a:pos x="connsiteX10" y="connsiteY10"/>
+                </a:cxn>
+                <a:cxn ang="0">
+                  <a:pos x="connsiteX11" y="connsiteY11"/>
+                </a:cxn>
+                <a:cxn ang="0">
+                  <a:pos x="connsiteX12" y="connsiteY12"/>
+                </a:cxn>
+                <a:cxn ang="0">
+                  <a:pos x="connsiteX13" y="connsiteY13"/>
+                </a:cxn>
+                <a:cxn ang="0">
+                  <a:pos x="connsiteX14" y="connsiteY14"/>
+                </a:cxn>
+                <a:cxn ang="0">
+                  <a:pos x="connsiteX15" y="connsiteY15"/>
+                </a:cxn>
+                <a:cxn ang="0">
+                  <a:pos x="connsiteX16" y="connsiteY16"/>
+                </a:cxn>
+                <a:cxn ang="0">
+                  <a:pos x="connsiteX17" y="connsiteY17"/>
+                </a:cxn>
+              </a:cxnLst>
+              <a:rect l="l" t="t" r="r" b="b"/>
+              <a:pathLst>
+                <a:path w="1990951" h="286230">
+                  <a:moveTo>
+                    <a:pt x="1489414" y="286231"/>
+                  </a:moveTo>
+                  <a:lnTo>
+                    <a:pt x="1243712" y="40528"/>
+                  </a:lnTo>
+                  <a:lnTo>
+                    <a:pt x="995476" y="286231"/>
+                  </a:lnTo>
+                  <a:lnTo>
+                    <a:pt x="749773" y="40528"/>
+                  </a:lnTo>
+                  <a:lnTo>
+                    <a:pt x="504071" y="286231"/>
+                  </a:lnTo>
+                  <a:lnTo>
+                    <a:pt x="255835" y="40528"/>
+                  </a:lnTo>
+                  <a:lnTo>
+                    <a:pt x="20264" y="276099"/>
+                  </a:lnTo>
+                  <a:lnTo>
+                    <a:pt x="0" y="255835"/>
+                  </a:lnTo>
+                  <a:lnTo>
+                    <a:pt x="255835" y="0"/>
+                  </a:lnTo>
+                  <a:lnTo>
+                    <a:pt x="504071" y="245703"/>
+                  </a:lnTo>
+                  <a:lnTo>
+                    <a:pt x="749773" y="0"/>
+                  </a:lnTo>
+                  <a:lnTo>
+                    <a:pt x="995476" y="245703"/>
+                  </a:lnTo>
+                  <a:lnTo>
+                    <a:pt x="1243712" y="0"/>
+                  </a:lnTo>
+                  <a:lnTo>
+                    <a:pt x="1489414" y="245703"/>
+                  </a:lnTo>
+                  <a:lnTo>
+                    <a:pt x="1735117" y="0"/>
+                  </a:lnTo>
+                  <a:lnTo>
+                    <a:pt x="1990952" y="255835"/>
+                  </a:lnTo>
+                  <a:lnTo>
+                    <a:pt x="1973221" y="276099"/>
+                  </a:lnTo>
+                  <a:lnTo>
+                    <a:pt x="1735117" y="40528"/>
+                  </a:lnTo>
+                  <a:close/>
+                </a:path>
+              </a:pathLst>
+            </a:custGeom>
+            <a:grpFill/>
+            <a:ln w="25320" cap="flat">
+              <a:noFill/>
+              <a:prstDash val="solid"/>
+              <a:miter/>
+            </a:ln>
+          </p:spPr>
+          <p:txBody>
+            <a:bodyPr rtlCol="0" anchor="ctr"/>
+            <a:lstStyle/>
+            <a:p>
+              <a:endParaRPr lang="en-US" dirty="0"/>
+            </a:p>
+          </p:txBody>
+        </p:sp>
+        <p:sp>
+          <p:nvSpPr>
+            <p:cNvPr id="15" name="Freeform: Shape 14">
+              <a:extLst>
+                <a:ext uri="{FF2B5EF4-FFF2-40B4-BE49-F238E27FC236}">
+                  <a16:creationId xmlns:a16="http://schemas.microsoft.com/office/drawing/2014/main" id="{24A69059-7C49-49C6-B071-F2A9B558E029}"/>
+                </a:ext>
+                <a:ext uri="{C183D7F6-B498-43B3-948B-1728B52AA6E4}">
+                  <adec:decorative xmlns:adec="http://schemas.microsoft.com/office/drawing/2017/decorative" val="1"/>
+                </a:ext>
+              </a:extLst>
+            </p:cNvPr>
+            <p:cNvSpPr/>
+            <p:nvPr>
+              <p:extLst>
+                <p:ext uri="{386F3935-93C4-4BCD-93E2-E3B085C9AB24}">
+                  <p16:designElem xmlns:p16="http://schemas.microsoft.com/office/powerpoint/2015/main" val="1"/>
+                </p:ext>
+              </p:extLst>
+            </p:nvPr>
+          </p:nvSpPr>
+          <p:spPr>
+            <a:xfrm>
+              <a:off x="2267504" y="2993660"/>
+              <a:ext cx="1990951" cy="286230"/>
+            </a:xfrm>
+            <a:custGeom>
+              <a:avLst/>
+              <a:gdLst>
+                <a:gd name="connsiteX0" fmla="*/ 1489414 w 1990951"/>
+                <a:gd name="connsiteY0" fmla="*/ 286231 h 286230"/>
+                <a:gd name="connsiteX1" fmla="*/ 1243712 w 1990951"/>
+                <a:gd name="connsiteY1" fmla="*/ 40528 h 286230"/>
+                <a:gd name="connsiteX2" fmla="*/ 995476 w 1990951"/>
+                <a:gd name="connsiteY2" fmla="*/ 286231 h 286230"/>
+                <a:gd name="connsiteX3" fmla="*/ 749773 w 1990951"/>
+                <a:gd name="connsiteY3" fmla="*/ 40528 h 286230"/>
+                <a:gd name="connsiteX4" fmla="*/ 504071 w 1990951"/>
+                <a:gd name="connsiteY4" fmla="*/ 286231 h 286230"/>
+                <a:gd name="connsiteX5" fmla="*/ 255835 w 1990951"/>
+                <a:gd name="connsiteY5" fmla="*/ 40528 h 286230"/>
+                <a:gd name="connsiteX6" fmla="*/ 20264 w 1990951"/>
+                <a:gd name="connsiteY6" fmla="*/ 276099 h 286230"/>
+                <a:gd name="connsiteX7" fmla="*/ 0 w 1990951"/>
+                <a:gd name="connsiteY7" fmla="*/ 258368 h 286230"/>
+                <a:gd name="connsiteX8" fmla="*/ 255835 w 1990951"/>
+                <a:gd name="connsiteY8" fmla="*/ 0 h 286230"/>
+                <a:gd name="connsiteX9" fmla="*/ 504071 w 1990951"/>
+                <a:gd name="connsiteY9" fmla="*/ 248236 h 286230"/>
+                <a:gd name="connsiteX10" fmla="*/ 749773 w 1990951"/>
+                <a:gd name="connsiteY10" fmla="*/ 0 h 286230"/>
+                <a:gd name="connsiteX11" fmla="*/ 995476 w 1990951"/>
+                <a:gd name="connsiteY11" fmla="*/ 248236 h 286230"/>
+                <a:gd name="connsiteX12" fmla="*/ 1243712 w 1990951"/>
+                <a:gd name="connsiteY12" fmla="*/ 0 h 286230"/>
+                <a:gd name="connsiteX13" fmla="*/ 1489414 w 1990951"/>
+                <a:gd name="connsiteY13" fmla="*/ 248236 h 286230"/>
+                <a:gd name="connsiteX14" fmla="*/ 1735117 w 1990951"/>
+                <a:gd name="connsiteY14" fmla="*/ 0 h 286230"/>
+                <a:gd name="connsiteX15" fmla="*/ 1990952 w 1990951"/>
+                <a:gd name="connsiteY15" fmla="*/ 258368 h 286230"/>
+                <a:gd name="connsiteX16" fmla="*/ 1973221 w 1990951"/>
+                <a:gd name="connsiteY16" fmla="*/ 276099 h 286230"/>
+                <a:gd name="connsiteX17" fmla="*/ 1735117 w 1990951"/>
+                <a:gd name="connsiteY17" fmla="*/ 40528 h 286230"/>
+              </a:gdLst>
+              <a:ahLst/>
+              <a:cxnLst>
+                <a:cxn ang="0">
+                  <a:pos x="connsiteX0" y="connsiteY0"/>
+                </a:cxn>
+                <a:cxn ang="0">
+                  <a:pos x="connsiteX1" y="connsiteY1"/>
+                </a:cxn>
+                <a:cxn ang="0">
+                  <a:pos x="connsiteX2" y="connsiteY2"/>
+                </a:cxn>
+                <a:cxn ang="0">
+                  <a:pos x="connsiteX3" y="connsiteY3"/>
+                </a:cxn>
+                <a:cxn ang="0">
+                  <a:pos x="connsiteX4" y="connsiteY4"/>
+                </a:cxn>
+                <a:cxn ang="0">
+                  <a:pos x="connsiteX5" y="connsiteY5"/>
+                </a:cxn>
+                <a:cxn ang="0">
+                  <a:pos x="connsiteX6" y="connsiteY6"/>
+                </a:cxn>
+                <a:cxn ang="0">
+                  <a:pos x="connsiteX7" y="connsiteY7"/>
+                </a:cxn>
+                <a:cxn ang="0">
+                  <a:pos x="connsiteX8" y="connsiteY8"/>
+                </a:cxn>
+                <a:cxn ang="0">
+                  <a:pos x="connsiteX9" y="connsiteY9"/>
+                </a:cxn>
+                <a:cxn ang="0">
+                  <a:pos x="connsiteX10" y="connsiteY10"/>
+                </a:cxn>
+                <a:cxn ang="0">
+                  <a:pos x="connsiteX11" y="connsiteY11"/>
+                </a:cxn>
+                <a:cxn ang="0">
+                  <a:pos x="connsiteX12" y="connsiteY12"/>
+                </a:cxn>
+                <a:cxn ang="0">
+                  <a:pos x="connsiteX13" y="connsiteY13"/>
+                </a:cxn>
+                <a:cxn ang="0">
+                  <a:pos x="connsiteX14" y="connsiteY14"/>
+                </a:cxn>
+                <a:cxn ang="0">
+                  <a:pos x="connsiteX15" y="connsiteY15"/>
+                </a:cxn>
+                <a:cxn ang="0">
+                  <a:pos x="connsiteX16" y="connsiteY16"/>
+                </a:cxn>
+                <a:cxn ang="0">
+                  <a:pos x="connsiteX17" y="connsiteY17"/>
+                </a:cxn>
+              </a:cxnLst>
+              <a:rect l="l" t="t" r="r" b="b"/>
+              <a:pathLst>
+                <a:path w="1990951" h="286230">
+                  <a:moveTo>
+                    <a:pt x="1489414" y="286231"/>
+                  </a:moveTo>
+                  <a:lnTo>
+                    <a:pt x="1243712" y="40528"/>
+                  </a:lnTo>
+                  <a:lnTo>
+                    <a:pt x="995476" y="286231"/>
+                  </a:lnTo>
+                  <a:lnTo>
+                    <a:pt x="749773" y="40528"/>
+                  </a:lnTo>
+                  <a:lnTo>
+                    <a:pt x="504071" y="286231"/>
+                  </a:lnTo>
+                  <a:lnTo>
+                    <a:pt x="255835" y="40528"/>
+                  </a:lnTo>
+                  <a:lnTo>
+                    <a:pt x="20264" y="276099"/>
+                  </a:lnTo>
+                  <a:lnTo>
+                    <a:pt x="0" y="258368"/>
+                  </a:lnTo>
+                  <a:lnTo>
+                    <a:pt x="255835" y="0"/>
+                  </a:lnTo>
+                  <a:lnTo>
+                    <a:pt x="504071" y="248236"/>
+                  </a:lnTo>
+                  <a:lnTo>
+                    <a:pt x="749773" y="0"/>
+                  </a:lnTo>
+                  <a:lnTo>
+                    <a:pt x="995476" y="248236"/>
+                  </a:lnTo>
+                  <a:lnTo>
+                    <a:pt x="1243712" y="0"/>
+                  </a:lnTo>
+                  <a:lnTo>
+                    <a:pt x="1489414" y="248236"/>
+                  </a:lnTo>
+                  <a:lnTo>
+                    <a:pt x="1735117" y="0"/>
+                  </a:lnTo>
+                  <a:lnTo>
+                    <a:pt x="1990952" y="258368"/>
+                  </a:lnTo>
+                  <a:lnTo>
+                    <a:pt x="1973221" y="276099"/>
+                  </a:lnTo>
+                  <a:lnTo>
+                    <a:pt x="1735117" y="40528"/>
+                  </a:lnTo>
+                  <a:close/>
+                </a:path>
+              </a:pathLst>
+            </a:custGeom>
+            <a:grpFill/>
+            <a:ln w="25320" cap="flat">
+              <a:noFill/>
+              <a:prstDash val="solid"/>
+              <a:miter/>
+            </a:ln>
+          </p:spPr>
+          <p:txBody>
+            <a:bodyPr rtlCol="0" anchor="ctr"/>
+            <a:lstStyle/>
+            <a:p>
+              <a:endParaRPr lang="en-US"/>
+            </a:p>
+          </p:txBody>
+        </p:sp>
+      </p:grpSp>
+      <p:sp>
+        <p:nvSpPr>
+          <p:cNvPr id="17" name="Oval 16">
+            <a:extLst>
+              <a:ext uri="{FF2B5EF4-FFF2-40B4-BE49-F238E27FC236}">
+                <a16:creationId xmlns:a16="http://schemas.microsoft.com/office/drawing/2014/main" id="{89D16701-DA76-4F72-BB63-E2C3FFBDFE0F}"/>
+              </a:ext>
+              <a:ext uri="{C183D7F6-B498-43B3-948B-1728B52AA6E4}">
+                <adec:decorative xmlns:adec="http://schemas.microsoft.com/office/drawing/2017/decorative" val="1"/>
+              </a:ext>
+            </a:extLst>
+          </p:cNvPr>
+          <p:cNvSpPr>
+            <a:spLocks noGrp="1" noRot="1" noChangeAspect="1" noMove="1" noResize="1" noEditPoints="1" noAdjustHandles="1" noChangeArrowheads="1" noChangeShapeType="1" noTextEdit="1"/>
+          </p:cNvSpPr>
+          <p:nvPr>
+            <p:extLst>
+              <p:ext uri="{386F3935-93C4-4BCD-93E2-E3B085C9AB24}">
+                <p16:designElem xmlns:p16="http://schemas.microsoft.com/office/powerpoint/2015/main" val="1"/>
+              </p:ext>
+            </p:extLst>
+          </p:nvPr>
+        </p:nvSpPr>
+        <p:spPr>
+          <a:xfrm>
+            <a:off x="406260" y="4752208"/>
+            <a:ext cx="365021" cy="365021"/>
+          </a:xfrm>
+          <a:prstGeom prst="ellipse">
+            <a:avLst/>
+          </a:prstGeom>
+          <a:solidFill>
+            <a:srgbClr val="FFFFFF"/>
+          </a:solidFill>
+          <a:ln w="28575">
+            <a:solidFill>
+              <a:srgbClr val="FFFFFF"/>
+            </a:solidFill>
+          </a:ln>
+        </p:spPr>
+        <p:style>
+          <a:lnRef idx="2">
+            <a:schemeClr val="accent1">
+              <a:shade val="50000"/>
+            </a:schemeClr>
+          </a:lnRef>
+          <a:fillRef idx="1">
+            <a:schemeClr val="accent1"/>
+          </a:fillRef>
+          <a:effectRef idx="0">
+            <a:schemeClr val="accent1"/>
+          </a:effectRef>
+          <a:fontRef idx="minor">
+            <a:schemeClr val="lt1"/>
+          </a:fontRef>
+        </p:style>
+        <p:txBody>
+          <a:bodyPr rot="0" spcFirstLastPara="0" vertOverflow="overflow" horzOverflow="overflow" vert="horz" wrap="square" lIns="91440" tIns="45720" rIns="91440" bIns="45720" numCol="1" spcCol="0" rtlCol="0" fromWordArt="0" anchor="ctr" anchorCtr="0" forceAA="0" compatLnSpc="1">
+            <a:prstTxWarp prst="textNoShape">
+              <a:avLst/>
+            </a:prstTxWarp>
+            <a:noAutofit/>
+          </a:bodyPr>
+          <a:lstStyle/>
+          <a:p>
+            <a:pPr algn="ctr"/>
+            <a:endParaRPr lang="en-US"/>
+          </a:p>
+        </p:txBody>
+      </p:sp>
+      <p:sp>
+        <p:nvSpPr>
+          <p:cNvPr id="19" name="Oval 18">
+            <a:extLst>
+              <a:ext uri="{FF2B5EF4-FFF2-40B4-BE49-F238E27FC236}">
+                <a16:creationId xmlns:a16="http://schemas.microsoft.com/office/drawing/2014/main" id="{1CC28BE1-9DC6-43FE-9582-39F091098D77}"/>
+              </a:ext>
+              <a:ext uri="{C183D7F6-B498-43B3-948B-1728B52AA6E4}">
+                <adec:decorative xmlns:adec="http://schemas.microsoft.com/office/drawing/2017/decorative" val="1"/>
+              </a:ext>
+            </a:extLst>
+          </p:cNvPr>
+          <p:cNvSpPr>
+            <a:spLocks noGrp="1" noRot="1" noChangeAspect="1" noMove="1" noResize="1" noEditPoints="1" noAdjustHandles="1" noChangeArrowheads="1" noChangeShapeType="1" noTextEdit="1"/>
+          </p:cNvSpPr>
+          <p:nvPr>
+            <p:extLst>
+              <p:ext uri="{386F3935-93C4-4BCD-93E2-E3B085C9AB24}">
+                <p16:designElem xmlns:p16="http://schemas.microsoft.com/office/powerpoint/2015/main" val="1"/>
+              </p:ext>
+            </p:extLst>
+          </p:nvPr>
+        </p:nvSpPr>
+        <p:spPr>
+          <a:xfrm>
+            <a:off x="406260" y="4752208"/>
+            <a:ext cx="365021" cy="365021"/>
+          </a:xfrm>
+          <a:prstGeom prst="ellipse">
+            <a:avLst/>
+          </a:prstGeom>
+          <a:solidFill>
+            <a:schemeClr val="accent6">
+              <a:alpha val="30000"/>
+            </a:schemeClr>
+          </a:solidFill>
+          <a:ln w="28575">
+            <a:solidFill>
+              <a:schemeClr val="bg1"/>
+            </a:solidFill>
+          </a:ln>
+        </p:spPr>
+        <p:style>
+          <a:lnRef idx="2">
+            <a:schemeClr val="accent1">
+              <a:shade val="50000"/>
+            </a:schemeClr>
+          </a:lnRef>
+          <a:fillRef idx="1">
+            <a:schemeClr val="accent1"/>
+          </a:fillRef>
+          <a:effectRef idx="0">
+            <a:schemeClr val="accent1"/>
+          </a:effectRef>
+          <a:fontRef idx="minor">
+            <a:schemeClr val="lt1"/>
+          </a:fontRef>
+        </p:style>
+        <p:txBody>
+          <a:bodyPr rot="0" spcFirstLastPara="0" vertOverflow="overflow" horzOverflow="overflow" vert="horz" wrap="square" lIns="91440" tIns="45720" rIns="91440" bIns="45720" numCol="1" spcCol="0" rtlCol="0" fromWordArt="0" anchor="ctr" anchorCtr="0" forceAA="0" compatLnSpc="1">
+            <a:prstTxWarp prst="textNoShape">
+              <a:avLst/>
+            </a:prstTxWarp>
+            <a:noAutofit/>
+          </a:bodyPr>
+          <a:lstStyle/>
+          <a:p>
+            <a:pPr algn="ctr"/>
+            <a:endParaRPr lang="en-US"/>
+          </a:p>
+        </p:txBody>
+      </p:sp>
+      <p:grpSp>
+        <p:nvGrpSpPr>
+          <p:cNvPr id="21" name="Graphic 4">
+            <a:extLst>
+              <a:ext uri="{FF2B5EF4-FFF2-40B4-BE49-F238E27FC236}">
+                <a16:creationId xmlns:a16="http://schemas.microsoft.com/office/drawing/2014/main" id="{AF9AF3F3-CE0C-4125-BDD7-346487FA0B40}"/>
+              </a:ext>
+              <a:ext uri="{C183D7F6-B498-43B3-948B-1728B52AA6E4}">
+                <adec:decorative xmlns:adec="http://schemas.microsoft.com/office/drawing/2017/decorative" val="1"/>
+              </a:ext>
+            </a:extLst>
+          </p:cNvPr>
+          <p:cNvGrpSpPr>
+            <a:grpSpLocks noGrp="1" noUngrp="1" noRot="1" noChangeAspect="1" noMove="1" noResize="1"/>
+          </p:cNvGrpSpPr>
+          <p:nvPr>
+            <p:extLst>
+              <p:ext uri="{386F3935-93C4-4BCD-93E2-E3B085C9AB24}">
+                <p16:designElem xmlns:p16="http://schemas.microsoft.com/office/powerpoint/2015/main" val="1"/>
+              </p:ext>
+            </p:extLst>
+          </p:nvPr>
+        </p:nvGrpSpPr>
+        <p:grpSpPr>
+          <a:xfrm>
+            <a:off x="4109667" y="5539935"/>
+            <a:ext cx="975169" cy="975171"/>
+            <a:chOff x="5829300" y="3162300"/>
+            <a:chExt cx="532256" cy="532257"/>
+          </a:xfrm>
+          <a:solidFill>
+            <a:schemeClr val="bg1"/>
+          </a:solidFill>
+        </p:grpSpPr>
+        <p:sp>
+          <p:nvSpPr>
+            <p:cNvPr id="22" name="Freeform: Shape 21">
+              <a:extLst>
+                <a:ext uri="{FF2B5EF4-FFF2-40B4-BE49-F238E27FC236}">
+                  <a16:creationId xmlns:a16="http://schemas.microsoft.com/office/drawing/2014/main" id="{B31DFBFA-CF4D-4940-9086-26F83E5C6BB2}"/>
+                </a:ext>
+                <a:ext uri="{C183D7F6-B498-43B3-948B-1728B52AA6E4}">
+                  <adec:decorative xmlns:adec="http://schemas.microsoft.com/office/drawing/2017/decorative" val="1"/>
+                </a:ext>
+              </a:extLst>
+            </p:cNvPr>
+            <p:cNvSpPr/>
+            <p:nvPr>
+              <p:extLst>
+                <p:ext uri="{386F3935-93C4-4BCD-93E2-E3B085C9AB24}">
+                  <p16:designElem xmlns:p16="http://schemas.microsoft.com/office/powerpoint/2015/main" val="1"/>
+                </p:ext>
+              </p:extLst>
+            </p:nvPr>
+          </p:nvSpPr>
+          <p:spPr>
+            <a:xfrm>
+              <a:off x="5859208" y="3192208"/>
+              <a:ext cx="112966" cy="112966"/>
+            </a:xfrm>
+            <a:custGeom>
+              <a:avLst/>
+              <a:gdLst>
+                <a:gd name="connsiteX0" fmla="*/ 112967 w 112966"/>
+                <a:gd name="connsiteY0" fmla="*/ 0 h 112966"/>
+                <a:gd name="connsiteX1" fmla="*/ 0 w 112966"/>
+                <a:gd name="connsiteY1" fmla="*/ 112967 h 112966"/>
+                <a:gd name="connsiteX2" fmla="*/ 112967 w 112966"/>
+                <a:gd name="connsiteY2" fmla="*/ 0 h 112966"/>
+              </a:gdLst>
+              <a:ahLst/>
+              <a:cxnLst>
+                <a:cxn ang="0">
+                  <a:pos x="connsiteX0" y="connsiteY0"/>
+                </a:cxn>
+                <a:cxn ang="0">
+                  <a:pos x="connsiteX1" y="connsiteY1"/>
+                </a:cxn>
+                <a:cxn ang="0">
+                  <a:pos x="connsiteX2" y="connsiteY2"/>
+                </a:cxn>
+              </a:cxnLst>
+              <a:rect l="l" t="t" r="r" b="b"/>
+              <a:pathLst>
+                <a:path w="112966" h="112966">
+                  <a:moveTo>
+                    <a:pt x="112967" y="0"/>
+                  </a:moveTo>
+                  <a:lnTo>
+                    <a:pt x="0" y="112967"/>
+                  </a:lnTo>
+                  <a:cubicBezTo>
+                    <a:pt x="25356" y="64747"/>
+                    <a:pt x="64747" y="25356"/>
+                    <a:pt x="112967" y="0"/>
+                  </a:cubicBezTo>
+                  <a:close/>
+                </a:path>
+              </a:pathLst>
+            </a:custGeom>
+            <a:grpFill/>
+            <a:ln w="9525" cap="flat">
+              <a:noFill/>
+              <a:prstDash val="solid"/>
+              <a:miter/>
+            </a:ln>
+          </p:spPr>
+          <p:txBody>
+            <a:bodyPr rtlCol="0" anchor="ctr"/>
+            <a:lstStyle/>
+            <a:p>
+              <a:endParaRPr lang="en-US"/>
+            </a:p>
+          </p:txBody>
+        </p:sp>
+        <p:sp>
+          <p:nvSpPr>
+            <p:cNvPr id="23" name="Freeform: Shape 22">
+              <a:extLst>
+                <a:ext uri="{FF2B5EF4-FFF2-40B4-BE49-F238E27FC236}">
+                  <a16:creationId xmlns:a16="http://schemas.microsoft.com/office/drawing/2014/main" id="{27854033-BD20-4C77-8C5B-048F4B3BDD06}"/>
+                </a:ext>
+                <a:ext uri="{C183D7F6-B498-43B3-948B-1728B52AA6E4}">
+                  <adec:decorative xmlns:adec="http://schemas.microsoft.com/office/drawing/2017/decorative" val="1"/>
+                </a:ext>
+              </a:extLst>
+            </p:cNvPr>
+            <p:cNvSpPr/>
+            <p:nvPr>
+              <p:extLst>
+                <p:ext uri="{386F3935-93C4-4BCD-93E2-E3B085C9AB24}">
+                  <p16:designElem xmlns:p16="http://schemas.microsoft.com/office/powerpoint/2015/main" val="1"/>
+                </p:ext>
+              </p:extLst>
+            </p:nvPr>
+          </p:nvSpPr>
+          <p:spPr>
+            <a:xfrm>
+              <a:off x="5831205" y="3164205"/>
+              <a:ext cx="230314" cy="230314"/>
+            </a:xfrm>
+            <a:custGeom>
+              <a:avLst/>
+              <a:gdLst>
+                <a:gd name="connsiteX0" fmla="*/ 230314 w 230314"/>
+                <a:gd name="connsiteY0" fmla="*/ 0 h 230314"/>
+                <a:gd name="connsiteX1" fmla="*/ 0 w 230314"/>
+                <a:gd name="connsiteY1" fmla="*/ 230314 h 230314"/>
+                <a:gd name="connsiteX2" fmla="*/ 3524 w 230314"/>
+                <a:gd name="connsiteY2" fmla="*/ 209550 h 230314"/>
+                <a:gd name="connsiteX3" fmla="*/ 209550 w 230314"/>
+                <a:gd name="connsiteY3" fmla="*/ 3524 h 230314"/>
+                <a:gd name="connsiteX4" fmla="*/ 230314 w 230314"/>
+                <a:gd name="connsiteY4" fmla="*/ 0 h 230314"/>
+              </a:gdLst>
+              <a:ahLst/>
+              <a:cxnLst>
+                <a:cxn ang="0">
+                  <a:pos x="connsiteX0" y="connsiteY0"/>
+                </a:cxn>
+                <a:cxn ang="0">
+                  <a:pos x="connsiteX1" y="connsiteY1"/>
+                </a:cxn>
+                <a:cxn ang="0">
+                  <a:pos x="connsiteX2" y="connsiteY2"/>
+                </a:cxn>
+                <a:cxn ang="0">
+                  <a:pos x="connsiteX3" y="connsiteY3"/>
+                </a:cxn>
+                <a:cxn ang="0">
+                  <a:pos x="connsiteX4" y="connsiteY4"/>
+                </a:cxn>
+              </a:cxnLst>
+              <a:rect l="l" t="t" r="r" b="b"/>
+              <a:pathLst>
+                <a:path w="230314" h="230314">
+                  <a:moveTo>
+                    <a:pt x="230314" y="0"/>
+                  </a:moveTo>
+                  <a:lnTo>
+                    <a:pt x="0" y="230314"/>
+                  </a:lnTo>
+                  <a:cubicBezTo>
+                    <a:pt x="953" y="223361"/>
+                    <a:pt x="2095" y="216408"/>
+                    <a:pt x="3524" y="209550"/>
+                  </a:cubicBezTo>
+                  <a:lnTo>
+                    <a:pt x="209550" y="3524"/>
+                  </a:lnTo>
+                  <a:cubicBezTo>
+                    <a:pt x="216408" y="2095"/>
+                    <a:pt x="223361" y="953"/>
+                    <a:pt x="230314" y="0"/>
+                  </a:cubicBezTo>
+                  <a:close/>
+                </a:path>
+              </a:pathLst>
+            </a:custGeom>
+            <a:grpFill/>
+            <a:ln w="9525" cap="flat">
+              <a:noFill/>
+              <a:prstDash val="solid"/>
+              <a:miter/>
+            </a:ln>
+          </p:spPr>
+          <p:txBody>
+            <a:bodyPr rtlCol="0" anchor="ctr"/>
+            <a:lstStyle/>
+            <a:p>
+              <a:endParaRPr lang="en-US"/>
+            </a:p>
+          </p:txBody>
+        </p:sp>
+        <p:sp>
+          <p:nvSpPr>
+            <p:cNvPr id="24" name="Freeform: Shape 23">
+              <a:extLst>
+                <a:ext uri="{FF2B5EF4-FFF2-40B4-BE49-F238E27FC236}">
+                  <a16:creationId xmlns:a16="http://schemas.microsoft.com/office/drawing/2014/main" id="{BC93AA74-BEB3-444F-835B-7AA6ECE61784}"/>
+                </a:ext>
+                <a:ext uri="{C183D7F6-B498-43B3-948B-1728B52AA6E4}">
+                  <adec:decorative xmlns:adec="http://schemas.microsoft.com/office/drawing/2017/decorative" val="1"/>
+                </a:ext>
+              </a:extLst>
+            </p:cNvPr>
+            <p:cNvSpPr/>
+            <p:nvPr>
+              <p:extLst>
+                <p:ext uri="{386F3935-93C4-4BCD-93E2-E3B085C9AB24}">
+                  <p16:designElem xmlns:p16="http://schemas.microsoft.com/office/powerpoint/2015/main" val="1"/>
+                </p:ext>
+              </p:extLst>
+            </p:nvPr>
+          </p:nvSpPr>
+          <p:spPr>
+            <a:xfrm>
+              <a:off x="5829300" y="3162300"/>
+              <a:ext cx="294131" cy="294131"/>
+            </a:xfrm>
+            <a:custGeom>
+              <a:avLst/>
+              <a:gdLst>
+                <a:gd name="connsiteX0" fmla="*/ 294132 w 294131"/>
+                <a:gd name="connsiteY0" fmla="*/ 1238 h 294131"/>
+                <a:gd name="connsiteX1" fmla="*/ 1238 w 294131"/>
+                <a:gd name="connsiteY1" fmla="*/ 294132 h 294131"/>
+                <a:gd name="connsiteX2" fmla="*/ 0 w 294131"/>
+                <a:gd name="connsiteY2" fmla="*/ 278225 h 294131"/>
+                <a:gd name="connsiteX3" fmla="*/ 278225 w 294131"/>
+                <a:gd name="connsiteY3" fmla="*/ 0 h 294131"/>
+                <a:gd name="connsiteX4" fmla="*/ 294132 w 294131"/>
+                <a:gd name="connsiteY4" fmla="*/ 1238 h 294131"/>
+              </a:gdLst>
+              <a:ahLst/>
+              <a:cxnLst>
+                <a:cxn ang="0">
+                  <a:pos x="connsiteX0" y="connsiteY0"/>
+                </a:cxn>
+                <a:cxn ang="0">
+                  <a:pos x="connsiteX1" y="connsiteY1"/>
+                </a:cxn>
+                <a:cxn ang="0">
+                  <a:pos x="connsiteX2" y="connsiteY2"/>
+                </a:cxn>
+                <a:cxn ang="0">
+                  <a:pos x="connsiteX3" y="connsiteY3"/>
+                </a:cxn>
+                <a:cxn ang="0">
+                  <a:pos x="connsiteX4" y="connsiteY4"/>
+                </a:cxn>
+              </a:cxnLst>
+              <a:rect l="l" t="t" r="r" b="b"/>
+              <a:pathLst>
+                <a:path w="294131" h="294131">
+                  <a:moveTo>
+                    <a:pt x="294132" y="1238"/>
+                  </a:moveTo>
+                  <a:lnTo>
+                    <a:pt x="1238" y="294132"/>
+                  </a:lnTo>
+                  <a:cubicBezTo>
+                    <a:pt x="667" y="288893"/>
+                    <a:pt x="0" y="283559"/>
+                    <a:pt x="0" y="278225"/>
+                  </a:cubicBezTo>
+                  <a:lnTo>
+                    <a:pt x="278225" y="0"/>
+                  </a:lnTo>
+                  <a:cubicBezTo>
+                    <a:pt x="283559" y="0"/>
+                    <a:pt x="288893" y="667"/>
+                    <a:pt x="294132" y="1238"/>
+                  </a:cubicBezTo>
+                  <a:close/>
+                </a:path>
+              </a:pathLst>
+            </a:custGeom>
+            <a:grpFill/>
+            <a:ln w="9525" cap="flat">
+              <a:noFill/>
+              <a:prstDash val="solid"/>
+              <a:miter/>
+            </a:ln>
+          </p:spPr>
+          <p:txBody>
+            <a:bodyPr rtlCol="0" anchor="ctr"/>
+            <a:lstStyle/>
+            <a:p>
+              <a:endParaRPr lang="en-US"/>
+            </a:p>
+          </p:txBody>
+        </p:sp>
+        <p:sp>
+          <p:nvSpPr>
+            <p:cNvPr id="25" name="Freeform: Shape 24">
+              <a:extLst>
+                <a:ext uri="{FF2B5EF4-FFF2-40B4-BE49-F238E27FC236}">
+                  <a16:creationId xmlns:a16="http://schemas.microsoft.com/office/drawing/2014/main" id="{F00DF1C9-6952-4704-B8B3-95406E18E4C5}"/>
+                </a:ext>
+                <a:ext uri="{C183D7F6-B498-43B3-948B-1728B52AA6E4}">
+                  <adec:decorative xmlns:adec="http://schemas.microsoft.com/office/drawing/2017/decorative" val="1"/>
+                </a:ext>
+              </a:extLst>
+            </p:cNvPr>
+            <p:cNvSpPr/>
+            <p:nvPr>
+              <p:extLst>
+                <p:ext uri="{386F3935-93C4-4BCD-93E2-E3B085C9AB24}">
+                  <p16:designElem xmlns:p16="http://schemas.microsoft.com/office/powerpoint/2015/main" val="1"/>
+                </p:ext>
+              </p:extLst>
+            </p:nvPr>
+          </p:nvSpPr>
+          <p:spPr>
+            <a:xfrm>
+              <a:off x="5837205" y="3170110"/>
+              <a:ext cx="337184" cy="337280"/>
+            </a:xfrm>
+            <a:custGeom>
+              <a:avLst/>
+              <a:gdLst>
+                <a:gd name="connsiteX0" fmla="*/ 337185 w 337184"/>
+                <a:gd name="connsiteY0" fmla="*/ 3905 h 337280"/>
+                <a:gd name="connsiteX1" fmla="*/ 3810 w 337184"/>
+                <a:gd name="connsiteY1" fmla="*/ 337280 h 337280"/>
+                <a:gd name="connsiteX2" fmla="*/ 0 w 337184"/>
+                <a:gd name="connsiteY2" fmla="*/ 323850 h 337280"/>
+                <a:gd name="connsiteX3" fmla="*/ 323850 w 337184"/>
+                <a:gd name="connsiteY3" fmla="*/ 0 h 337280"/>
+                <a:gd name="connsiteX4" fmla="*/ 337185 w 337184"/>
+                <a:gd name="connsiteY4" fmla="*/ 3905 h 337280"/>
+              </a:gdLst>
+              <a:ahLst/>
+              <a:cxnLst>
+                <a:cxn ang="0">
+                  <a:pos x="connsiteX0" y="connsiteY0"/>
+                </a:cxn>
+                <a:cxn ang="0">
+                  <a:pos x="connsiteX1" y="connsiteY1"/>
+                </a:cxn>
+                <a:cxn ang="0">
+                  <a:pos x="connsiteX2" y="connsiteY2"/>
+                </a:cxn>
+                <a:cxn ang="0">
+                  <a:pos x="connsiteX3" y="connsiteY3"/>
+                </a:cxn>
+                <a:cxn ang="0">
+                  <a:pos x="connsiteX4" y="connsiteY4"/>
+                </a:cxn>
+              </a:cxnLst>
+              <a:rect l="l" t="t" r="r" b="b"/>
+              <a:pathLst>
+                <a:path w="337184" h="337280">
+                  <a:moveTo>
+                    <a:pt x="337185" y="3905"/>
+                  </a:moveTo>
+                  <a:lnTo>
+                    <a:pt x="3810" y="337280"/>
+                  </a:lnTo>
+                  <a:cubicBezTo>
+                    <a:pt x="2381" y="332899"/>
+                    <a:pt x="1143" y="328422"/>
+                    <a:pt x="0" y="323850"/>
+                  </a:cubicBezTo>
+                  <a:lnTo>
+                    <a:pt x="323850" y="0"/>
+                  </a:lnTo>
+                  <a:cubicBezTo>
+                    <a:pt x="328327" y="1715"/>
+                    <a:pt x="332804" y="2477"/>
+                    <a:pt x="337185" y="3905"/>
+                  </a:cubicBezTo>
+                  <a:close/>
+                </a:path>
+              </a:pathLst>
+            </a:custGeom>
+            <a:grpFill/>
+            <a:ln w="9525" cap="flat">
+              <a:noFill/>
+              <a:prstDash val="solid"/>
+              <a:miter/>
+            </a:ln>
+          </p:spPr>
+          <p:txBody>
+            <a:bodyPr rtlCol="0" anchor="ctr"/>
+            <a:lstStyle/>
+            <a:p>
+              <a:endParaRPr lang="en-US"/>
+            </a:p>
+          </p:txBody>
+        </p:sp>
+        <p:sp>
+          <p:nvSpPr>
+            <p:cNvPr id="26" name="Freeform: Shape 25">
+              <a:extLst>
+                <a:ext uri="{FF2B5EF4-FFF2-40B4-BE49-F238E27FC236}">
+                  <a16:creationId xmlns:a16="http://schemas.microsoft.com/office/drawing/2014/main" id="{B34783FD-297C-40D2-964B-DBAE4DE28357}"/>
+                </a:ext>
+                <a:ext uri="{C183D7F6-B498-43B3-948B-1728B52AA6E4}">
+                  <adec:decorative xmlns:adec="http://schemas.microsoft.com/office/drawing/2017/decorative" val="1"/>
+                </a:ext>
+              </a:extLst>
+            </p:cNvPr>
+            <p:cNvSpPr/>
+            <p:nvPr>
+              <p:extLst>
+                <p:ext uri="{386F3935-93C4-4BCD-93E2-E3B085C9AB24}">
+                  <p16:designElem xmlns:p16="http://schemas.microsoft.com/office/powerpoint/2015/main" val="1"/>
+                </p:ext>
+              </p:extLst>
+            </p:nvPr>
+          </p:nvSpPr>
+          <p:spPr>
+            <a:xfrm>
+              <a:off x="5853207" y="3186207"/>
+              <a:ext cx="364617" cy="364617"/>
+            </a:xfrm>
+            <a:custGeom>
+              <a:avLst/>
+              <a:gdLst>
+                <a:gd name="connsiteX0" fmla="*/ 364617 w 364617"/>
+                <a:gd name="connsiteY0" fmla="*/ 5620 h 364617"/>
+                <a:gd name="connsiteX1" fmla="*/ 5620 w 364617"/>
+                <a:gd name="connsiteY1" fmla="*/ 364617 h 364617"/>
+                <a:gd name="connsiteX2" fmla="*/ 0 w 364617"/>
+                <a:gd name="connsiteY2" fmla="*/ 353187 h 364617"/>
+                <a:gd name="connsiteX3" fmla="*/ 353187 w 364617"/>
+                <a:gd name="connsiteY3" fmla="*/ 0 h 364617"/>
+                <a:gd name="connsiteX4" fmla="*/ 364617 w 364617"/>
+                <a:gd name="connsiteY4" fmla="*/ 5620 h 364617"/>
+              </a:gdLst>
+              <a:ahLst/>
+              <a:cxnLst>
+                <a:cxn ang="0">
+                  <a:pos x="connsiteX0" y="connsiteY0"/>
+                </a:cxn>
+                <a:cxn ang="0">
+                  <a:pos x="connsiteX1" y="connsiteY1"/>
+                </a:cxn>
+                <a:cxn ang="0">
+                  <a:pos x="connsiteX2" y="connsiteY2"/>
+                </a:cxn>
+                <a:cxn ang="0">
+                  <a:pos x="connsiteX3" y="connsiteY3"/>
+                </a:cxn>
+                <a:cxn ang="0">
+                  <a:pos x="connsiteX4" y="connsiteY4"/>
+                </a:cxn>
+              </a:cxnLst>
+              <a:rect l="l" t="t" r="r" b="b"/>
+              <a:pathLst>
+                <a:path w="364617" h="364617">
+                  <a:moveTo>
+                    <a:pt x="364617" y="5620"/>
+                  </a:moveTo>
+                  <a:lnTo>
+                    <a:pt x="5620" y="364617"/>
+                  </a:lnTo>
+                  <a:cubicBezTo>
+                    <a:pt x="3620" y="360902"/>
+                    <a:pt x="1715" y="357092"/>
+                    <a:pt x="0" y="353187"/>
+                  </a:cubicBezTo>
+                  <a:lnTo>
+                    <a:pt x="353187" y="0"/>
+                  </a:lnTo>
+                  <a:cubicBezTo>
+                    <a:pt x="357092" y="1715"/>
+                    <a:pt x="360902" y="3715"/>
+                    <a:pt x="364617" y="5620"/>
+                  </a:cubicBezTo>
+                  <a:close/>
+                </a:path>
+              </a:pathLst>
+            </a:custGeom>
+            <a:grpFill/>
+            <a:ln w="9525" cap="flat">
+              <a:noFill/>
+              <a:prstDash val="solid"/>
+              <a:miter/>
+            </a:ln>
+          </p:spPr>
+          <p:txBody>
+            <a:bodyPr rtlCol="0" anchor="ctr"/>
+            <a:lstStyle/>
+            <a:p>
+              <a:endParaRPr lang="en-US"/>
+            </a:p>
+          </p:txBody>
+        </p:sp>
+        <p:sp>
+          <p:nvSpPr>
+            <p:cNvPr id="27" name="Freeform: Shape 26">
+              <a:extLst>
+                <a:ext uri="{FF2B5EF4-FFF2-40B4-BE49-F238E27FC236}">
+                  <a16:creationId xmlns:a16="http://schemas.microsoft.com/office/drawing/2014/main" id="{DE621623-0357-4FD5-A1AC-400501025957}"/>
+                </a:ext>
+                <a:ext uri="{C183D7F6-B498-43B3-948B-1728B52AA6E4}">
+                  <adec:decorative xmlns:adec="http://schemas.microsoft.com/office/drawing/2017/decorative" val="1"/>
+                </a:ext>
+              </a:extLst>
+            </p:cNvPr>
+            <p:cNvSpPr/>
+            <p:nvPr>
+              <p:extLst>
+                <p:ext uri="{386F3935-93C4-4BCD-93E2-E3B085C9AB24}">
+                  <p16:designElem xmlns:p16="http://schemas.microsoft.com/office/powerpoint/2015/main" val="1"/>
+                </p:ext>
+              </p:extLst>
+            </p:nvPr>
+          </p:nvSpPr>
+          <p:spPr>
+            <a:xfrm>
+              <a:off x="5875305" y="3208305"/>
+              <a:ext cx="380238" cy="380238"/>
+            </a:xfrm>
+            <a:custGeom>
+              <a:avLst/>
+              <a:gdLst>
+                <a:gd name="connsiteX0" fmla="*/ 380238 w 380238"/>
+                <a:gd name="connsiteY0" fmla="*/ 7239 h 380238"/>
+                <a:gd name="connsiteX1" fmla="*/ 7239 w 380238"/>
+                <a:gd name="connsiteY1" fmla="*/ 380238 h 380238"/>
+                <a:gd name="connsiteX2" fmla="*/ 0 w 380238"/>
+                <a:gd name="connsiteY2" fmla="*/ 370713 h 380238"/>
+                <a:gd name="connsiteX3" fmla="*/ 370237 w 380238"/>
+                <a:gd name="connsiteY3" fmla="*/ 0 h 380238"/>
+                <a:gd name="connsiteX4" fmla="*/ 380238 w 380238"/>
+                <a:gd name="connsiteY4" fmla="*/ 7239 h 380238"/>
+              </a:gdLst>
+              <a:ahLst/>
+              <a:cxnLst>
+                <a:cxn ang="0">
+                  <a:pos x="connsiteX0" y="connsiteY0"/>
+                </a:cxn>
+                <a:cxn ang="0">
+                  <a:pos x="connsiteX1" y="connsiteY1"/>
+                </a:cxn>
+                <a:cxn ang="0">
+                  <a:pos x="connsiteX2" y="connsiteY2"/>
+                </a:cxn>
+                <a:cxn ang="0">
+                  <a:pos x="connsiteX3" y="connsiteY3"/>
+                </a:cxn>
+                <a:cxn ang="0">
+                  <a:pos x="connsiteX4" y="connsiteY4"/>
+                </a:cxn>
+              </a:cxnLst>
+              <a:rect l="l" t="t" r="r" b="b"/>
+              <a:pathLst>
+                <a:path w="380238" h="380238">
+                  <a:moveTo>
+                    <a:pt x="380238" y="7239"/>
+                  </a:moveTo>
+                  <a:lnTo>
+                    <a:pt x="7239" y="380238"/>
+                  </a:lnTo>
+                  <a:cubicBezTo>
+                    <a:pt x="4763" y="377000"/>
+                    <a:pt x="2381" y="373571"/>
+                    <a:pt x="0" y="370713"/>
+                  </a:cubicBezTo>
+                  <a:lnTo>
+                    <a:pt x="370237" y="0"/>
+                  </a:lnTo>
+                  <a:cubicBezTo>
+                    <a:pt x="373571" y="2381"/>
+                    <a:pt x="377000" y="4763"/>
+                    <a:pt x="380238" y="7239"/>
+                  </a:cubicBezTo>
+                  <a:close/>
+                </a:path>
+              </a:pathLst>
+            </a:custGeom>
+            <a:grpFill/>
+            <a:ln w="9525" cap="flat">
+              <a:noFill/>
+              <a:prstDash val="solid"/>
+              <a:miter/>
+            </a:ln>
+          </p:spPr>
+          <p:txBody>
+            <a:bodyPr rtlCol="0" anchor="ctr"/>
+            <a:lstStyle/>
+            <a:p>
+              <a:endParaRPr lang="en-US"/>
+            </a:p>
+          </p:txBody>
+        </p:sp>
+        <p:sp>
+          <p:nvSpPr>
+            <p:cNvPr id="28" name="Freeform: Shape 27">
+              <a:extLst>
+                <a:ext uri="{FF2B5EF4-FFF2-40B4-BE49-F238E27FC236}">
+                  <a16:creationId xmlns:a16="http://schemas.microsoft.com/office/drawing/2014/main" id="{024F346E-10A0-458F-A9CA-8C0079472F9F}"/>
+                </a:ext>
+                <a:ext uri="{C183D7F6-B498-43B3-948B-1728B52AA6E4}">
+                  <adec:decorative xmlns:adec="http://schemas.microsoft.com/office/drawing/2017/decorative" val="1"/>
+                </a:ext>
+              </a:extLst>
+            </p:cNvPr>
+            <p:cNvSpPr/>
+            <p:nvPr>
+              <p:extLst>
+                <p:ext uri="{386F3935-93C4-4BCD-93E2-E3B085C9AB24}">
+                  <p16:designElem xmlns:p16="http://schemas.microsoft.com/office/powerpoint/2015/main" val="1"/>
+                </p:ext>
+              </p:extLst>
+            </p:nvPr>
+          </p:nvSpPr>
+          <p:spPr>
+            <a:xfrm>
+              <a:off x="5902832" y="3235832"/>
+              <a:ext cx="385191" cy="385191"/>
+            </a:xfrm>
+            <a:custGeom>
+              <a:avLst/>
+              <a:gdLst>
+                <a:gd name="connsiteX0" fmla="*/ 380905 w 385191"/>
+                <a:gd name="connsiteY0" fmla="*/ 4286 h 385191"/>
+                <a:gd name="connsiteX1" fmla="*/ 385191 w 385191"/>
+                <a:gd name="connsiteY1" fmla="*/ 8573 h 385191"/>
+                <a:gd name="connsiteX2" fmla="*/ 8573 w 385191"/>
+                <a:gd name="connsiteY2" fmla="*/ 385191 h 385191"/>
+                <a:gd name="connsiteX3" fmla="*/ 4286 w 385191"/>
+                <a:gd name="connsiteY3" fmla="*/ 380905 h 385191"/>
+                <a:gd name="connsiteX4" fmla="*/ 0 w 385191"/>
+                <a:gd name="connsiteY4" fmla="*/ 376523 h 385191"/>
+                <a:gd name="connsiteX5" fmla="*/ 376523 w 385191"/>
+                <a:gd name="connsiteY5" fmla="*/ 0 h 385191"/>
+                <a:gd name="connsiteX6" fmla="*/ 380905 w 385191"/>
+                <a:gd name="connsiteY6" fmla="*/ 4286 h 385191"/>
+              </a:gdLst>
+              <a:ahLst/>
+              <a:cxnLst>
+                <a:cxn ang="0">
+                  <a:pos x="connsiteX0" y="connsiteY0"/>
+                </a:cxn>
+                <a:cxn ang="0">
+                  <a:pos x="connsiteX1" y="connsiteY1"/>
+                </a:cxn>
+                <a:cxn ang="0">
+                  <a:pos x="connsiteX2" y="connsiteY2"/>
+                </a:cxn>
+                <a:cxn ang="0">
+                  <a:pos x="connsiteX3" y="connsiteY3"/>
+                </a:cxn>
+                <a:cxn ang="0">
+                  <a:pos x="connsiteX4" y="connsiteY4"/>
+                </a:cxn>
+                <a:cxn ang="0">
+                  <a:pos x="connsiteX5" y="connsiteY5"/>
+                </a:cxn>
+                <a:cxn ang="0">
+                  <a:pos x="connsiteX6" y="connsiteY6"/>
+                </a:cxn>
+              </a:cxnLst>
+              <a:rect l="l" t="t" r="r" b="b"/>
+              <a:pathLst>
+                <a:path w="385191" h="385191">
+                  <a:moveTo>
+                    <a:pt x="380905" y="4286"/>
+                  </a:moveTo>
+                  <a:lnTo>
+                    <a:pt x="385191" y="8573"/>
+                  </a:lnTo>
+                  <a:lnTo>
+                    <a:pt x="8573" y="385191"/>
+                  </a:lnTo>
+                  <a:lnTo>
+                    <a:pt x="4286" y="380905"/>
+                  </a:lnTo>
+                  <a:cubicBezTo>
+                    <a:pt x="2762" y="379476"/>
+                    <a:pt x="1334" y="377952"/>
+                    <a:pt x="0" y="376523"/>
+                  </a:cubicBezTo>
+                  <a:lnTo>
+                    <a:pt x="376523" y="0"/>
+                  </a:lnTo>
+                  <a:cubicBezTo>
+                    <a:pt x="377952" y="1334"/>
+                    <a:pt x="379476" y="2667"/>
+                    <a:pt x="380905" y="4286"/>
+                  </a:cubicBezTo>
+                  <a:close/>
+                </a:path>
+              </a:pathLst>
+            </a:custGeom>
+            <a:grpFill/>
+            <a:ln w="9525" cap="flat">
+              <a:noFill/>
+              <a:prstDash val="solid"/>
+              <a:miter/>
+            </a:ln>
+          </p:spPr>
+          <p:txBody>
+            <a:bodyPr rtlCol="0" anchor="ctr"/>
+            <a:lstStyle/>
+            <a:p>
+              <a:endParaRPr lang="en-US"/>
+            </a:p>
+          </p:txBody>
+        </p:sp>
+        <p:sp>
+          <p:nvSpPr>
+            <p:cNvPr id="29" name="Freeform: Shape 28">
+              <a:extLst>
+                <a:ext uri="{FF2B5EF4-FFF2-40B4-BE49-F238E27FC236}">
+                  <a16:creationId xmlns:a16="http://schemas.microsoft.com/office/drawing/2014/main" id="{7937A2F7-01A9-47F3-BED6-B61D998408AC}"/>
+                </a:ext>
+                <a:ext uri="{C183D7F6-B498-43B3-948B-1728B52AA6E4}">
+                  <adec:decorative xmlns:adec="http://schemas.microsoft.com/office/drawing/2017/decorative" val="1"/>
+                </a:ext>
+              </a:extLst>
+            </p:cNvPr>
+            <p:cNvSpPr/>
+            <p:nvPr>
+              <p:extLst>
+                <p:ext uri="{386F3935-93C4-4BCD-93E2-E3B085C9AB24}">
+                  <p16:designElem xmlns:p16="http://schemas.microsoft.com/office/powerpoint/2015/main" val="1"/>
+                </p:ext>
+              </p:extLst>
+            </p:nvPr>
+          </p:nvSpPr>
+          <p:spPr>
+            <a:xfrm>
+              <a:off x="5935789" y="3268313"/>
+              <a:ext cx="379761" cy="380237"/>
+            </a:xfrm>
+            <a:custGeom>
+              <a:avLst/>
+              <a:gdLst>
+                <a:gd name="connsiteX0" fmla="*/ 372428 w 379761"/>
+                <a:gd name="connsiteY0" fmla="*/ 0 h 380237"/>
+                <a:gd name="connsiteX1" fmla="*/ 379762 w 379761"/>
+                <a:gd name="connsiteY1" fmla="*/ 9525 h 380237"/>
+                <a:gd name="connsiteX2" fmla="*/ 9525 w 379761"/>
+                <a:gd name="connsiteY2" fmla="*/ 380238 h 380237"/>
+                <a:gd name="connsiteX3" fmla="*/ 0 w 379761"/>
+                <a:gd name="connsiteY3" fmla="*/ 372904 h 380237"/>
+              </a:gdLst>
+              <a:ahLst/>
+              <a:cxnLst>
+                <a:cxn ang="0">
+                  <a:pos x="connsiteX0" y="connsiteY0"/>
+                </a:cxn>
+                <a:cxn ang="0">
+                  <a:pos x="connsiteX1" y="connsiteY1"/>
+                </a:cxn>
+                <a:cxn ang="0">
+                  <a:pos x="connsiteX2" y="connsiteY2"/>
+                </a:cxn>
+                <a:cxn ang="0">
+                  <a:pos x="connsiteX3" y="connsiteY3"/>
+                </a:cxn>
+              </a:cxnLst>
+              <a:rect l="l" t="t" r="r" b="b"/>
+              <a:pathLst>
+                <a:path w="379761" h="380237">
+                  <a:moveTo>
+                    <a:pt x="372428" y="0"/>
+                  </a:moveTo>
+                  <a:cubicBezTo>
+                    <a:pt x="374999" y="3239"/>
+                    <a:pt x="377381" y="6572"/>
+                    <a:pt x="379762" y="9525"/>
+                  </a:cubicBezTo>
+                  <a:lnTo>
+                    <a:pt x="9525" y="380238"/>
+                  </a:lnTo>
+                  <a:cubicBezTo>
+                    <a:pt x="6096" y="377857"/>
+                    <a:pt x="2762" y="375476"/>
+                    <a:pt x="0" y="372904"/>
+                  </a:cubicBezTo>
+                  <a:close/>
+                </a:path>
+              </a:pathLst>
+            </a:custGeom>
+            <a:grpFill/>
+            <a:ln w="9525" cap="flat">
+              <a:noFill/>
+              <a:prstDash val="solid"/>
+              <a:miter/>
+            </a:ln>
+          </p:spPr>
+          <p:txBody>
+            <a:bodyPr rtlCol="0" anchor="ctr"/>
+            <a:lstStyle/>
+            <a:p>
+              <a:endParaRPr lang="en-US"/>
+            </a:p>
+          </p:txBody>
+        </p:sp>
+        <p:sp>
+          <p:nvSpPr>
+            <p:cNvPr id="30" name="Freeform: Shape 29">
+              <a:extLst>
+                <a:ext uri="{FF2B5EF4-FFF2-40B4-BE49-F238E27FC236}">
+                  <a16:creationId xmlns:a16="http://schemas.microsoft.com/office/drawing/2014/main" id="{5B44DAF8-5073-441A-82E1-180385D35F23}"/>
+                </a:ext>
+                <a:ext uri="{C183D7F6-B498-43B3-948B-1728B52AA6E4}">
+                  <adec:decorative xmlns:adec="http://schemas.microsoft.com/office/drawing/2017/decorative" val="1"/>
+                </a:ext>
+              </a:extLst>
+            </p:cNvPr>
+            <p:cNvSpPr/>
+            <p:nvPr>
+              <p:extLst>
+                <p:ext uri="{386F3935-93C4-4BCD-93E2-E3B085C9AB24}">
+                  <p16:designElem xmlns:p16="http://schemas.microsoft.com/office/powerpoint/2015/main" val="1"/>
+                </p:ext>
+              </p:extLst>
+            </p:nvPr>
+          </p:nvSpPr>
+          <p:spPr>
+            <a:xfrm>
+              <a:off x="5972841" y="3305841"/>
+              <a:ext cx="364807" cy="364807"/>
+            </a:xfrm>
+            <a:custGeom>
+              <a:avLst/>
+              <a:gdLst>
+                <a:gd name="connsiteX0" fmla="*/ 359188 w 364807"/>
+                <a:gd name="connsiteY0" fmla="*/ 0 h 364807"/>
+                <a:gd name="connsiteX1" fmla="*/ 364808 w 364807"/>
+                <a:gd name="connsiteY1" fmla="*/ 11621 h 364807"/>
+                <a:gd name="connsiteX2" fmla="*/ 11621 w 364807"/>
+                <a:gd name="connsiteY2" fmla="*/ 364808 h 364807"/>
+                <a:gd name="connsiteX3" fmla="*/ 0 w 364807"/>
+                <a:gd name="connsiteY3" fmla="*/ 359188 h 364807"/>
+              </a:gdLst>
+              <a:ahLst/>
+              <a:cxnLst>
+                <a:cxn ang="0">
+                  <a:pos x="connsiteX0" y="connsiteY0"/>
+                </a:cxn>
+                <a:cxn ang="0">
+                  <a:pos x="connsiteX1" y="connsiteY1"/>
+                </a:cxn>
+                <a:cxn ang="0">
+                  <a:pos x="connsiteX2" y="connsiteY2"/>
+                </a:cxn>
+                <a:cxn ang="0">
+                  <a:pos x="connsiteX3" y="connsiteY3"/>
+                </a:cxn>
+              </a:cxnLst>
+              <a:rect l="l" t="t" r="r" b="b"/>
+              <a:pathLst>
+                <a:path w="364807" h="364807">
+                  <a:moveTo>
+                    <a:pt x="359188" y="0"/>
+                  </a:moveTo>
+                  <a:cubicBezTo>
+                    <a:pt x="361188" y="3905"/>
+                    <a:pt x="362998" y="7715"/>
+                    <a:pt x="364808" y="11621"/>
+                  </a:cubicBezTo>
+                  <a:lnTo>
+                    <a:pt x="11621" y="364808"/>
+                  </a:lnTo>
+                  <a:cubicBezTo>
+                    <a:pt x="7715" y="362998"/>
+                    <a:pt x="3905" y="361188"/>
+                    <a:pt x="0" y="359188"/>
+                  </a:cubicBezTo>
+                  <a:close/>
+                </a:path>
+              </a:pathLst>
+            </a:custGeom>
+            <a:grpFill/>
+            <a:ln w="9525" cap="flat">
+              <a:noFill/>
+              <a:prstDash val="solid"/>
+              <a:miter/>
+            </a:ln>
+          </p:spPr>
+          <p:txBody>
+            <a:bodyPr rtlCol="0" anchor="ctr"/>
+            <a:lstStyle/>
+            <a:p>
+              <a:endParaRPr lang="en-US"/>
+            </a:p>
+          </p:txBody>
+        </p:sp>
+        <p:sp>
+          <p:nvSpPr>
+            <p:cNvPr id="31" name="Freeform: Shape 30">
+              <a:extLst>
+                <a:ext uri="{FF2B5EF4-FFF2-40B4-BE49-F238E27FC236}">
+                  <a16:creationId xmlns:a16="http://schemas.microsoft.com/office/drawing/2014/main" id="{52B0413D-0E36-4A90-8E6A-9EDC676A607B}"/>
+                </a:ext>
+                <a:ext uri="{C183D7F6-B498-43B3-948B-1728B52AA6E4}">
+                  <adec:decorative xmlns:adec="http://schemas.microsoft.com/office/drawing/2017/decorative" val="1"/>
+                </a:ext>
+              </a:extLst>
+            </p:cNvPr>
+            <p:cNvSpPr/>
+            <p:nvPr>
+              <p:extLst>
+                <p:ext uri="{386F3935-93C4-4BCD-93E2-E3B085C9AB24}">
+                  <p16:designElem xmlns:p16="http://schemas.microsoft.com/office/powerpoint/2015/main" val="1"/>
+                </p:ext>
+              </p:extLst>
+            </p:nvPr>
+          </p:nvSpPr>
+          <p:spPr>
+            <a:xfrm>
+              <a:off x="6016370" y="3349466"/>
+              <a:ext cx="337280" cy="337280"/>
+            </a:xfrm>
+            <a:custGeom>
+              <a:avLst/>
+              <a:gdLst>
+                <a:gd name="connsiteX0" fmla="*/ 333470 w 337280"/>
+                <a:gd name="connsiteY0" fmla="*/ 0 h 337280"/>
+                <a:gd name="connsiteX1" fmla="*/ 337280 w 337280"/>
+                <a:gd name="connsiteY1" fmla="*/ 13430 h 337280"/>
+                <a:gd name="connsiteX2" fmla="*/ 13430 w 337280"/>
+                <a:gd name="connsiteY2" fmla="*/ 337280 h 337280"/>
+                <a:gd name="connsiteX3" fmla="*/ 0 w 337280"/>
+                <a:gd name="connsiteY3" fmla="*/ 333470 h 337280"/>
+              </a:gdLst>
+              <a:ahLst/>
+              <a:cxnLst>
+                <a:cxn ang="0">
+                  <a:pos x="connsiteX0" y="connsiteY0"/>
+                </a:cxn>
+                <a:cxn ang="0">
+                  <a:pos x="connsiteX1" y="connsiteY1"/>
+                </a:cxn>
+                <a:cxn ang="0">
+                  <a:pos x="connsiteX2" y="connsiteY2"/>
+                </a:cxn>
+                <a:cxn ang="0">
+                  <a:pos x="connsiteX3" y="connsiteY3"/>
+                </a:cxn>
+              </a:cxnLst>
+              <a:rect l="l" t="t" r="r" b="b"/>
+              <a:pathLst>
+                <a:path w="337280" h="337280">
+                  <a:moveTo>
+                    <a:pt x="333470" y="0"/>
+                  </a:moveTo>
+                  <a:cubicBezTo>
+                    <a:pt x="334899" y="4382"/>
+                    <a:pt x="336137" y="8858"/>
+                    <a:pt x="337280" y="13430"/>
+                  </a:cubicBezTo>
+                  <a:lnTo>
+                    <a:pt x="13430" y="337280"/>
+                  </a:lnTo>
+                  <a:cubicBezTo>
+                    <a:pt x="8858" y="336137"/>
+                    <a:pt x="4382" y="334899"/>
+                    <a:pt x="0" y="333470"/>
+                  </a:cubicBezTo>
+                  <a:close/>
+                </a:path>
+              </a:pathLst>
+            </a:custGeom>
+            <a:grpFill/>
+            <a:ln w="9525" cap="flat">
+              <a:noFill/>
+              <a:prstDash val="solid"/>
+              <a:miter/>
+            </a:ln>
+          </p:spPr>
+          <p:txBody>
+            <a:bodyPr rtlCol="0" anchor="ctr"/>
+            <a:lstStyle/>
+            <a:p>
+              <a:endParaRPr lang="en-US"/>
+            </a:p>
+          </p:txBody>
+        </p:sp>
+        <p:sp>
+          <p:nvSpPr>
+            <p:cNvPr id="32" name="Freeform: Shape 31">
+              <a:extLst>
+                <a:ext uri="{FF2B5EF4-FFF2-40B4-BE49-F238E27FC236}">
+                  <a16:creationId xmlns:a16="http://schemas.microsoft.com/office/drawing/2014/main" id="{86059ECF-0D50-48AD-B67A-645EC29D3366}"/>
+                </a:ext>
+                <a:ext uri="{C183D7F6-B498-43B3-948B-1728B52AA6E4}">
+                  <adec:decorative xmlns:adec="http://schemas.microsoft.com/office/drawing/2017/decorative" val="1"/>
+                </a:ext>
+              </a:extLst>
+            </p:cNvPr>
+            <p:cNvSpPr/>
+            <p:nvPr>
+              <p:extLst>
+                <p:ext uri="{386F3935-93C4-4BCD-93E2-E3B085C9AB24}">
+                  <p16:designElem xmlns:p16="http://schemas.microsoft.com/office/powerpoint/2015/main" val="1"/>
+                </p:ext>
+              </p:extLst>
+            </p:nvPr>
+          </p:nvSpPr>
+          <p:spPr>
+            <a:xfrm>
+              <a:off x="6067329" y="3400425"/>
+              <a:ext cx="294227" cy="294132"/>
+            </a:xfrm>
+            <a:custGeom>
+              <a:avLst/>
+              <a:gdLst>
+                <a:gd name="connsiteX0" fmla="*/ 292989 w 294227"/>
+                <a:gd name="connsiteY0" fmla="*/ 0 h 294132"/>
+                <a:gd name="connsiteX1" fmla="*/ 294227 w 294227"/>
+                <a:gd name="connsiteY1" fmla="*/ 15907 h 294132"/>
+                <a:gd name="connsiteX2" fmla="*/ 15907 w 294227"/>
+                <a:gd name="connsiteY2" fmla="*/ 294132 h 294132"/>
+                <a:gd name="connsiteX3" fmla="*/ 0 w 294227"/>
+                <a:gd name="connsiteY3" fmla="*/ 292894 h 294132"/>
+              </a:gdLst>
+              <a:ahLst/>
+              <a:cxnLst>
+                <a:cxn ang="0">
+                  <a:pos x="connsiteX0" y="connsiteY0"/>
+                </a:cxn>
+                <a:cxn ang="0">
+                  <a:pos x="connsiteX1" y="connsiteY1"/>
+                </a:cxn>
+                <a:cxn ang="0">
+                  <a:pos x="connsiteX2" y="connsiteY2"/>
+                </a:cxn>
+                <a:cxn ang="0">
+                  <a:pos x="connsiteX3" y="connsiteY3"/>
+                </a:cxn>
+              </a:cxnLst>
+              <a:rect l="l" t="t" r="r" b="b"/>
+              <a:pathLst>
+                <a:path w="294227" h="294132">
+                  <a:moveTo>
+                    <a:pt x="292989" y="0"/>
+                  </a:moveTo>
+                  <a:cubicBezTo>
+                    <a:pt x="293561" y="5334"/>
+                    <a:pt x="293942" y="10668"/>
+                    <a:pt x="294227" y="15907"/>
+                  </a:cubicBezTo>
+                  <a:lnTo>
+                    <a:pt x="15907" y="294132"/>
+                  </a:lnTo>
+                  <a:cubicBezTo>
+                    <a:pt x="10668" y="294132"/>
+                    <a:pt x="5334" y="293465"/>
+                    <a:pt x="0" y="292894"/>
+                  </a:cubicBezTo>
+                  <a:close/>
+                </a:path>
+              </a:pathLst>
+            </a:custGeom>
+            <a:grpFill/>
+            <a:ln w="9525" cap="flat">
+              <a:noFill/>
+              <a:prstDash val="solid"/>
+              <a:miter/>
+            </a:ln>
+          </p:spPr>
+          <p:txBody>
+            <a:bodyPr rtlCol="0" anchor="ctr"/>
+            <a:lstStyle/>
+            <a:p>
+              <a:endParaRPr lang="en-US"/>
+            </a:p>
+          </p:txBody>
+        </p:sp>
+        <p:sp>
+          <p:nvSpPr>
+            <p:cNvPr id="33" name="Freeform: Shape 32">
+              <a:extLst>
+                <a:ext uri="{FF2B5EF4-FFF2-40B4-BE49-F238E27FC236}">
+                  <a16:creationId xmlns:a16="http://schemas.microsoft.com/office/drawing/2014/main" id="{B394906F-6BF2-447E-9886-F12708E12896}"/>
+                </a:ext>
+                <a:ext uri="{C183D7F6-B498-43B3-948B-1728B52AA6E4}">
+                  <adec:decorative xmlns:adec="http://schemas.microsoft.com/office/drawing/2017/decorative" val="1"/>
+                </a:ext>
+              </a:extLst>
+            </p:cNvPr>
+            <p:cNvSpPr/>
+            <p:nvPr>
+              <p:extLst>
+                <p:ext uri="{386F3935-93C4-4BCD-93E2-E3B085C9AB24}">
+                  <p16:designElem xmlns:p16="http://schemas.microsoft.com/office/powerpoint/2015/main" val="1"/>
+                </p:ext>
+              </p:extLst>
+            </p:nvPr>
+          </p:nvSpPr>
+          <p:spPr>
+            <a:xfrm>
+              <a:off x="6129337" y="3462337"/>
+              <a:ext cx="230314" cy="230314"/>
+            </a:xfrm>
+            <a:custGeom>
+              <a:avLst/>
+              <a:gdLst>
+                <a:gd name="connsiteX0" fmla="*/ 230315 w 230314"/>
+                <a:gd name="connsiteY0" fmla="*/ 0 h 230314"/>
+                <a:gd name="connsiteX1" fmla="*/ 226886 w 230314"/>
+                <a:gd name="connsiteY1" fmla="*/ 20574 h 230314"/>
+                <a:gd name="connsiteX2" fmla="*/ 20669 w 230314"/>
+                <a:gd name="connsiteY2" fmla="*/ 226790 h 230314"/>
+                <a:gd name="connsiteX3" fmla="*/ 0 w 230314"/>
+                <a:gd name="connsiteY3" fmla="*/ 230315 h 230314"/>
+              </a:gdLst>
+              <a:ahLst/>
+              <a:cxnLst>
+                <a:cxn ang="0">
+                  <a:pos x="connsiteX0" y="connsiteY0"/>
+                </a:cxn>
+                <a:cxn ang="0">
+                  <a:pos x="connsiteX1" y="connsiteY1"/>
+                </a:cxn>
+                <a:cxn ang="0">
+                  <a:pos x="connsiteX2" y="connsiteY2"/>
+                </a:cxn>
+                <a:cxn ang="0">
+                  <a:pos x="connsiteX3" y="connsiteY3"/>
+                </a:cxn>
+              </a:cxnLst>
+              <a:rect l="l" t="t" r="r" b="b"/>
+              <a:pathLst>
+                <a:path w="230314" h="230314">
+                  <a:moveTo>
+                    <a:pt x="230315" y="0"/>
+                  </a:moveTo>
+                  <a:cubicBezTo>
+                    <a:pt x="229457" y="6953"/>
+                    <a:pt x="228314" y="13716"/>
+                    <a:pt x="226886" y="20574"/>
+                  </a:cubicBezTo>
+                  <a:lnTo>
+                    <a:pt x="20669" y="226790"/>
+                  </a:lnTo>
+                  <a:cubicBezTo>
+                    <a:pt x="13811" y="228314"/>
+                    <a:pt x="6953" y="229457"/>
+                    <a:pt x="0" y="230315"/>
+                  </a:cubicBezTo>
+                  <a:close/>
+                </a:path>
+              </a:pathLst>
+            </a:custGeom>
+            <a:grpFill/>
+            <a:ln w="9525" cap="flat">
+              <a:noFill/>
+              <a:prstDash val="solid"/>
+              <a:miter/>
+            </a:ln>
+          </p:spPr>
+          <p:txBody>
+            <a:bodyPr rtlCol="0" anchor="ctr"/>
+            <a:lstStyle/>
+            <a:p>
+              <a:endParaRPr lang="en-US"/>
+            </a:p>
+          </p:txBody>
+        </p:sp>
+        <p:sp>
+          <p:nvSpPr>
+            <p:cNvPr id="34" name="Freeform: Shape 33">
+              <a:extLst>
+                <a:ext uri="{FF2B5EF4-FFF2-40B4-BE49-F238E27FC236}">
+                  <a16:creationId xmlns:a16="http://schemas.microsoft.com/office/drawing/2014/main" id="{A45EB96B-215A-4EBF-A594-2B082223393E}"/>
+                </a:ext>
+                <a:ext uri="{C183D7F6-B498-43B3-948B-1728B52AA6E4}">
+                  <adec:decorative xmlns:adec="http://schemas.microsoft.com/office/drawing/2017/decorative" val="1"/>
+                </a:ext>
+              </a:extLst>
+            </p:cNvPr>
+            <p:cNvSpPr/>
+            <p:nvPr>
+              <p:extLst>
+                <p:ext uri="{386F3935-93C4-4BCD-93E2-E3B085C9AB24}">
+                  <p16:designElem xmlns:p16="http://schemas.microsoft.com/office/powerpoint/2015/main" val="1"/>
+                </p:ext>
+              </p:extLst>
+            </p:nvPr>
+          </p:nvSpPr>
+          <p:spPr>
+            <a:xfrm>
+              <a:off x="6218682" y="3551682"/>
+              <a:ext cx="112871" cy="112871"/>
+            </a:xfrm>
+            <a:custGeom>
+              <a:avLst/>
+              <a:gdLst>
+                <a:gd name="connsiteX0" fmla="*/ 112871 w 112871"/>
+                <a:gd name="connsiteY0" fmla="*/ 0 h 112871"/>
+                <a:gd name="connsiteX1" fmla="*/ 0 w 112871"/>
+                <a:gd name="connsiteY1" fmla="*/ 112871 h 112871"/>
+              </a:gdLst>
+              <a:ahLst/>
+              <a:cxnLst>
+                <a:cxn ang="0">
+                  <a:pos x="connsiteX0" y="connsiteY0"/>
+                </a:cxn>
+                <a:cxn ang="0">
+                  <a:pos x="connsiteX1" y="connsiteY1"/>
+                </a:cxn>
+              </a:cxnLst>
+              <a:rect l="l" t="t" r="r" b="b"/>
+              <a:pathLst>
+                <a:path w="112871" h="112871">
+                  <a:moveTo>
+                    <a:pt x="112871" y="0"/>
+                  </a:moveTo>
+                  <a:cubicBezTo>
+                    <a:pt x="87618" y="48239"/>
+                    <a:pt x="48239" y="87618"/>
+                    <a:pt x="0" y="112871"/>
+                  </a:cubicBezTo>
+                  <a:close/>
+                </a:path>
+              </a:pathLst>
+            </a:custGeom>
+            <a:grpFill/>
+            <a:ln w="9525" cap="flat">
+              <a:noFill/>
+              <a:prstDash val="solid"/>
+              <a:miter/>
+            </a:ln>
+          </p:spPr>
+          <p:txBody>
+            <a:bodyPr rtlCol="0" anchor="ctr"/>
+            <a:lstStyle/>
+            <a:p>
+              <a:endParaRPr lang="en-US" dirty="0"/>
+            </a:p>
+          </p:txBody>
+        </p:sp>
+      </p:grpSp>
+      <p:graphicFrame>
+        <p:nvGraphicFramePr>
+          <p:cNvPr id="5" name="Content Placeholder 2">
+            <a:extLst>
+              <a:ext uri="{FF2B5EF4-FFF2-40B4-BE49-F238E27FC236}">
+                <a16:creationId xmlns:a16="http://schemas.microsoft.com/office/drawing/2014/main" id="{B57B65C9-7014-3CE6-CFCC-477A1B8EF05D}"/>
+              </a:ext>
+            </a:extLst>
+          </p:cNvPr>
+          <p:cNvGraphicFramePr>
+            <a:graphicFrameLocks noGrp="1"/>
+          </p:cNvGraphicFramePr>
+          <p:nvPr>
+            <p:ph idx="1"/>
+            <p:extLst>
+              <p:ext uri="{D42A27DB-BD31-4B8C-83A1-F6EECF244321}">
+                <p14:modId xmlns:p14="http://schemas.microsoft.com/office/powerpoint/2010/main" val="2677058237"/>
+              </p:ext>
+            </p:extLst>
+          </p:nvPr>
+        </p:nvGraphicFramePr>
+        <p:xfrm>
+          <a:off x="5484139" y="477540"/>
+          <a:ext cx="6301601" cy="5878809"/>
+        </p:xfrm>
+        <a:graphic>
+          <a:graphicData uri="http://schemas.openxmlformats.org/drawingml/2006/diagram">
+            <dgm:relIds xmlns:dgm="http://schemas.openxmlformats.org/drawingml/2006/diagram" xmlns:r="http://schemas.openxmlformats.org/officeDocument/2006/relationships" r:dm="rId2" r:lo="rId3" r:qs="rId4" r:cs="rId5"/>
+          </a:graphicData>
+        </a:graphic>
+      </p:graphicFrame>
+    </p:spTree>
+    <p:extLst>
+      <p:ext uri="{BB962C8B-B14F-4D97-AF65-F5344CB8AC3E}">
+        <p14:creationId xmlns:p14="http://schemas.microsoft.com/office/powerpoint/2010/main" val="753291755"/>
+      </p:ext>
+    </p:extLst>
+  </p:cSld>
+  <p:clrMapOvr>
+    <a:masterClrMapping/>
+  </p:clrMapOvr>
+</p:sld>
+</file>
+
+<file path=ppt/slides/slide19.xml><?xml version="1.0" encoding="utf-8"?>
+<p:sld xmlns:a="http://schemas.openxmlformats.org/drawingml/2006/main" xmlns:r="http://schemas.openxmlformats.org/officeDocument/2006/relationships" xmlns:p="http://schemas.openxmlformats.org/presentationml/2006/main">
+  <p:cSld>
+    <p:bg>
+      <p:bgPr>
+        <a:solidFill>
+          <a:schemeClr val="bg1"/>
+        </a:solidFill>
+        <a:effectLst/>
+      </p:bgPr>
+    </p:bg>
+    <p:spTree>
+      <p:nvGrpSpPr>
+        <p:cNvPr id="1" name=""/>
+        <p:cNvGrpSpPr/>
+        <p:nvPr/>
+      </p:nvGrpSpPr>
+      <p:grpSpPr>
+        <a:xfrm>
+          <a:off x="0" y="0"/>
+          <a:ext cx="0" cy="0"/>
+          <a:chOff x="0" y="0"/>
+          <a:chExt cx="0" cy="0"/>
+        </a:xfrm>
+      </p:grpSpPr>
+      <p:sp useBgFill="1">
+        <p:nvSpPr>
+          <p:cNvPr id="9" name="Rectangle 8">
+            <a:extLst>
+              <a:ext uri="{FF2B5EF4-FFF2-40B4-BE49-F238E27FC236}">
+                <a16:creationId xmlns:a16="http://schemas.microsoft.com/office/drawing/2014/main" id="{0C541B88-1AE9-40C3-AFD5-967787C1979F}"/>
+              </a:ext>
+              <a:ext uri="{C183D7F6-B498-43B3-948B-1728B52AA6E4}">
+                <adec:decorative xmlns:adec="http://schemas.microsoft.com/office/drawing/2017/decorative" val="1"/>
+              </a:ext>
+            </a:extLst>
+          </p:cNvPr>
+          <p:cNvSpPr>
+            <a:spLocks noGrp="1" noRot="1" noChangeAspect="1" noMove="1" noResize="1" noEditPoints="1" noAdjustHandles="1" noChangeArrowheads="1" noChangeShapeType="1" noTextEdit="1"/>
+          </p:cNvSpPr>
+          <p:nvPr>
+            <p:extLst>
+              <p:ext uri="{386F3935-93C4-4BCD-93E2-E3B085C9AB24}">
+                <p16:designElem xmlns:p16="http://schemas.microsoft.com/office/powerpoint/2015/main" val="1"/>
+              </p:ext>
+            </p:extLst>
+          </p:nvPr>
+        </p:nvSpPr>
+        <p:spPr>
+          <a:xfrm>
+            <a:off x="0" y="0"/>
+            <a:ext cx="12192000" cy="6858000"/>
+          </a:xfrm>
+          <a:prstGeom prst="rect">
+            <a:avLst/>
+          </a:prstGeom>
+          <a:ln>
+            <a:noFill/>
+          </a:ln>
+        </p:spPr>
+        <p:style>
+          <a:lnRef idx="2">
+            <a:schemeClr val="accent1">
+              <a:shade val="50000"/>
+            </a:schemeClr>
+          </a:lnRef>
+          <a:fillRef idx="1">
+            <a:schemeClr val="accent1"/>
+          </a:fillRef>
+          <a:effectRef idx="0">
+            <a:schemeClr val="accent1"/>
+          </a:effectRef>
+          <a:fontRef idx="minor">
+            <a:schemeClr val="lt1"/>
+          </a:fontRef>
+        </p:style>
+        <p:txBody>
+          <a:bodyPr rtlCol="0" anchor="ctr"/>
+          <a:lstStyle/>
+          <a:p>
+            <a:pPr algn="ctr"/>
+            <a:endParaRPr lang="en-US" dirty="0"/>
+          </a:p>
+        </p:txBody>
+      </p:sp>
+      <p:sp>
+        <p:nvSpPr>
+          <p:cNvPr id="11" name="Rectangle 10">
+            <a:extLst>
+              <a:ext uri="{FF2B5EF4-FFF2-40B4-BE49-F238E27FC236}">
+                <a16:creationId xmlns:a16="http://schemas.microsoft.com/office/drawing/2014/main" id="{E5F17139-31EE-46AC-B04F-DBBD852DD6CB}"/>
+              </a:ext>
+              <a:ext uri="{C183D7F6-B498-43B3-948B-1728B52AA6E4}">
+                <adec:decorative xmlns:adec="http://schemas.microsoft.com/office/drawing/2017/decorative" val="1"/>
+              </a:ext>
+            </a:extLst>
+          </p:cNvPr>
+          <p:cNvSpPr>
+            <a:spLocks noGrp="1" noRot="1" noChangeAspect="1" noMove="1" noResize="1" noEditPoints="1" noAdjustHandles="1" noChangeArrowheads="1" noChangeShapeType="1" noTextEdit="1"/>
+          </p:cNvSpPr>
+          <p:nvPr>
+            <p:extLst>
+              <p:ext uri="{386F3935-93C4-4BCD-93E2-E3B085C9AB24}">
+                <p16:designElem xmlns:p16="http://schemas.microsoft.com/office/powerpoint/2015/main" val="1"/>
+              </p:ext>
+            </p:extLst>
+          </p:nvPr>
+        </p:nvSpPr>
+        <p:spPr>
+          <a:xfrm>
+            <a:off x="0" y="0"/>
+            <a:ext cx="4890596" cy="6858000"/>
+          </a:xfrm>
+          <a:prstGeom prst="rect">
+            <a:avLst/>
+          </a:prstGeom>
+          <a:solidFill>
+            <a:schemeClr val="tx1"/>
+          </a:solidFill>
+          <a:ln>
+            <a:noFill/>
+          </a:ln>
+        </p:spPr>
+        <p:style>
+          <a:lnRef idx="2">
+            <a:schemeClr val="accent1">
+              <a:shade val="50000"/>
+            </a:schemeClr>
+          </a:lnRef>
+          <a:fillRef idx="1">
+            <a:schemeClr val="accent1"/>
+          </a:fillRef>
+          <a:effectRef idx="0">
+            <a:schemeClr val="accent1"/>
+          </a:effectRef>
+          <a:fontRef idx="minor">
+            <a:schemeClr val="lt1"/>
+          </a:fontRef>
+        </p:style>
+        <p:txBody>
+          <a:bodyPr rtlCol="0" anchor="ctr"/>
+          <a:lstStyle/>
+          <a:p>
+            <a:pPr algn="ctr"/>
+            <a:endParaRPr lang="en-US" dirty="0"/>
+          </a:p>
+        </p:txBody>
+      </p:sp>
+      <p:sp>
+        <p:nvSpPr>
+          <p:cNvPr id="2" name="Title 1">
+            <a:extLst>
+              <a:ext uri="{FF2B5EF4-FFF2-40B4-BE49-F238E27FC236}">
                 <a16:creationId xmlns:a16="http://schemas.microsoft.com/office/drawing/2014/main" id="{FD67C268-ACF1-3E7E-2DFB-FDD711403C2C}"/>
               </a:ext>
             </a:extLst>
